--- a/documentacao/chameleon.pptx
+++ b/documentacao/chameleon.pptx
@@ -281,7 +281,7 @@
           <a:p>
             <a:fld id="{F50B35C2-D55D-43EC-A9F9-87B33DB15AB7}" type="datetimeFigureOut">
               <a:rPr lang="pt-BR" smtClean="0"/>
-              <a:t>25/06/2020</a:t>
+              <a:t>27/06/2020</a:t>
             </a:fld>
             <a:endParaRPr lang="pt-BR"/>
           </a:p>
@@ -449,7 +449,7 @@
           <a:p>
             <a:fld id="{F50B35C2-D55D-43EC-A9F9-87B33DB15AB7}" type="datetimeFigureOut">
               <a:rPr lang="pt-BR" smtClean="0"/>
-              <a:t>25/06/2020</a:t>
+              <a:t>27/06/2020</a:t>
             </a:fld>
             <a:endParaRPr lang="pt-BR"/>
           </a:p>
@@ -627,7 +627,7 @@
           <a:p>
             <a:fld id="{F50B35C2-D55D-43EC-A9F9-87B33DB15AB7}" type="datetimeFigureOut">
               <a:rPr lang="pt-BR" smtClean="0"/>
-              <a:t>25/06/2020</a:t>
+              <a:t>27/06/2020</a:t>
             </a:fld>
             <a:endParaRPr lang="pt-BR"/>
           </a:p>
@@ -795,7 +795,7 @@
           <a:p>
             <a:fld id="{F50B35C2-D55D-43EC-A9F9-87B33DB15AB7}" type="datetimeFigureOut">
               <a:rPr lang="pt-BR" smtClean="0"/>
-              <a:t>25/06/2020</a:t>
+              <a:t>27/06/2020</a:t>
             </a:fld>
             <a:endParaRPr lang="pt-BR"/>
           </a:p>
@@ -1040,7 +1040,7 @@
           <a:p>
             <a:fld id="{F50B35C2-D55D-43EC-A9F9-87B33DB15AB7}" type="datetimeFigureOut">
               <a:rPr lang="pt-BR" smtClean="0"/>
-              <a:t>25/06/2020</a:t>
+              <a:t>27/06/2020</a:t>
             </a:fld>
             <a:endParaRPr lang="pt-BR"/>
           </a:p>
@@ -1269,7 +1269,7 @@
           <a:p>
             <a:fld id="{F50B35C2-D55D-43EC-A9F9-87B33DB15AB7}" type="datetimeFigureOut">
               <a:rPr lang="pt-BR" smtClean="0"/>
-              <a:t>25/06/2020</a:t>
+              <a:t>27/06/2020</a:t>
             </a:fld>
             <a:endParaRPr lang="pt-BR"/>
           </a:p>
@@ -1633,7 +1633,7 @@
           <a:p>
             <a:fld id="{F50B35C2-D55D-43EC-A9F9-87B33DB15AB7}" type="datetimeFigureOut">
               <a:rPr lang="pt-BR" smtClean="0"/>
-              <a:t>25/06/2020</a:t>
+              <a:t>27/06/2020</a:t>
             </a:fld>
             <a:endParaRPr lang="pt-BR"/>
           </a:p>
@@ -1750,7 +1750,7 @@
           <a:p>
             <a:fld id="{F50B35C2-D55D-43EC-A9F9-87B33DB15AB7}" type="datetimeFigureOut">
               <a:rPr lang="pt-BR" smtClean="0"/>
-              <a:t>25/06/2020</a:t>
+              <a:t>27/06/2020</a:t>
             </a:fld>
             <a:endParaRPr lang="pt-BR"/>
           </a:p>
@@ -1845,7 +1845,7 @@
           <a:p>
             <a:fld id="{F50B35C2-D55D-43EC-A9F9-87B33DB15AB7}" type="datetimeFigureOut">
               <a:rPr lang="pt-BR" smtClean="0"/>
-              <a:t>25/06/2020</a:t>
+              <a:t>27/06/2020</a:t>
             </a:fld>
             <a:endParaRPr lang="pt-BR"/>
           </a:p>
@@ -2120,7 +2120,7 @@
           <a:p>
             <a:fld id="{F50B35C2-D55D-43EC-A9F9-87B33DB15AB7}" type="datetimeFigureOut">
               <a:rPr lang="pt-BR" smtClean="0"/>
-              <a:t>25/06/2020</a:t>
+              <a:t>27/06/2020</a:t>
             </a:fld>
             <a:endParaRPr lang="pt-BR"/>
           </a:p>
@@ -2372,7 +2372,7 @@
           <a:p>
             <a:fld id="{F50B35C2-D55D-43EC-A9F9-87B33DB15AB7}" type="datetimeFigureOut">
               <a:rPr lang="pt-BR" smtClean="0"/>
-              <a:t>25/06/2020</a:t>
+              <a:t>27/06/2020</a:t>
             </a:fld>
             <a:endParaRPr lang="pt-BR"/>
           </a:p>
@@ -2583,7 +2583,7 @@
           <a:p>
             <a:fld id="{F50B35C2-D55D-43EC-A9F9-87B33DB15AB7}" type="datetimeFigureOut">
               <a:rPr lang="pt-BR" smtClean="0"/>
-              <a:t>25/06/2020</a:t>
+              <a:t>27/06/2020</a:t>
             </a:fld>
             <a:endParaRPr lang="pt-BR"/>
           </a:p>
@@ -3606,7 +3606,7 @@
                 </a:solidFill>
                 <a:latin typeface="Bariol Bold" panose="02000506040000020003" pitchFamily="2" charset="0"/>
               </a:rPr>
-              <a:t>timer</a:t>
+              <a:t>time</a:t>
             </a:r>
             <a:endParaRPr lang="pt-BR" dirty="0">
               <a:solidFill>
@@ -3617,250 +3617,6 @@
               </a:solidFill>
               <a:latin typeface="Bariol Bold" panose="02000506040000020003" pitchFamily="2" charset="0"/>
             </a:endParaRPr>
-          </a:p>
-        </p:txBody>
-      </p:sp>
-      <p:sp>
-        <p:nvSpPr>
-          <p:cNvPr id="8" name="CaixaDeTexto 7">
-            <a:extLst>
-              <a:ext uri="{FF2B5EF4-FFF2-40B4-BE49-F238E27FC236}">
-                <a16:creationId xmlns:a16="http://schemas.microsoft.com/office/drawing/2014/main" id="{B8325861-1F2F-4268-ABB8-C47708A22645}"/>
-              </a:ext>
-            </a:extLst>
-          </p:cNvPr>
-          <p:cNvSpPr txBox="1"/>
-          <p:nvPr/>
-        </p:nvSpPr>
-        <p:spPr>
-          <a:xfrm>
-            <a:off x="696161" y="4376752"/>
-            <a:ext cx="1590471" cy="954107"/>
-          </a:xfrm>
-          <a:prstGeom prst="rect">
-            <a:avLst/>
-          </a:prstGeom>
-          <a:noFill/>
-        </p:spPr>
-        <p:txBody>
-          <a:bodyPr wrap="square" rtlCol="0">
-            <a:spAutoFit/>
-          </a:bodyPr>
-          <a:lstStyle/>
-          <a:p>
-            <a:pPr algn="ctr"/>
-            <a:r>
-              <a:rPr lang="pt-BR" sz="2800" dirty="0">
-                <a:latin typeface="Bariol Bold" panose="02000506040000020003" pitchFamily="2" charset="0"/>
-              </a:rPr>
-              <a:t>Christian </a:t>
-            </a:r>
-          </a:p>
-          <a:p>
-            <a:pPr algn="ctr"/>
-            <a:r>
-              <a:rPr lang="pt-BR" sz="2800" dirty="0">
-                <a:latin typeface="Bariol Bold" panose="02000506040000020003" pitchFamily="2" charset="0"/>
-              </a:rPr>
-              <a:t>Raphael</a:t>
-            </a:r>
-          </a:p>
-        </p:txBody>
-      </p:sp>
-      <p:sp>
-        <p:nvSpPr>
-          <p:cNvPr id="9" name="CaixaDeTexto 8">
-            <a:extLst>
-              <a:ext uri="{FF2B5EF4-FFF2-40B4-BE49-F238E27FC236}">
-                <a16:creationId xmlns:a16="http://schemas.microsoft.com/office/drawing/2014/main" id="{C1CD548A-80ED-4522-9EDB-054404B21EE9}"/>
-              </a:ext>
-            </a:extLst>
-          </p:cNvPr>
-          <p:cNvSpPr txBox="1"/>
-          <p:nvPr/>
-        </p:nvSpPr>
-        <p:spPr>
-          <a:xfrm>
-            <a:off x="2536554" y="4377420"/>
-            <a:ext cx="1590471" cy="954107"/>
-          </a:xfrm>
-          <a:prstGeom prst="rect">
-            <a:avLst/>
-          </a:prstGeom>
-          <a:noFill/>
-        </p:spPr>
-        <p:txBody>
-          <a:bodyPr wrap="square" rtlCol="0">
-            <a:spAutoFit/>
-          </a:bodyPr>
-          <a:lstStyle/>
-          <a:p>
-            <a:pPr algn="ctr"/>
-            <a:r>
-              <a:rPr lang="pt-BR" sz="2800" dirty="0">
-                <a:latin typeface="Bariol Bold" panose="02000506040000020003" pitchFamily="2" charset="0"/>
-              </a:rPr>
-              <a:t>Gustavo</a:t>
-            </a:r>
-          </a:p>
-          <a:p>
-            <a:pPr algn="ctr"/>
-            <a:r>
-              <a:rPr lang="pt-BR" sz="2800" dirty="0">
-                <a:latin typeface="Bariol Bold" panose="02000506040000020003" pitchFamily="2" charset="0"/>
-              </a:rPr>
-              <a:t>Henrique</a:t>
-            </a:r>
-          </a:p>
-        </p:txBody>
-      </p:sp>
-      <p:sp>
-        <p:nvSpPr>
-          <p:cNvPr id="10" name="CaixaDeTexto 9">
-            <a:extLst>
-              <a:ext uri="{FF2B5EF4-FFF2-40B4-BE49-F238E27FC236}">
-                <a16:creationId xmlns:a16="http://schemas.microsoft.com/office/drawing/2014/main" id="{A943B0FE-F317-47B4-AF95-1BF63C89F003}"/>
-              </a:ext>
-            </a:extLst>
-          </p:cNvPr>
-          <p:cNvSpPr txBox="1"/>
-          <p:nvPr/>
-        </p:nvSpPr>
-        <p:spPr>
-          <a:xfrm>
-            <a:off x="4376947" y="4376751"/>
-            <a:ext cx="1590471" cy="954107"/>
-          </a:xfrm>
-          <a:prstGeom prst="rect">
-            <a:avLst/>
-          </a:prstGeom>
-          <a:noFill/>
-        </p:spPr>
-        <p:txBody>
-          <a:bodyPr wrap="square" rtlCol="0">
-            <a:spAutoFit/>
-          </a:bodyPr>
-          <a:lstStyle/>
-          <a:p>
-            <a:pPr algn="ctr"/>
-            <a:r>
-              <a:rPr lang="pt-BR" sz="2800" dirty="0" smtClean="0">
-                <a:latin typeface="Bariol Bold" panose="02000506040000020003" pitchFamily="2" charset="0"/>
-              </a:rPr>
-              <a:t>Gisele</a:t>
-            </a:r>
-            <a:endParaRPr lang="pt-BR" sz="2800" dirty="0">
-              <a:latin typeface="Bariol Bold" panose="02000506040000020003" pitchFamily="2" charset="0"/>
-            </a:endParaRPr>
-          </a:p>
-          <a:p>
-            <a:pPr algn="ctr"/>
-            <a:r>
-              <a:rPr lang="pt-BR" sz="2800" dirty="0">
-                <a:latin typeface="Bariol Bold" panose="02000506040000020003" pitchFamily="2" charset="0"/>
-              </a:rPr>
-              <a:t>Araújo</a:t>
-            </a:r>
-          </a:p>
-        </p:txBody>
-      </p:sp>
-      <p:sp>
-        <p:nvSpPr>
-          <p:cNvPr id="11" name="CaixaDeTexto 10">
-            <a:extLst>
-              <a:ext uri="{FF2B5EF4-FFF2-40B4-BE49-F238E27FC236}">
-                <a16:creationId xmlns:a16="http://schemas.microsoft.com/office/drawing/2014/main" id="{79D4990C-EB5C-46BD-906D-1D4B714A6937}"/>
-              </a:ext>
-            </a:extLst>
-          </p:cNvPr>
-          <p:cNvSpPr txBox="1"/>
-          <p:nvPr/>
-        </p:nvSpPr>
-        <p:spPr>
-          <a:xfrm>
-            <a:off x="6225257" y="4376750"/>
-            <a:ext cx="1590471" cy="954107"/>
-          </a:xfrm>
-          <a:prstGeom prst="rect">
-            <a:avLst/>
-          </a:prstGeom>
-          <a:noFill/>
-        </p:spPr>
-        <p:txBody>
-          <a:bodyPr wrap="square" rtlCol="0">
-            <a:spAutoFit/>
-          </a:bodyPr>
-          <a:lstStyle/>
-          <a:p>
-            <a:pPr algn="ctr"/>
-            <a:r>
-              <a:rPr lang="pt-BR" sz="2800" dirty="0">
-                <a:latin typeface="Bariol Bold" panose="02000506040000020003" pitchFamily="2" charset="0"/>
-              </a:rPr>
-              <a:t>Guilherme</a:t>
-            </a:r>
-          </a:p>
-          <a:p>
-            <a:pPr algn="ctr"/>
-            <a:r>
-              <a:rPr lang="pt-BR" sz="2800" dirty="0" smtClean="0">
-                <a:latin typeface="Bariol Bold" panose="02000506040000020003" pitchFamily="2" charset="0"/>
-              </a:rPr>
-              <a:t>Silva</a:t>
-            </a:r>
-            <a:endParaRPr lang="pt-BR" sz="2800" dirty="0">
-              <a:latin typeface="Bariol Bold" panose="02000506040000020003" pitchFamily="2" charset="0"/>
-            </a:endParaRPr>
-          </a:p>
-        </p:txBody>
-      </p:sp>
-      <p:sp>
-        <p:nvSpPr>
-          <p:cNvPr id="12" name="CaixaDeTexto 11">
-            <a:extLst>
-              <a:ext uri="{FF2B5EF4-FFF2-40B4-BE49-F238E27FC236}">
-                <a16:creationId xmlns:a16="http://schemas.microsoft.com/office/drawing/2014/main" id="{3EEDA333-49AA-47A1-9E18-27FCA69C6ADA}"/>
-              </a:ext>
-            </a:extLst>
-          </p:cNvPr>
-          <p:cNvSpPr txBox="1"/>
-          <p:nvPr/>
-        </p:nvSpPr>
-        <p:spPr>
-          <a:xfrm>
-            <a:off x="8073567" y="4376748"/>
-            <a:ext cx="1590471" cy="954107"/>
-          </a:xfrm>
-          <a:prstGeom prst="rect">
-            <a:avLst/>
-          </a:prstGeom>
-          <a:noFill/>
-        </p:spPr>
-        <p:txBody>
-          <a:bodyPr wrap="square" rtlCol="0">
-            <a:spAutoFit/>
-          </a:bodyPr>
-          <a:lstStyle/>
-          <a:p>
-            <a:pPr algn="ctr"/>
-            <a:r>
-              <a:rPr lang="pt-BR" sz="2800" dirty="0" err="1">
-                <a:latin typeface="Bariol Bold" panose="02000506040000020003" pitchFamily="2" charset="0"/>
-              </a:rPr>
-              <a:t>Adaías</a:t>
-            </a:r>
-            <a:endParaRPr lang="pt-BR" sz="2800" dirty="0">
-              <a:latin typeface="Bariol Bold" panose="02000506040000020003" pitchFamily="2" charset="0"/>
-            </a:endParaRPr>
-          </a:p>
-          <a:p>
-            <a:pPr algn="ctr"/>
-            <a:r>
-              <a:rPr lang="pt-BR" sz="2800" dirty="0">
-                <a:latin typeface="Bariol Bold" panose="02000506040000020003" pitchFamily="2" charset="0"/>
-              </a:rPr>
-              <a:t>Santos</a:t>
-            </a:r>
           </a:p>
         </p:txBody>
       </p:sp>
@@ -3896,60 +3652,59 @@
       </p:pic>
       <p:sp>
         <p:nvSpPr>
-          <p:cNvPr id="16" name="CaixaDeTexto 15">
-            <a:extLst>
-              <a:ext uri="{FF2B5EF4-FFF2-40B4-BE49-F238E27FC236}">
-                <a16:creationId xmlns:a16="http://schemas.microsoft.com/office/drawing/2014/main" id="{3EEDA333-49AA-47A1-9E18-27FCA69C6ADA}"/>
-              </a:ext>
-            </a:extLst>
-          </p:cNvPr>
-          <p:cNvSpPr txBox="1"/>
+          <p:cNvPr id="18" name="Retângulo 17"/>
+          <p:cNvSpPr/>
           <p:nvPr/>
         </p:nvSpPr>
         <p:spPr>
           <a:xfrm>
-            <a:off x="9921877" y="4376748"/>
-            <a:ext cx="1590471" cy="954107"/>
+            <a:off x="772885" y="1395104"/>
+            <a:ext cx="5471161" cy="1678111"/>
           </a:xfrm>
           <a:prstGeom prst="rect">
             <a:avLst/>
           </a:prstGeom>
-          <a:noFill/>
         </p:spPr>
+        <p:style>
+          <a:lnRef idx="2">
+            <a:schemeClr val="accent1">
+              <a:shade val="50000"/>
+            </a:schemeClr>
+          </a:lnRef>
+          <a:fillRef idx="1">
+            <a:schemeClr val="accent1"/>
+          </a:fillRef>
+          <a:effectRef idx="0">
+            <a:schemeClr val="accent1"/>
+          </a:effectRef>
+          <a:fontRef idx="minor">
+            <a:schemeClr val="lt1"/>
+          </a:fontRef>
+        </p:style>
         <p:txBody>
-          <a:bodyPr wrap="square" rtlCol="0">
-            <a:spAutoFit/>
-          </a:bodyPr>
+          <a:bodyPr rtlCol="0" anchor="ctr"/>
           <a:lstStyle/>
           <a:p>
             <a:pPr algn="ctr"/>
-            <a:r>
-              <a:rPr lang="pt-BR" sz="2800" dirty="0">
-                <a:latin typeface="Bariol Bold" panose="02000506040000020003" pitchFamily="2" charset="0"/>
-              </a:rPr>
-              <a:t>Guilherme</a:t>
-            </a:r>
-          </a:p>
-          <a:p>
-            <a:pPr algn="ctr"/>
-            <a:r>
-              <a:rPr lang="pt-BR" sz="2800" dirty="0">
-                <a:latin typeface="Bariol Bold" panose="02000506040000020003" pitchFamily="2" charset="0"/>
-              </a:rPr>
-              <a:t>De Sá</a:t>
-            </a:r>
+            <a:endParaRPr lang="pt-BR"/>
           </a:p>
         </p:txBody>
       </p:sp>
       <p:pic>
         <p:nvPicPr>
-          <p:cNvPr id="22" name="Imagem 21"/>
+          <p:cNvPr id="21" name="Imagem 20" descr="Homem com óculos de grau e camisa preta&#10;&#10;Descrição gerada automaticamente">
+            <a:extLst>
+              <a:ext uri="{FF2B5EF4-FFF2-40B4-BE49-F238E27FC236}">
+                <a16:creationId xmlns:a16="http://schemas.microsoft.com/office/drawing/2014/main" id="{D815F394-F527-4EF6-8095-041600C68E39}"/>
+              </a:ext>
+            </a:extLst>
+          </p:cNvPr>
           <p:cNvPicPr>
             <a:picLocks noChangeAspect="1"/>
           </p:cNvPicPr>
           <p:nvPr/>
         </p:nvPicPr>
-        <p:blipFill>
+        <p:blipFill rotWithShape="1">
           <a:blip r:embed="rId3" cstate="print">
             <a:extLst>
               <a:ext uri="{28A0092B-C50C-407E-A947-70E740481C1C}">
@@ -3957,23 +3712,62 @@
               </a:ext>
             </a:extLst>
           </a:blip>
-          <a:stretch>
-            <a:fillRect/>
-          </a:stretch>
+          <a:srcRect l="887" t="13646" r="585" b="13646"/>
+          <a:stretch/>
         </p:blipFill>
         <p:spPr>
           <a:xfrm>
-            <a:off x="2573323" y="2444911"/>
-            <a:ext cx="1517226" cy="1517226"/>
+            <a:off x="864326" y="1476030"/>
+            <a:ext cx="1519200" cy="1494794"/>
           </a:xfrm>
-          <a:prstGeom prst="ellipse">
+          <a:prstGeom prst="flowChartConnector">
             <a:avLst/>
           </a:prstGeom>
         </p:spPr>
       </p:pic>
+      <p:sp>
+        <p:nvSpPr>
+          <p:cNvPr id="24" name="Retângulo 23"/>
+          <p:cNvSpPr/>
+          <p:nvPr/>
+        </p:nvSpPr>
+        <p:spPr>
+          <a:xfrm>
+            <a:off x="6244046" y="1397434"/>
+            <a:ext cx="5645413" cy="1678111"/>
+          </a:xfrm>
+          <a:prstGeom prst="rect">
+            <a:avLst/>
+          </a:prstGeom>
+        </p:spPr>
+        <p:style>
+          <a:lnRef idx="2">
+            <a:schemeClr val="accent1">
+              <a:shade val="50000"/>
+            </a:schemeClr>
+          </a:lnRef>
+          <a:fillRef idx="1">
+            <a:schemeClr val="accent1"/>
+          </a:fillRef>
+          <a:effectRef idx="0">
+            <a:schemeClr val="accent1"/>
+          </a:effectRef>
+          <a:fontRef idx="minor">
+            <a:schemeClr val="lt1"/>
+          </a:fontRef>
+        </p:style>
+        <p:txBody>
+          <a:bodyPr rtlCol="0" anchor="ctr"/>
+          <a:lstStyle/>
+          <a:p>
+            <a:pPr algn="ctr"/>
+            <a:endParaRPr lang="pt-BR"/>
+          </a:p>
+        </p:txBody>
+      </p:sp>
       <p:pic>
         <p:nvPicPr>
-          <p:cNvPr id="23" name="Imagem 22"/>
+          <p:cNvPr id="26" name="Imagem 25"/>
           <p:cNvPicPr>
             <a:picLocks noChangeAspect="1"/>
           </p:cNvPicPr>
@@ -3993,17 +3787,177 @@
         </p:blipFill>
         <p:spPr>
           <a:xfrm>
-            <a:off x="4411888" y="2442937"/>
-            <a:ext cx="1519200" cy="1519200"/>
+            <a:off x="10252003" y="1531564"/>
+            <a:ext cx="1519200" cy="1493880"/>
           </a:xfrm>
           <a:prstGeom prst="ellipse">
             <a:avLst/>
           </a:prstGeom>
         </p:spPr>
       </p:pic>
+      <p:sp>
+        <p:nvSpPr>
+          <p:cNvPr id="27" name="Retângulo 26"/>
+          <p:cNvSpPr/>
+          <p:nvPr/>
+        </p:nvSpPr>
+        <p:spPr>
+          <a:xfrm>
+            <a:off x="772884" y="3222194"/>
+            <a:ext cx="5471161" cy="1678111"/>
+          </a:xfrm>
+          <a:prstGeom prst="rect">
+            <a:avLst/>
+          </a:prstGeom>
+        </p:spPr>
+        <p:style>
+          <a:lnRef idx="2">
+            <a:schemeClr val="accent1">
+              <a:shade val="50000"/>
+            </a:schemeClr>
+          </a:lnRef>
+          <a:fillRef idx="1">
+            <a:schemeClr val="accent1"/>
+          </a:fillRef>
+          <a:effectRef idx="0">
+            <a:schemeClr val="accent1"/>
+          </a:effectRef>
+          <a:fontRef idx="minor">
+            <a:schemeClr val="lt1"/>
+          </a:fontRef>
+        </p:style>
+        <p:txBody>
+          <a:bodyPr rtlCol="0" anchor="ctr"/>
+          <a:lstStyle/>
+          <a:p>
+            <a:pPr algn="ctr"/>
+            <a:endParaRPr lang="pt-BR"/>
+          </a:p>
+        </p:txBody>
+      </p:sp>
+      <p:sp>
+        <p:nvSpPr>
+          <p:cNvPr id="28" name="Retângulo 27"/>
+          <p:cNvSpPr/>
+          <p:nvPr/>
+        </p:nvSpPr>
+        <p:spPr>
+          <a:xfrm>
+            <a:off x="6244046" y="3230122"/>
+            <a:ext cx="5645413" cy="1670183"/>
+          </a:xfrm>
+          <a:prstGeom prst="rect">
+            <a:avLst/>
+          </a:prstGeom>
+        </p:spPr>
+        <p:style>
+          <a:lnRef idx="2">
+            <a:schemeClr val="accent1">
+              <a:shade val="50000"/>
+            </a:schemeClr>
+          </a:lnRef>
+          <a:fillRef idx="1">
+            <a:schemeClr val="accent1"/>
+          </a:fillRef>
+          <a:effectRef idx="0">
+            <a:schemeClr val="accent1"/>
+          </a:effectRef>
+          <a:fontRef idx="minor">
+            <a:schemeClr val="lt1"/>
+          </a:fontRef>
+        </p:style>
+        <p:txBody>
+          <a:bodyPr rtlCol="0" anchor="ctr"/>
+          <a:lstStyle/>
+          <a:p>
+            <a:pPr algn="ctr"/>
+            <a:endParaRPr lang="pt-BR"/>
+          </a:p>
+        </p:txBody>
+      </p:sp>
+      <p:sp>
+        <p:nvSpPr>
+          <p:cNvPr id="29" name="Retângulo 28"/>
+          <p:cNvSpPr/>
+          <p:nvPr/>
+        </p:nvSpPr>
+        <p:spPr>
+          <a:xfrm>
+            <a:off x="772885" y="5039489"/>
+            <a:ext cx="5471161" cy="1678111"/>
+          </a:xfrm>
+          <a:prstGeom prst="rect">
+            <a:avLst/>
+          </a:prstGeom>
+        </p:spPr>
+        <p:style>
+          <a:lnRef idx="2">
+            <a:schemeClr val="accent1">
+              <a:shade val="50000"/>
+            </a:schemeClr>
+          </a:lnRef>
+          <a:fillRef idx="1">
+            <a:schemeClr val="accent1"/>
+          </a:fillRef>
+          <a:effectRef idx="0">
+            <a:schemeClr val="accent1"/>
+          </a:effectRef>
+          <a:fontRef idx="minor">
+            <a:schemeClr val="lt1"/>
+          </a:fontRef>
+        </p:style>
+        <p:txBody>
+          <a:bodyPr rtlCol="0" anchor="ctr"/>
+          <a:lstStyle/>
+          <a:p>
+            <a:pPr algn="ctr"/>
+            <a:endParaRPr lang="pt-BR"/>
+          </a:p>
+        </p:txBody>
+      </p:sp>
+      <p:sp>
+        <p:nvSpPr>
+          <p:cNvPr id="30" name="Retângulo 29"/>
+          <p:cNvSpPr/>
+          <p:nvPr/>
+        </p:nvSpPr>
+        <p:spPr>
+          <a:xfrm>
+            <a:off x="6244046" y="5041819"/>
+            <a:ext cx="5645413" cy="1678111"/>
+          </a:xfrm>
+          <a:prstGeom prst="rect">
+            <a:avLst/>
+          </a:prstGeom>
+        </p:spPr>
+        <p:style>
+          <a:lnRef idx="2">
+            <a:schemeClr val="accent1">
+              <a:shade val="50000"/>
+            </a:schemeClr>
+          </a:lnRef>
+          <a:fillRef idx="1">
+            <a:schemeClr val="accent1"/>
+          </a:fillRef>
+          <a:effectRef idx="0">
+            <a:schemeClr val="accent1"/>
+          </a:effectRef>
+          <a:fontRef idx="minor">
+            <a:schemeClr val="lt1"/>
+          </a:fontRef>
+        </p:style>
+        <p:txBody>
+          <a:bodyPr rtlCol="0" anchor="ctr"/>
+          <a:lstStyle/>
+          <a:p>
+            <a:pPr algn="ctr"/>
+            <a:endParaRPr lang="pt-BR"/>
+          </a:p>
+        </p:txBody>
+      </p:sp>
       <p:pic>
         <p:nvPicPr>
-          <p:cNvPr id="25" name="Imagem 24"/>
+          <p:cNvPr id="31" name="Imagem 30"/>
           <p:cNvPicPr>
             <a:picLocks noChangeAspect="1"/>
           </p:cNvPicPr>
@@ -4023,8 +3977,8 @@
         </p:blipFill>
         <p:spPr>
           <a:xfrm>
-            <a:off x="8109898" y="2442937"/>
-            <a:ext cx="1519200" cy="1526192"/>
+            <a:off x="866300" y="3286233"/>
+            <a:ext cx="1517226" cy="1517226"/>
           </a:xfrm>
           <a:prstGeom prst="ellipse">
             <a:avLst/>
@@ -4033,7 +3987,7 @@
       </p:pic>
       <p:pic>
         <p:nvPicPr>
-          <p:cNvPr id="17" name="Imagem 16"/>
+          <p:cNvPr id="32" name="Imagem 31"/>
           <p:cNvPicPr>
             <a:picLocks noChangeAspect="1"/>
           </p:cNvPicPr>
@@ -4053,8 +4007,8 @@
         </p:blipFill>
         <p:spPr>
           <a:xfrm>
-            <a:off x="6259906" y="2472771"/>
-            <a:ext cx="1519200" cy="1493880"/>
+            <a:off x="10252003" y="3306081"/>
+            <a:ext cx="1519200" cy="1526192"/>
           </a:xfrm>
           <a:prstGeom prst="ellipse">
             <a:avLst/>
@@ -4063,7 +4017,7 @@
       </p:pic>
       <p:pic>
         <p:nvPicPr>
-          <p:cNvPr id="19" name="Imagem 18"/>
+          <p:cNvPr id="33" name="Imagem 32"/>
           <p:cNvPicPr>
             <a:picLocks noChangeAspect="1"/>
           </p:cNvPicPr>
@@ -4083,7 +4037,7 @@
         </p:blipFill>
         <p:spPr>
           <a:xfrm>
-            <a:off x="9957916" y="2442937"/>
+            <a:off x="868457" y="5118944"/>
             <a:ext cx="1519200" cy="1519200"/>
           </a:xfrm>
           <a:prstGeom prst="ellipse">
@@ -4093,19 +4047,13 @@
       </p:pic>
       <p:pic>
         <p:nvPicPr>
-          <p:cNvPr id="5" name="Imagem 4" descr="Homem com óculos de grau e camisa preta&#10;&#10;Descrição gerada automaticamente">
-            <a:extLst>
-              <a:ext uri="{FF2B5EF4-FFF2-40B4-BE49-F238E27FC236}">
-                <a16:creationId xmlns:a16="http://schemas.microsoft.com/office/drawing/2014/main" id="{D815F394-F527-4EF6-8095-041600C68E39}"/>
-              </a:ext>
-            </a:extLst>
-          </p:cNvPr>
+          <p:cNvPr id="34" name="Imagem 33"/>
           <p:cNvPicPr>
             <a:picLocks noChangeAspect="1"/>
           </p:cNvPicPr>
           <p:nvPr/>
         </p:nvPicPr>
-        <p:blipFill rotWithShape="1">
+        <p:blipFill>
           <a:blip r:embed="rId8" cstate="print">
             <a:extLst>
               <a:ext uri="{28A0092B-C50C-407E-A947-70E740481C1C}">
@@ -4113,15 +4061,16 @@
               </a:ext>
             </a:extLst>
           </a:blip>
-          <a:srcRect l="887" t="13646" r="585" b="13646"/>
-          <a:stretch/>
+          <a:stretch>
+            <a:fillRect/>
+          </a:stretch>
         </p:blipFill>
         <p:spPr>
           <a:xfrm>
-            <a:off x="732784" y="2467343"/>
-            <a:ext cx="1519200" cy="1494794"/>
+            <a:off x="10252003" y="5118944"/>
+            <a:ext cx="1519200" cy="1519200"/>
           </a:xfrm>
-          <a:prstGeom prst="flowChartConnector">
+          <a:prstGeom prst="ellipse">
             <a:avLst/>
           </a:prstGeom>
         </p:spPr>
@@ -13288,7 +13237,7 @@
           <a:p>
             <a:pPr algn="ctr"/>
             <a:r>
-              <a:rPr lang="pt-BR" dirty="0" err="1" smtClean="0">
+              <a:rPr lang="pt-BR" dirty="0" smtClean="0">
                 <a:solidFill>
                   <a:schemeClr val="tx1">
                     <a:lumMod val="75000"/>
@@ -13297,7 +13246,7 @@
                 </a:solidFill>
                 <a:latin typeface="Bariol Bold" panose="02000506040000020003" pitchFamily="2" charset="0"/>
               </a:rPr>
-              <a:t>Desebnvolvimento</a:t>
+              <a:t>Desenvolvimento</a:t>
             </a:r>
             <a:endParaRPr lang="pt-BR" dirty="0">
               <a:solidFill>
@@ -23991,7 +23940,7 @@
           <a:blip r:embed="rId5">
             <a:extLst>
               <a:ext uri="{96DAC541-7B7A-43D3-8B79-37D633B846F1}">
-                <asvg:svgBlip xmlns:asvg="http://schemas.microsoft.com/office/drawing/2016/SVG/main" xmlns="" r:embed="rId6"/>
+                <asvg:svgBlip xmlns="" xmlns:asvg="http://schemas.microsoft.com/office/drawing/2016/SVG/main" r:embed="rId6"/>
               </a:ext>
             </a:extLst>
           </a:blip>
@@ -24027,7 +23976,7 @@
           <a:blip r:embed="rId5">
             <a:extLst>
               <a:ext uri="{96DAC541-7B7A-43D3-8B79-37D633B846F1}">
-                <asvg:svgBlip xmlns:asvg="http://schemas.microsoft.com/office/drawing/2016/SVG/main" xmlns="" r:embed="rId6"/>
+                <asvg:svgBlip xmlns="" xmlns:asvg="http://schemas.microsoft.com/office/drawing/2016/SVG/main" r:embed="rId6"/>
               </a:ext>
             </a:extLst>
           </a:blip>
@@ -25598,7 +25547,7 @@
         </p:nvSpPr>
         <p:spPr>
           <a:xfrm>
-            <a:off x="642257" y="1370965"/>
+            <a:off x="797859" y="2886256"/>
             <a:ext cx="10515600" cy="1325563"/>
           </a:xfrm>
         </p:spPr>

--- a/documentacao/chameleon.pptx
+++ b/documentacao/chameleon.pptx
@@ -7,34 +7,38 @@
   <p:sldIdLst>
     <p:sldId id="258" r:id="rId2"/>
     <p:sldId id="256" r:id="rId3"/>
-    <p:sldId id="259" r:id="rId4"/>
-    <p:sldId id="260" r:id="rId5"/>
-    <p:sldId id="261" r:id="rId6"/>
-    <p:sldId id="275" r:id="rId7"/>
-    <p:sldId id="269" r:id="rId8"/>
-    <p:sldId id="271" r:id="rId9"/>
-    <p:sldId id="292" r:id="rId10"/>
-    <p:sldId id="286" r:id="rId11"/>
-    <p:sldId id="281" r:id="rId12"/>
-    <p:sldId id="283" r:id="rId13"/>
-    <p:sldId id="278" r:id="rId14"/>
-    <p:sldId id="277" r:id="rId15"/>
-    <p:sldId id="279" r:id="rId16"/>
-    <p:sldId id="284" r:id="rId17"/>
-    <p:sldId id="293" r:id="rId18"/>
-    <p:sldId id="287" r:id="rId19"/>
-    <p:sldId id="272" r:id="rId20"/>
-    <p:sldId id="270" r:id="rId21"/>
-    <p:sldId id="265" r:id="rId22"/>
-    <p:sldId id="274" r:id="rId23"/>
-    <p:sldId id="276" r:id="rId24"/>
-    <p:sldId id="264" r:id="rId25"/>
-    <p:sldId id="294" r:id="rId26"/>
-    <p:sldId id="288" r:id="rId27"/>
-    <p:sldId id="289" r:id="rId28"/>
-    <p:sldId id="290" r:id="rId29"/>
-    <p:sldId id="291" r:id="rId30"/>
-    <p:sldId id="280" r:id="rId31"/>
+    <p:sldId id="298" r:id="rId4"/>
+    <p:sldId id="259" r:id="rId5"/>
+    <p:sldId id="260" r:id="rId6"/>
+    <p:sldId id="261" r:id="rId7"/>
+    <p:sldId id="275" r:id="rId8"/>
+    <p:sldId id="269" r:id="rId9"/>
+    <p:sldId id="271" r:id="rId10"/>
+    <p:sldId id="292" r:id="rId11"/>
+    <p:sldId id="286" r:id="rId12"/>
+    <p:sldId id="281" r:id="rId13"/>
+    <p:sldId id="283" r:id="rId14"/>
+    <p:sldId id="278" r:id="rId15"/>
+    <p:sldId id="277" r:id="rId16"/>
+    <p:sldId id="279" r:id="rId17"/>
+    <p:sldId id="284" r:id="rId18"/>
+    <p:sldId id="293" r:id="rId19"/>
+    <p:sldId id="287" r:id="rId20"/>
+    <p:sldId id="272" r:id="rId21"/>
+    <p:sldId id="270" r:id="rId22"/>
+    <p:sldId id="265" r:id="rId23"/>
+    <p:sldId id="274" r:id="rId24"/>
+    <p:sldId id="276" r:id="rId25"/>
+    <p:sldId id="264" r:id="rId26"/>
+    <p:sldId id="294" r:id="rId27"/>
+    <p:sldId id="288" r:id="rId28"/>
+    <p:sldId id="296" r:id="rId29"/>
+    <p:sldId id="297" r:id="rId30"/>
+    <p:sldId id="289" r:id="rId31"/>
+    <p:sldId id="290" r:id="rId32"/>
+    <p:sldId id="295" r:id="rId33"/>
+    <p:sldId id="291" r:id="rId34"/>
+    <p:sldId id="280" r:id="rId35"/>
   </p:sldIdLst>
   <p:sldSz cx="12192000" cy="6858000"/>
   <p:notesSz cx="6858000" cy="9144000"/>
@@ -281,7 +285,7 @@
           <a:p>
             <a:fld id="{F50B35C2-D55D-43EC-A9F9-87B33DB15AB7}" type="datetimeFigureOut">
               <a:rPr lang="pt-BR" smtClean="0"/>
-              <a:t>27/06/2020</a:t>
+              <a:t>28/06/2020</a:t>
             </a:fld>
             <a:endParaRPr lang="pt-BR"/>
           </a:p>
@@ -449,7 +453,7 @@
           <a:p>
             <a:fld id="{F50B35C2-D55D-43EC-A9F9-87B33DB15AB7}" type="datetimeFigureOut">
               <a:rPr lang="pt-BR" smtClean="0"/>
-              <a:t>27/06/2020</a:t>
+              <a:t>28/06/2020</a:t>
             </a:fld>
             <a:endParaRPr lang="pt-BR"/>
           </a:p>
@@ -627,7 +631,7 @@
           <a:p>
             <a:fld id="{F50B35C2-D55D-43EC-A9F9-87B33DB15AB7}" type="datetimeFigureOut">
               <a:rPr lang="pt-BR" smtClean="0"/>
-              <a:t>27/06/2020</a:t>
+              <a:t>28/06/2020</a:t>
             </a:fld>
             <a:endParaRPr lang="pt-BR"/>
           </a:p>
@@ -795,7 +799,7 @@
           <a:p>
             <a:fld id="{F50B35C2-D55D-43EC-A9F9-87B33DB15AB7}" type="datetimeFigureOut">
               <a:rPr lang="pt-BR" smtClean="0"/>
-              <a:t>27/06/2020</a:t>
+              <a:t>28/06/2020</a:t>
             </a:fld>
             <a:endParaRPr lang="pt-BR"/>
           </a:p>
@@ -1040,7 +1044,7 @@
           <a:p>
             <a:fld id="{F50B35C2-D55D-43EC-A9F9-87B33DB15AB7}" type="datetimeFigureOut">
               <a:rPr lang="pt-BR" smtClean="0"/>
-              <a:t>27/06/2020</a:t>
+              <a:t>28/06/2020</a:t>
             </a:fld>
             <a:endParaRPr lang="pt-BR"/>
           </a:p>
@@ -1269,7 +1273,7 @@
           <a:p>
             <a:fld id="{F50B35C2-D55D-43EC-A9F9-87B33DB15AB7}" type="datetimeFigureOut">
               <a:rPr lang="pt-BR" smtClean="0"/>
-              <a:t>27/06/2020</a:t>
+              <a:t>28/06/2020</a:t>
             </a:fld>
             <a:endParaRPr lang="pt-BR"/>
           </a:p>
@@ -1633,7 +1637,7 @@
           <a:p>
             <a:fld id="{F50B35C2-D55D-43EC-A9F9-87B33DB15AB7}" type="datetimeFigureOut">
               <a:rPr lang="pt-BR" smtClean="0"/>
-              <a:t>27/06/2020</a:t>
+              <a:t>28/06/2020</a:t>
             </a:fld>
             <a:endParaRPr lang="pt-BR"/>
           </a:p>
@@ -1750,7 +1754,7 @@
           <a:p>
             <a:fld id="{F50B35C2-D55D-43EC-A9F9-87B33DB15AB7}" type="datetimeFigureOut">
               <a:rPr lang="pt-BR" smtClean="0"/>
-              <a:t>27/06/2020</a:t>
+              <a:t>28/06/2020</a:t>
             </a:fld>
             <a:endParaRPr lang="pt-BR"/>
           </a:p>
@@ -1845,7 +1849,7 @@
           <a:p>
             <a:fld id="{F50B35C2-D55D-43EC-A9F9-87B33DB15AB7}" type="datetimeFigureOut">
               <a:rPr lang="pt-BR" smtClean="0"/>
-              <a:t>27/06/2020</a:t>
+              <a:t>28/06/2020</a:t>
             </a:fld>
             <a:endParaRPr lang="pt-BR"/>
           </a:p>
@@ -2120,7 +2124,7 @@
           <a:p>
             <a:fld id="{F50B35C2-D55D-43EC-A9F9-87B33DB15AB7}" type="datetimeFigureOut">
               <a:rPr lang="pt-BR" smtClean="0"/>
-              <a:t>27/06/2020</a:t>
+              <a:t>28/06/2020</a:t>
             </a:fld>
             <a:endParaRPr lang="pt-BR"/>
           </a:p>
@@ -2372,7 +2376,7 @@
           <a:p>
             <a:fld id="{F50B35C2-D55D-43EC-A9F9-87B33DB15AB7}" type="datetimeFigureOut">
               <a:rPr lang="pt-BR" smtClean="0"/>
-              <a:t>27/06/2020</a:t>
+              <a:t>28/06/2020</a:t>
             </a:fld>
             <a:endParaRPr lang="pt-BR"/>
           </a:p>
@@ -2583,7 +2587,7 @@
           <a:p>
             <a:fld id="{F50B35C2-D55D-43EC-A9F9-87B33DB15AB7}" type="datetimeFigureOut">
               <a:rPr lang="pt-BR" smtClean="0"/>
-              <a:t>27/06/2020</a:t>
+              <a:t>28/06/2020</a:t>
             </a:fld>
             <a:endParaRPr lang="pt-BR"/>
           </a:p>
@@ -3575,6 +3579,313 @@
           <a:chExt cx="0" cy="0"/>
         </a:xfrm>
       </p:grpSpPr>
+      <p:pic>
+        <p:nvPicPr>
+          <p:cNvPr id="15" name="Imagem 14"/>
+          <p:cNvPicPr>
+            <a:picLocks noChangeAspect="1"/>
+          </p:cNvPicPr>
+          <p:nvPr/>
+        </p:nvPicPr>
+        <p:blipFill>
+          <a:blip r:embed="rId2" cstate="print">
+            <a:extLst>
+              <a:ext uri="{28A0092B-C50C-407E-A947-70E740481C1C}">
+                <a14:useLocalDpi xmlns:a14="http://schemas.microsoft.com/office/drawing/2010/main" val="0"/>
+              </a:ext>
+            </a:extLst>
+          </a:blip>
+          <a:stretch>
+            <a:fillRect/>
+          </a:stretch>
+        </p:blipFill>
+        <p:spPr>
+          <a:xfrm>
+            <a:off x="11313459" y="286497"/>
+            <a:ext cx="576000" cy="576000"/>
+          </a:xfrm>
+          <a:prstGeom prst="rect">
+            <a:avLst/>
+          </a:prstGeom>
+        </p:spPr>
+      </p:pic>
+      <p:sp>
+        <p:nvSpPr>
+          <p:cNvPr id="5" name="Título 1">
+            <a:extLst>
+              <a:ext uri="{FF2B5EF4-FFF2-40B4-BE49-F238E27FC236}">
+                <a16:creationId xmlns:a16="http://schemas.microsoft.com/office/drawing/2014/main" id="{99F76FBE-1BC2-4EE6-B90A-22263BF7BDCD}"/>
+              </a:ext>
+            </a:extLst>
+          </p:cNvPr>
+          <p:cNvSpPr txBox="1">
+            <a:spLocks/>
+          </p:cNvSpPr>
+          <p:nvPr/>
+        </p:nvSpPr>
+        <p:spPr>
+          <a:xfrm>
+            <a:off x="797859" y="979080"/>
+            <a:ext cx="10515600" cy="1325563"/>
+          </a:xfrm>
+          <a:prstGeom prst="rect">
+            <a:avLst/>
+          </a:prstGeom>
+        </p:spPr>
+        <p:txBody>
+          <a:bodyPr vert="horz" lIns="91440" tIns="45720" rIns="91440" bIns="45720" rtlCol="0" anchor="ctr">
+            <a:normAutofit/>
+          </a:bodyPr>
+          <a:lstStyle>
+            <a:lvl1pPr algn="l" defTabSz="914400" rtl="0" eaLnBrk="1" latinLnBrk="0" hangingPunct="1">
+              <a:lnSpc>
+                <a:spcPct val="90000"/>
+              </a:lnSpc>
+              <a:spcBef>
+                <a:spcPct val="0"/>
+              </a:spcBef>
+              <a:buNone/>
+              <a:defRPr sz="4400" kern="1200">
+                <a:solidFill>
+                  <a:schemeClr val="tx1"/>
+                </a:solidFill>
+                <a:latin typeface="+mj-lt"/>
+                <a:ea typeface="+mj-ea"/>
+                <a:cs typeface="+mj-cs"/>
+              </a:defRPr>
+            </a:lvl1pPr>
+          </a:lstStyle>
+          <a:p>
+            <a:pPr algn="ctr"/>
+            <a:r>
+              <a:rPr lang="pt-BR" dirty="0" smtClean="0">
+                <a:solidFill>
+                  <a:schemeClr val="tx1">
+                    <a:lumMod val="75000"/>
+                    <a:lumOff val="25000"/>
+                  </a:schemeClr>
+                </a:solidFill>
+                <a:latin typeface="Bariol Bold" panose="02000506040000020003" pitchFamily="2" charset="0"/>
+              </a:rPr>
+              <a:t>Planejamento</a:t>
+            </a:r>
+            <a:endParaRPr lang="pt-BR" dirty="0">
+              <a:solidFill>
+                <a:schemeClr val="tx1">
+                  <a:lumMod val="75000"/>
+                  <a:lumOff val="25000"/>
+                </a:schemeClr>
+              </a:solidFill>
+              <a:latin typeface="Bariol Bold" panose="02000506040000020003" pitchFamily="2" charset="0"/>
+            </a:endParaRPr>
+          </a:p>
+        </p:txBody>
+      </p:sp>
+      <p:pic>
+        <p:nvPicPr>
+          <p:cNvPr id="7" name="Imagem 6"/>
+          <p:cNvPicPr>
+            <a:picLocks noChangeAspect="1"/>
+          </p:cNvPicPr>
+          <p:nvPr/>
+        </p:nvPicPr>
+        <p:blipFill>
+          <a:blip r:embed="rId3">
+            <a:extLst>
+              <a:ext uri="{28A0092B-C50C-407E-A947-70E740481C1C}">
+                <a14:useLocalDpi xmlns:a14="http://schemas.microsoft.com/office/drawing/2010/main" val="0"/>
+              </a:ext>
+            </a:extLst>
+          </a:blip>
+          <a:stretch>
+            <a:fillRect/>
+          </a:stretch>
+        </p:blipFill>
+        <p:spPr>
+          <a:xfrm>
+            <a:off x="2734102" y="1959428"/>
+            <a:ext cx="6279656" cy="4415245"/>
+          </a:xfrm>
+          <a:prstGeom prst="rect">
+            <a:avLst/>
+          </a:prstGeom>
+        </p:spPr>
+      </p:pic>
+    </p:spTree>
+    <p:extLst>
+      <p:ext uri="{BB962C8B-B14F-4D97-AF65-F5344CB8AC3E}">
+        <p14:creationId xmlns:p14="http://schemas.microsoft.com/office/powerpoint/2010/main" val="2525678743"/>
+      </p:ext>
+    </p:extLst>
+  </p:cSld>
+  <p:clrMapOvr>
+    <a:masterClrMapping/>
+  </p:clrMapOvr>
+  <mc:AlternateContent xmlns:mc="http://schemas.openxmlformats.org/markup-compatibility/2006">
+    <mc:Choice xmlns:p14="http://schemas.microsoft.com/office/powerpoint/2010/main" Requires="p14">
+      <p:transition spd="med" p14:dur="700" advClick="0">
+        <p:fade/>
+      </p:transition>
+    </mc:Choice>
+    <mc:Fallback>
+      <p:transition spd="med" advClick="0">
+        <p:fade/>
+      </p:transition>
+    </mc:Fallback>
+  </mc:AlternateContent>
+  <p:timing>
+    <p:tnLst>
+      <p:par>
+        <p:cTn id="1" dur="indefinite" restart="never" nodeType="tmRoot">
+          <p:childTnLst>
+            <p:seq concurrent="1" nextAc="seek">
+              <p:cTn id="2" dur="indefinite" nodeType="mainSeq">
+                <p:childTnLst>
+                  <p:par>
+                    <p:cTn id="3" fill="hold">
+                      <p:stCondLst>
+                        <p:cond delay="indefinite"/>
+                        <p:cond evt="onBegin" delay="0">
+                          <p:tn val="2"/>
+                        </p:cond>
+                      </p:stCondLst>
+                      <p:childTnLst>
+                        <p:par>
+                          <p:cTn id="4" fill="hold">
+                            <p:stCondLst>
+                              <p:cond delay="0"/>
+                            </p:stCondLst>
+                            <p:childTnLst>
+                              <p:par>
+                                <p:cTn id="5" presetID="10" presetClass="entr" presetSubtype="0" fill="hold" grpId="0" nodeType="afterEffect">
+                                  <p:stCondLst>
+                                    <p:cond delay="0"/>
+                                  </p:stCondLst>
+                                  <p:childTnLst>
+                                    <p:set>
+                                      <p:cBhvr>
+                                        <p:cTn id="6" dur="1" fill="hold">
+                                          <p:stCondLst>
+                                            <p:cond delay="0"/>
+                                          </p:stCondLst>
+                                        </p:cTn>
+                                        <p:tgtEl>
+                                          <p:spTgt spid="5"/>
+                                        </p:tgtEl>
+                                        <p:attrNameLst>
+                                          <p:attrName>style.visibility</p:attrName>
+                                        </p:attrNameLst>
+                                      </p:cBhvr>
+                                      <p:to>
+                                        <p:strVal val="visible"/>
+                                      </p:to>
+                                    </p:set>
+                                    <p:animEffect transition="in" filter="fade">
+                                      <p:cBhvr>
+                                        <p:cTn id="7" dur="500"/>
+                                        <p:tgtEl>
+                                          <p:spTgt spid="5"/>
+                                        </p:tgtEl>
+                                      </p:cBhvr>
+                                    </p:animEffect>
+                                  </p:childTnLst>
+                                </p:cTn>
+                              </p:par>
+                            </p:childTnLst>
+                          </p:cTn>
+                        </p:par>
+                        <p:par>
+                          <p:cTn id="8" fill="hold">
+                            <p:stCondLst>
+                              <p:cond delay="500"/>
+                            </p:stCondLst>
+                            <p:childTnLst>
+                              <p:par>
+                                <p:cTn id="9" presetID="10" presetClass="entr" presetSubtype="0" fill="hold" nodeType="afterEffect">
+                                  <p:stCondLst>
+                                    <p:cond delay="0"/>
+                                  </p:stCondLst>
+                                  <p:childTnLst>
+                                    <p:set>
+                                      <p:cBhvr>
+                                        <p:cTn id="10" dur="1" fill="hold">
+                                          <p:stCondLst>
+                                            <p:cond delay="0"/>
+                                          </p:stCondLst>
+                                        </p:cTn>
+                                        <p:tgtEl>
+                                          <p:spTgt spid="7"/>
+                                        </p:tgtEl>
+                                        <p:attrNameLst>
+                                          <p:attrName>style.visibility</p:attrName>
+                                        </p:attrNameLst>
+                                      </p:cBhvr>
+                                      <p:to>
+                                        <p:strVal val="visible"/>
+                                      </p:to>
+                                    </p:set>
+                                    <p:animEffect transition="in" filter="fade">
+                                      <p:cBhvr>
+                                        <p:cTn id="11" dur="500"/>
+                                        <p:tgtEl>
+                                          <p:spTgt spid="7"/>
+                                        </p:tgtEl>
+                                      </p:cBhvr>
+                                    </p:animEffect>
+                                  </p:childTnLst>
+                                </p:cTn>
+                              </p:par>
+                            </p:childTnLst>
+                          </p:cTn>
+                        </p:par>
+                      </p:childTnLst>
+                    </p:cTn>
+                  </p:par>
+                </p:childTnLst>
+              </p:cTn>
+              <p:prevCondLst>
+                <p:cond evt="onPrev" delay="0">
+                  <p:tgtEl>
+                    <p:sldTgt/>
+                  </p:tgtEl>
+                </p:cond>
+              </p:prevCondLst>
+              <p:nextCondLst>
+                <p:cond evt="onNext" delay="0">
+                  <p:tgtEl>
+                    <p:sldTgt/>
+                  </p:tgtEl>
+                </p:cond>
+              </p:nextCondLst>
+            </p:seq>
+          </p:childTnLst>
+        </p:cTn>
+      </p:par>
+    </p:tnLst>
+    <p:bldLst>
+      <p:bldP spid="5" grpId="0"/>
+    </p:bldLst>
+  </p:timing>
+</p:sld>
+</file>
+
+<file path=ppt/slides/slide11.xml><?xml version="1.0" encoding="utf-8"?>
+<p:sld xmlns:a="http://schemas.openxmlformats.org/drawingml/2006/main" xmlns:r="http://schemas.openxmlformats.org/officeDocument/2006/relationships" xmlns:p="http://schemas.openxmlformats.org/presentationml/2006/main">
+  <p:cSld>
+    <p:spTree>
+      <p:nvGrpSpPr>
+        <p:cNvPr id="1" name=""/>
+        <p:cNvGrpSpPr/>
+        <p:nvPr/>
+      </p:nvGrpSpPr>
+      <p:grpSpPr>
+        <a:xfrm>
+          <a:off x="0" y="0"/>
+          <a:ext cx="0" cy="0"/>
+          <a:chOff x="0" y="0"/>
+          <a:chExt cx="0" cy="0"/>
+        </a:xfrm>
+      </p:grpSpPr>
       <p:sp>
         <p:nvSpPr>
           <p:cNvPr id="2" name="Título 1">
@@ -3658,12 +3969,18 @@
         </p:nvSpPr>
         <p:spPr>
           <a:xfrm>
-            <a:off x="772885" y="1395104"/>
-            <a:ext cx="5471161" cy="1678111"/>
+            <a:off x="537751" y="1447356"/>
+            <a:ext cx="5445035" cy="1678111"/>
           </a:xfrm>
           <a:prstGeom prst="rect">
             <a:avLst/>
           </a:prstGeom>
+          <a:noFill/>
+          <a:ln>
+            <a:solidFill>
+              <a:srgbClr val="309A92"/>
+            </a:solidFill>
+          </a:ln>
         </p:spPr>
         <p:style>
           <a:lnRef idx="2">
@@ -3717,7 +4034,7 @@
         </p:blipFill>
         <p:spPr>
           <a:xfrm>
-            <a:off x="864326" y="1476030"/>
+            <a:off x="733695" y="1539014"/>
             <a:ext cx="1519200" cy="1494794"/>
           </a:xfrm>
           <a:prstGeom prst="flowChartConnector">
@@ -3733,12 +4050,18 @@
         </p:nvSpPr>
         <p:spPr>
           <a:xfrm>
-            <a:off x="6244046" y="1397434"/>
-            <a:ext cx="5645413" cy="1678111"/>
+            <a:off x="6074227" y="1449686"/>
+            <a:ext cx="5580098" cy="1678111"/>
           </a:xfrm>
           <a:prstGeom prst="rect">
             <a:avLst/>
           </a:prstGeom>
+          <a:noFill/>
+          <a:ln>
+            <a:solidFill>
+              <a:srgbClr val="309A92"/>
+            </a:solidFill>
+          </a:ln>
         </p:spPr>
         <p:style>
           <a:lnRef idx="2">
@@ -3787,7 +4110,7 @@
         </p:blipFill>
         <p:spPr>
           <a:xfrm>
-            <a:off x="10252003" y="1531564"/>
+            <a:off x="10016869" y="1539928"/>
             <a:ext cx="1519200" cy="1493880"/>
           </a:xfrm>
           <a:prstGeom prst="ellipse">
@@ -3803,12 +4126,18 @@
         </p:nvSpPr>
         <p:spPr>
           <a:xfrm>
-            <a:off x="772884" y="3222194"/>
-            <a:ext cx="5471161" cy="1678111"/>
+            <a:off x="537751" y="3209131"/>
+            <a:ext cx="5445036" cy="1678111"/>
           </a:xfrm>
           <a:prstGeom prst="rect">
             <a:avLst/>
           </a:prstGeom>
+          <a:noFill/>
+          <a:ln>
+            <a:solidFill>
+              <a:srgbClr val="309A92"/>
+            </a:solidFill>
+          </a:ln>
         </p:spPr>
         <p:style>
           <a:lnRef idx="2">
@@ -3843,12 +4172,18 @@
         </p:nvSpPr>
         <p:spPr>
           <a:xfrm>
-            <a:off x="6244046" y="3230122"/>
-            <a:ext cx="5645413" cy="1670183"/>
+            <a:off x="6074227" y="3217059"/>
+            <a:ext cx="5580098" cy="1670183"/>
           </a:xfrm>
           <a:prstGeom prst="rect">
             <a:avLst/>
           </a:prstGeom>
+          <a:noFill/>
+          <a:ln>
+            <a:solidFill>
+              <a:srgbClr val="309A92"/>
+            </a:solidFill>
+          </a:ln>
         </p:spPr>
         <p:style>
           <a:lnRef idx="2">
@@ -3883,12 +4218,18 @@
         </p:nvSpPr>
         <p:spPr>
           <a:xfrm>
-            <a:off x="772885" y="5039489"/>
-            <a:ext cx="5471161" cy="1678111"/>
+            <a:off x="537751" y="4987237"/>
+            <a:ext cx="5445035" cy="1678111"/>
           </a:xfrm>
           <a:prstGeom prst="rect">
             <a:avLst/>
           </a:prstGeom>
+          <a:noFill/>
+          <a:ln>
+            <a:solidFill>
+              <a:srgbClr val="309A92"/>
+            </a:solidFill>
+          </a:ln>
         </p:spPr>
         <p:style>
           <a:lnRef idx="2">
@@ -3923,12 +4264,18 @@
         </p:nvSpPr>
         <p:spPr>
           <a:xfrm>
-            <a:off x="6244046" y="5041819"/>
-            <a:ext cx="5645413" cy="1678111"/>
+            <a:off x="6074227" y="4989567"/>
+            <a:ext cx="5580098" cy="1678111"/>
           </a:xfrm>
           <a:prstGeom prst="rect">
             <a:avLst/>
           </a:prstGeom>
+          <a:noFill/>
+          <a:ln>
+            <a:solidFill>
+              <a:srgbClr val="309A92"/>
+            </a:solidFill>
+          </a:ln>
         </p:spPr>
         <p:style>
           <a:lnRef idx="2">
@@ -3977,7 +4324,7 @@
         </p:blipFill>
         <p:spPr>
           <a:xfrm>
-            <a:off x="866300" y="3286233"/>
+            <a:off x="735669" y="3284676"/>
             <a:ext cx="1517226" cy="1517226"/>
           </a:xfrm>
           <a:prstGeom prst="ellipse">
@@ -4007,7 +4354,7 @@
         </p:blipFill>
         <p:spPr>
           <a:xfrm>
-            <a:off x="10252003" y="3306081"/>
+            <a:off x="10016869" y="3280193"/>
             <a:ext cx="1519200" cy="1526192"/>
           </a:xfrm>
           <a:prstGeom prst="ellipse">
@@ -4037,7 +4384,7 @@
         </p:blipFill>
         <p:spPr>
           <a:xfrm>
-            <a:off x="868457" y="5118944"/>
+            <a:off x="733695" y="5066692"/>
             <a:ext cx="1519200" cy="1519200"/>
           </a:xfrm>
           <a:prstGeom prst="ellipse">
@@ -4067,7 +4414,7 @@
         </p:blipFill>
         <p:spPr>
           <a:xfrm>
-            <a:off x="10252003" y="5118944"/>
+            <a:off x="10016869" y="5065872"/>
             <a:ext cx="1519200" cy="1519200"/>
           </a:xfrm>
           <a:prstGeom prst="ellipse">
@@ -4075,6 +4422,1239 @@
           </a:prstGeom>
         </p:spPr>
       </p:pic>
+      <p:sp>
+        <p:nvSpPr>
+          <p:cNvPr id="16" name="Título 1">
+            <a:extLst>
+              <a:ext uri="{FF2B5EF4-FFF2-40B4-BE49-F238E27FC236}">
+                <a16:creationId xmlns:a16="http://schemas.microsoft.com/office/drawing/2014/main" id="{99F76FBE-1BC2-4EE6-B90A-22263BF7BDCD}"/>
+              </a:ext>
+            </a:extLst>
+          </p:cNvPr>
+          <p:cNvSpPr txBox="1">
+            <a:spLocks/>
+          </p:cNvSpPr>
+          <p:nvPr/>
+        </p:nvSpPr>
+        <p:spPr>
+          <a:xfrm>
+            <a:off x="2344336" y="1714660"/>
+            <a:ext cx="2750178" cy="450401"/>
+          </a:xfrm>
+          <a:prstGeom prst="rect">
+            <a:avLst/>
+          </a:prstGeom>
+        </p:spPr>
+        <p:txBody>
+          <a:bodyPr vert="horz" lIns="91440" tIns="45720" rIns="91440" bIns="45720" rtlCol="0" anchor="ctr">
+            <a:noAutofit/>
+          </a:bodyPr>
+          <a:lstStyle>
+            <a:lvl1pPr algn="l" defTabSz="914400" rtl="0" eaLnBrk="1" latinLnBrk="0" hangingPunct="1">
+              <a:lnSpc>
+                <a:spcPct val="90000"/>
+              </a:lnSpc>
+              <a:spcBef>
+                <a:spcPct val="0"/>
+              </a:spcBef>
+              <a:buNone/>
+              <a:defRPr sz="4400" kern="1200">
+                <a:solidFill>
+                  <a:schemeClr val="tx1"/>
+                </a:solidFill>
+                <a:latin typeface="+mj-lt"/>
+                <a:ea typeface="+mj-ea"/>
+                <a:cs typeface="+mj-cs"/>
+              </a:defRPr>
+            </a:lvl1pPr>
+          </a:lstStyle>
+          <a:p>
+            <a:r>
+              <a:rPr lang="pt-BR" sz="2800" dirty="0" err="1" smtClean="0">
+                <a:solidFill>
+                  <a:schemeClr val="tx1">
+                    <a:lumMod val="85000"/>
+                    <a:lumOff val="15000"/>
+                  </a:schemeClr>
+                </a:solidFill>
+                <a:latin typeface="Bariol Bold" panose="02000506040000020003" pitchFamily="2" charset="0"/>
+              </a:rPr>
+              <a:t>ChristianRaphael</a:t>
+            </a:r>
+            <a:endParaRPr lang="pt-BR" sz="2800" dirty="0">
+              <a:solidFill>
+                <a:schemeClr val="tx1">
+                  <a:lumMod val="85000"/>
+                  <a:lumOff val="15000"/>
+                </a:schemeClr>
+              </a:solidFill>
+              <a:latin typeface="Bariol Bold" panose="02000506040000020003" pitchFamily="2" charset="0"/>
+            </a:endParaRPr>
+          </a:p>
+        </p:txBody>
+      </p:sp>
+      <p:sp>
+        <p:nvSpPr>
+          <p:cNvPr id="17" name="Título 1">
+            <a:extLst>
+              <a:ext uri="{FF2B5EF4-FFF2-40B4-BE49-F238E27FC236}">
+                <a16:creationId xmlns:a16="http://schemas.microsoft.com/office/drawing/2014/main" id="{99F76FBE-1BC2-4EE6-B90A-22263BF7BDCD}"/>
+              </a:ext>
+            </a:extLst>
+          </p:cNvPr>
+          <p:cNvSpPr txBox="1">
+            <a:spLocks/>
+          </p:cNvSpPr>
+          <p:nvPr/>
+        </p:nvSpPr>
+        <p:spPr>
+          <a:xfrm>
+            <a:off x="2344336" y="2018239"/>
+            <a:ext cx="3194315" cy="990502"/>
+          </a:xfrm>
+          <a:prstGeom prst="rect">
+            <a:avLst/>
+          </a:prstGeom>
+        </p:spPr>
+        <p:txBody>
+          <a:bodyPr vert="horz" lIns="91440" tIns="45720" rIns="91440" bIns="45720" rtlCol="0" anchor="ctr">
+            <a:noAutofit/>
+          </a:bodyPr>
+          <a:lstStyle>
+            <a:lvl1pPr algn="l" defTabSz="914400" rtl="0" eaLnBrk="1" latinLnBrk="0" hangingPunct="1">
+              <a:lnSpc>
+                <a:spcPct val="90000"/>
+              </a:lnSpc>
+              <a:spcBef>
+                <a:spcPct val="0"/>
+              </a:spcBef>
+              <a:buNone/>
+              <a:defRPr sz="4400" kern="1200">
+                <a:solidFill>
+                  <a:schemeClr val="tx1"/>
+                </a:solidFill>
+                <a:latin typeface="+mj-lt"/>
+                <a:ea typeface="+mj-ea"/>
+                <a:cs typeface="+mj-cs"/>
+              </a:defRPr>
+            </a:lvl1pPr>
+          </a:lstStyle>
+          <a:p>
+            <a:r>
+              <a:rPr lang="pt-BR" sz="1800" dirty="0" smtClean="0">
+                <a:solidFill>
+                  <a:schemeClr val="tx1">
+                    <a:lumMod val="75000"/>
+                    <a:lumOff val="25000"/>
+                  </a:schemeClr>
+                </a:solidFill>
+                <a:latin typeface="Bariol Bold" panose="02000506040000020003" pitchFamily="2" charset="0"/>
+              </a:rPr>
+              <a:t>Elaborou o </a:t>
+            </a:r>
+            <a:r>
+              <a:rPr lang="pt-BR" sz="1800" dirty="0" err="1" smtClean="0">
+                <a:solidFill>
+                  <a:schemeClr val="tx1">
+                    <a:lumMod val="75000"/>
+                    <a:lumOff val="25000"/>
+                  </a:schemeClr>
+                </a:solidFill>
+                <a:latin typeface="Bariol Bold" panose="02000506040000020003" pitchFamily="2" charset="0"/>
+              </a:rPr>
+              <a:t>Backend</a:t>
+            </a:r>
+            <a:r>
+              <a:rPr lang="pt-BR" sz="1800" dirty="0" smtClean="0">
+                <a:solidFill>
+                  <a:schemeClr val="tx1">
+                    <a:lumMod val="75000"/>
+                    <a:lumOff val="25000"/>
+                  </a:schemeClr>
+                </a:solidFill>
+                <a:latin typeface="Bariol Bold" panose="02000506040000020003" pitchFamily="2" charset="0"/>
+              </a:rPr>
+              <a:t>, </a:t>
+            </a:r>
+            <a:r>
+              <a:rPr lang="pt-BR" sz="1800" dirty="0" smtClean="0">
+                <a:solidFill>
+                  <a:schemeClr val="tx1">
+                    <a:lumMod val="75000"/>
+                    <a:lumOff val="25000"/>
+                  </a:schemeClr>
+                </a:solidFill>
+                <a:latin typeface="Bariol Bold" panose="02000506040000020003" pitchFamily="2" charset="0"/>
+              </a:rPr>
+              <a:t>e modificou/conectou a </a:t>
+            </a:r>
+            <a:r>
+              <a:rPr lang="pt-BR" sz="1800" dirty="0" err="1" smtClean="0">
+                <a:solidFill>
+                  <a:schemeClr val="tx1">
+                    <a:lumMod val="75000"/>
+                    <a:lumOff val="25000"/>
+                  </a:schemeClr>
+                </a:solidFill>
+                <a:latin typeface="Bariol Bold" panose="02000506040000020003" pitchFamily="2" charset="0"/>
+              </a:rPr>
+              <a:t>api</a:t>
+            </a:r>
+            <a:r>
+              <a:rPr lang="pt-BR" sz="1800" dirty="0" smtClean="0">
+                <a:solidFill>
+                  <a:schemeClr val="tx1">
+                    <a:lumMod val="75000"/>
+                    <a:lumOff val="25000"/>
+                  </a:schemeClr>
+                </a:solidFill>
+                <a:latin typeface="Bariol Bold" panose="02000506040000020003" pitchFamily="2" charset="0"/>
+              </a:rPr>
+              <a:t> </a:t>
+            </a:r>
+            <a:r>
+              <a:rPr lang="pt-BR" sz="1800" dirty="0" err="1" smtClean="0">
+                <a:solidFill>
+                  <a:schemeClr val="tx1">
+                    <a:lumMod val="75000"/>
+                    <a:lumOff val="25000"/>
+                  </a:schemeClr>
+                </a:solidFill>
+                <a:latin typeface="Bariol Bold" panose="02000506040000020003" pitchFamily="2" charset="0"/>
+              </a:rPr>
+              <a:t>nodeJS</a:t>
+            </a:r>
+            <a:r>
+              <a:rPr lang="pt-BR" sz="1800" dirty="0" smtClean="0">
+                <a:solidFill>
+                  <a:schemeClr val="tx1">
+                    <a:lumMod val="75000"/>
+                    <a:lumOff val="25000"/>
+                  </a:schemeClr>
+                </a:solidFill>
+                <a:latin typeface="Bariol Bold" panose="02000506040000020003" pitchFamily="2" charset="0"/>
+              </a:rPr>
+              <a:t> + gráficos </a:t>
+            </a:r>
+            <a:r>
+              <a:rPr lang="pt-BR" sz="1800" dirty="0" err="1" smtClean="0">
+                <a:solidFill>
+                  <a:schemeClr val="tx1">
+                    <a:lumMod val="75000"/>
+                    <a:lumOff val="25000"/>
+                  </a:schemeClr>
+                </a:solidFill>
+                <a:latin typeface="Bariol Bold" panose="02000506040000020003" pitchFamily="2" charset="0"/>
+              </a:rPr>
+              <a:t>chartJS</a:t>
+            </a:r>
+            <a:r>
+              <a:rPr lang="pt-BR" sz="1800" dirty="0" smtClean="0">
+                <a:solidFill>
+                  <a:schemeClr val="tx1">
+                    <a:lumMod val="75000"/>
+                    <a:lumOff val="25000"/>
+                  </a:schemeClr>
+                </a:solidFill>
+                <a:latin typeface="Bariol Bold" panose="02000506040000020003" pitchFamily="2" charset="0"/>
+              </a:rPr>
+              <a:t>.</a:t>
+            </a:r>
+            <a:endParaRPr lang="pt-BR" sz="1800" dirty="0">
+              <a:solidFill>
+                <a:schemeClr val="tx1">
+                  <a:lumMod val="75000"/>
+                  <a:lumOff val="25000"/>
+                </a:schemeClr>
+              </a:solidFill>
+              <a:latin typeface="Bariol Bold" panose="02000506040000020003" pitchFamily="2" charset="0"/>
+            </a:endParaRPr>
+          </a:p>
+        </p:txBody>
+      </p:sp>
+      <p:sp>
+        <p:nvSpPr>
+          <p:cNvPr id="19" name="Título 1">
+            <a:extLst>
+              <a:ext uri="{FF2B5EF4-FFF2-40B4-BE49-F238E27FC236}">
+                <a16:creationId xmlns:a16="http://schemas.microsoft.com/office/drawing/2014/main" id="{99F76FBE-1BC2-4EE6-B90A-22263BF7BDCD}"/>
+              </a:ext>
+            </a:extLst>
+          </p:cNvPr>
+          <p:cNvSpPr txBox="1">
+            <a:spLocks/>
+          </p:cNvSpPr>
+          <p:nvPr/>
+        </p:nvSpPr>
+        <p:spPr>
+          <a:xfrm>
+            <a:off x="2344336" y="3458303"/>
+            <a:ext cx="2750178" cy="450401"/>
+          </a:xfrm>
+          <a:prstGeom prst="rect">
+            <a:avLst/>
+          </a:prstGeom>
+        </p:spPr>
+        <p:txBody>
+          <a:bodyPr vert="horz" lIns="91440" tIns="45720" rIns="91440" bIns="45720" rtlCol="0" anchor="ctr">
+            <a:noAutofit/>
+          </a:bodyPr>
+          <a:lstStyle>
+            <a:lvl1pPr algn="l" defTabSz="914400" rtl="0" eaLnBrk="1" latinLnBrk="0" hangingPunct="1">
+              <a:lnSpc>
+                <a:spcPct val="90000"/>
+              </a:lnSpc>
+              <a:spcBef>
+                <a:spcPct val="0"/>
+              </a:spcBef>
+              <a:buNone/>
+              <a:defRPr sz="4400" kern="1200">
+                <a:solidFill>
+                  <a:schemeClr val="tx1"/>
+                </a:solidFill>
+                <a:latin typeface="+mj-lt"/>
+                <a:ea typeface="+mj-ea"/>
+                <a:cs typeface="+mj-cs"/>
+              </a:defRPr>
+            </a:lvl1pPr>
+          </a:lstStyle>
+          <a:p>
+            <a:r>
+              <a:rPr lang="pt-BR" sz="2800" dirty="0" smtClean="0">
+                <a:solidFill>
+                  <a:schemeClr val="tx1">
+                    <a:lumMod val="85000"/>
+                    <a:lumOff val="15000"/>
+                  </a:schemeClr>
+                </a:solidFill>
+                <a:latin typeface="Bariol Bold" panose="02000506040000020003" pitchFamily="2" charset="0"/>
+              </a:rPr>
+              <a:t>Gustavo Henrique</a:t>
+            </a:r>
+            <a:endParaRPr lang="pt-BR" sz="2800" dirty="0">
+              <a:solidFill>
+                <a:schemeClr val="tx1">
+                  <a:lumMod val="85000"/>
+                  <a:lumOff val="15000"/>
+                </a:schemeClr>
+              </a:solidFill>
+              <a:latin typeface="Bariol Bold" panose="02000506040000020003" pitchFamily="2" charset="0"/>
+            </a:endParaRPr>
+          </a:p>
+        </p:txBody>
+      </p:sp>
+      <p:sp>
+        <p:nvSpPr>
+          <p:cNvPr id="20" name="Título 1">
+            <a:extLst>
+              <a:ext uri="{FF2B5EF4-FFF2-40B4-BE49-F238E27FC236}">
+                <a16:creationId xmlns:a16="http://schemas.microsoft.com/office/drawing/2014/main" id="{99F76FBE-1BC2-4EE6-B90A-22263BF7BDCD}"/>
+              </a:ext>
+            </a:extLst>
+          </p:cNvPr>
+          <p:cNvSpPr txBox="1">
+            <a:spLocks/>
+          </p:cNvSpPr>
+          <p:nvPr/>
+        </p:nvSpPr>
+        <p:spPr>
+          <a:xfrm>
+            <a:off x="2344336" y="3761882"/>
+            <a:ext cx="3194315" cy="990502"/>
+          </a:xfrm>
+          <a:prstGeom prst="rect">
+            <a:avLst/>
+          </a:prstGeom>
+        </p:spPr>
+        <p:txBody>
+          <a:bodyPr vert="horz" lIns="91440" tIns="45720" rIns="91440" bIns="45720" rtlCol="0" anchor="ctr">
+            <a:noAutofit/>
+          </a:bodyPr>
+          <a:lstStyle>
+            <a:lvl1pPr algn="l" defTabSz="914400" rtl="0" eaLnBrk="1" latinLnBrk="0" hangingPunct="1">
+              <a:lnSpc>
+                <a:spcPct val="90000"/>
+              </a:lnSpc>
+              <a:spcBef>
+                <a:spcPct val="0"/>
+              </a:spcBef>
+              <a:buNone/>
+              <a:defRPr sz="4400" kern="1200">
+                <a:solidFill>
+                  <a:schemeClr val="tx1"/>
+                </a:solidFill>
+                <a:latin typeface="+mj-lt"/>
+                <a:ea typeface="+mj-ea"/>
+                <a:cs typeface="+mj-cs"/>
+              </a:defRPr>
+            </a:lvl1pPr>
+          </a:lstStyle>
+          <a:p>
+            <a:r>
+              <a:rPr lang="pt-BR" sz="1800" dirty="0" smtClean="0">
+                <a:solidFill>
+                  <a:schemeClr val="tx1">
+                    <a:lumMod val="75000"/>
+                    <a:lumOff val="25000"/>
+                  </a:schemeClr>
+                </a:solidFill>
+                <a:latin typeface="Bariol Bold" panose="02000506040000020003" pitchFamily="2" charset="0"/>
+              </a:rPr>
+              <a:t>Elaborou o </a:t>
+            </a:r>
+            <a:r>
+              <a:rPr lang="pt-BR" sz="1800" dirty="0" err="1" smtClean="0">
+                <a:solidFill>
+                  <a:schemeClr val="tx1">
+                    <a:lumMod val="75000"/>
+                    <a:lumOff val="25000"/>
+                  </a:schemeClr>
+                </a:solidFill>
+                <a:latin typeface="Bariol Bold" panose="02000506040000020003" pitchFamily="2" charset="0"/>
+              </a:rPr>
+              <a:t>Frontend</a:t>
+            </a:r>
+            <a:r>
+              <a:rPr lang="pt-BR" sz="1800" dirty="0" smtClean="0">
+                <a:solidFill>
+                  <a:schemeClr val="tx1">
+                    <a:lumMod val="75000"/>
+                    <a:lumOff val="25000"/>
+                  </a:schemeClr>
+                </a:solidFill>
+                <a:latin typeface="Bariol Bold" panose="02000506040000020003" pitchFamily="2" charset="0"/>
+              </a:rPr>
+              <a:t> da </a:t>
+            </a:r>
+            <a:r>
+              <a:rPr lang="pt-BR" sz="1800" dirty="0" err="1" smtClean="0">
+                <a:solidFill>
+                  <a:schemeClr val="tx1">
+                    <a:lumMod val="75000"/>
+                    <a:lumOff val="25000"/>
+                  </a:schemeClr>
+                </a:solidFill>
+                <a:latin typeface="Bariol Bold" panose="02000506040000020003" pitchFamily="2" charset="0"/>
+              </a:rPr>
+              <a:t>Dashboard</a:t>
+            </a:r>
+            <a:r>
+              <a:rPr lang="pt-BR" sz="1800" dirty="0" smtClean="0">
+                <a:solidFill>
+                  <a:schemeClr val="tx1">
+                    <a:lumMod val="75000"/>
+                    <a:lumOff val="25000"/>
+                  </a:schemeClr>
+                </a:solidFill>
+                <a:latin typeface="Bariol Bold" panose="02000506040000020003" pitchFamily="2" charset="0"/>
+              </a:rPr>
+              <a:t> e site institucional, e construiu os relatórios </a:t>
+            </a:r>
+            <a:r>
+              <a:rPr lang="pt-BR" sz="1800" dirty="0" smtClean="0">
+                <a:solidFill>
+                  <a:schemeClr val="tx1">
+                    <a:lumMod val="75000"/>
+                    <a:lumOff val="25000"/>
+                  </a:schemeClr>
+                </a:solidFill>
+                <a:latin typeface="Bariol Bold" panose="02000506040000020003" pitchFamily="2" charset="0"/>
+              </a:rPr>
+              <a:t>de </a:t>
+            </a:r>
+            <a:r>
+              <a:rPr lang="pt-BR" sz="1800" dirty="0" smtClean="0">
+                <a:solidFill>
+                  <a:schemeClr val="tx1">
+                    <a:lumMod val="75000"/>
+                    <a:lumOff val="25000"/>
+                  </a:schemeClr>
+                </a:solidFill>
+                <a:latin typeface="Bariol Bold" panose="02000506040000020003" pitchFamily="2" charset="0"/>
+              </a:rPr>
+              <a:t>dados.</a:t>
+            </a:r>
+            <a:endParaRPr lang="pt-BR" sz="1800" dirty="0">
+              <a:solidFill>
+                <a:schemeClr val="tx1">
+                  <a:lumMod val="75000"/>
+                  <a:lumOff val="25000"/>
+                </a:schemeClr>
+              </a:solidFill>
+              <a:latin typeface="Bariol Bold" panose="02000506040000020003" pitchFamily="2" charset="0"/>
+            </a:endParaRPr>
+          </a:p>
+        </p:txBody>
+      </p:sp>
+      <p:sp>
+        <p:nvSpPr>
+          <p:cNvPr id="22" name="Título 1">
+            <a:extLst>
+              <a:ext uri="{FF2B5EF4-FFF2-40B4-BE49-F238E27FC236}">
+                <a16:creationId xmlns:a16="http://schemas.microsoft.com/office/drawing/2014/main" id="{99F76FBE-1BC2-4EE6-B90A-22263BF7BDCD}"/>
+              </a:ext>
+            </a:extLst>
+          </p:cNvPr>
+          <p:cNvSpPr txBox="1">
+            <a:spLocks/>
+          </p:cNvSpPr>
+          <p:nvPr/>
+        </p:nvSpPr>
+        <p:spPr>
+          <a:xfrm>
+            <a:off x="2344336" y="5214792"/>
+            <a:ext cx="2750178" cy="450401"/>
+          </a:xfrm>
+          <a:prstGeom prst="rect">
+            <a:avLst/>
+          </a:prstGeom>
+        </p:spPr>
+        <p:txBody>
+          <a:bodyPr vert="horz" lIns="91440" tIns="45720" rIns="91440" bIns="45720" rtlCol="0" anchor="ctr">
+            <a:noAutofit/>
+          </a:bodyPr>
+          <a:lstStyle>
+            <a:lvl1pPr algn="l" defTabSz="914400" rtl="0" eaLnBrk="1" latinLnBrk="0" hangingPunct="1">
+              <a:lnSpc>
+                <a:spcPct val="90000"/>
+              </a:lnSpc>
+              <a:spcBef>
+                <a:spcPct val="0"/>
+              </a:spcBef>
+              <a:buNone/>
+              <a:defRPr sz="4400" kern="1200">
+                <a:solidFill>
+                  <a:schemeClr val="tx1"/>
+                </a:solidFill>
+                <a:latin typeface="+mj-lt"/>
+                <a:ea typeface="+mj-ea"/>
+                <a:cs typeface="+mj-cs"/>
+              </a:defRPr>
+            </a:lvl1pPr>
+          </a:lstStyle>
+          <a:p>
+            <a:r>
+              <a:rPr lang="pt-BR" sz="2800" dirty="0" smtClean="0">
+                <a:solidFill>
+                  <a:schemeClr val="tx1">
+                    <a:lumMod val="85000"/>
+                    <a:lumOff val="15000"/>
+                  </a:schemeClr>
+                </a:solidFill>
+                <a:latin typeface="Bariol Bold" panose="02000506040000020003" pitchFamily="2" charset="0"/>
+              </a:rPr>
+              <a:t>Gisele Araújo</a:t>
+            </a:r>
+            <a:endParaRPr lang="pt-BR" sz="2800" dirty="0">
+              <a:solidFill>
+                <a:schemeClr val="tx1">
+                  <a:lumMod val="85000"/>
+                  <a:lumOff val="15000"/>
+                </a:schemeClr>
+              </a:solidFill>
+              <a:latin typeface="Bariol Bold" panose="02000506040000020003" pitchFamily="2" charset="0"/>
+            </a:endParaRPr>
+          </a:p>
+        </p:txBody>
+      </p:sp>
+      <p:sp>
+        <p:nvSpPr>
+          <p:cNvPr id="23" name="Título 1">
+            <a:extLst>
+              <a:ext uri="{FF2B5EF4-FFF2-40B4-BE49-F238E27FC236}">
+                <a16:creationId xmlns:a16="http://schemas.microsoft.com/office/drawing/2014/main" id="{99F76FBE-1BC2-4EE6-B90A-22263BF7BDCD}"/>
+              </a:ext>
+            </a:extLst>
+          </p:cNvPr>
+          <p:cNvSpPr txBox="1">
+            <a:spLocks/>
+          </p:cNvSpPr>
+          <p:nvPr/>
+        </p:nvSpPr>
+        <p:spPr>
+          <a:xfrm>
+            <a:off x="2344336" y="5518371"/>
+            <a:ext cx="3194315" cy="990502"/>
+          </a:xfrm>
+          <a:prstGeom prst="rect">
+            <a:avLst/>
+          </a:prstGeom>
+        </p:spPr>
+        <p:txBody>
+          <a:bodyPr vert="horz" lIns="91440" tIns="45720" rIns="91440" bIns="45720" rtlCol="0" anchor="ctr">
+            <a:noAutofit/>
+          </a:bodyPr>
+          <a:lstStyle>
+            <a:lvl1pPr algn="l" defTabSz="914400" rtl="0" eaLnBrk="1" latinLnBrk="0" hangingPunct="1">
+              <a:lnSpc>
+                <a:spcPct val="90000"/>
+              </a:lnSpc>
+              <a:spcBef>
+                <a:spcPct val="0"/>
+              </a:spcBef>
+              <a:buNone/>
+              <a:defRPr sz="4400" kern="1200">
+                <a:solidFill>
+                  <a:schemeClr val="tx1"/>
+                </a:solidFill>
+                <a:latin typeface="+mj-lt"/>
+                <a:ea typeface="+mj-ea"/>
+                <a:cs typeface="+mj-cs"/>
+              </a:defRPr>
+            </a:lvl1pPr>
+          </a:lstStyle>
+          <a:p>
+            <a:r>
+              <a:rPr lang="pt-BR" sz="1800" dirty="0" smtClean="0">
+                <a:solidFill>
+                  <a:schemeClr val="tx1">
+                    <a:lumMod val="75000"/>
+                    <a:lumOff val="25000"/>
+                  </a:schemeClr>
+                </a:solidFill>
+                <a:latin typeface="Bariol Bold" panose="02000506040000020003" pitchFamily="2" charset="0"/>
+              </a:rPr>
+              <a:t>Aplicou a validação </a:t>
+            </a:r>
+            <a:r>
+              <a:rPr lang="pt-BR" sz="1800" dirty="0" smtClean="0">
+                <a:solidFill>
+                  <a:schemeClr val="tx1">
+                    <a:lumMod val="75000"/>
+                    <a:lumOff val="25000"/>
+                  </a:schemeClr>
+                </a:solidFill>
+                <a:latin typeface="Bariol Bold" panose="02000506040000020003" pitchFamily="2" charset="0"/>
+              </a:rPr>
+              <a:t>de formulários</a:t>
+            </a:r>
+            <a:r>
+              <a:rPr lang="pt-BR" sz="1800" dirty="0" smtClean="0">
+                <a:solidFill>
+                  <a:schemeClr val="tx1">
+                    <a:lumMod val="75000"/>
+                    <a:lumOff val="25000"/>
+                  </a:schemeClr>
+                </a:solidFill>
+                <a:latin typeface="Bariol Bold" panose="02000506040000020003" pitchFamily="2" charset="0"/>
+              </a:rPr>
+              <a:t>, desenvolveu a </a:t>
+            </a:r>
+            <a:r>
+              <a:rPr lang="pt-BR" sz="1800" dirty="0" smtClean="0">
+                <a:solidFill>
+                  <a:schemeClr val="tx1">
+                    <a:lumMod val="75000"/>
+                    <a:lumOff val="25000"/>
+                  </a:schemeClr>
+                </a:solidFill>
+                <a:latin typeface="Bariol Bold" panose="02000506040000020003" pitchFamily="2" charset="0"/>
+              </a:rPr>
+              <a:t>contextualização.</a:t>
+            </a:r>
+            <a:endParaRPr lang="pt-BR" sz="1800" dirty="0">
+              <a:solidFill>
+                <a:schemeClr val="tx1">
+                  <a:lumMod val="75000"/>
+                  <a:lumOff val="25000"/>
+                </a:schemeClr>
+              </a:solidFill>
+              <a:latin typeface="Bariol Bold" panose="02000506040000020003" pitchFamily="2" charset="0"/>
+            </a:endParaRPr>
+          </a:p>
+        </p:txBody>
+      </p:sp>
+      <p:sp>
+        <p:nvSpPr>
+          <p:cNvPr id="25" name="Título 1">
+            <a:extLst>
+              <a:ext uri="{FF2B5EF4-FFF2-40B4-BE49-F238E27FC236}">
+                <a16:creationId xmlns:a16="http://schemas.microsoft.com/office/drawing/2014/main" id="{99F76FBE-1BC2-4EE6-B90A-22263BF7BDCD}"/>
+              </a:ext>
+            </a:extLst>
+          </p:cNvPr>
+          <p:cNvSpPr txBox="1">
+            <a:spLocks/>
+          </p:cNvSpPr>
+          <p:nvPr/>
+        </p:nvSpPr>
+        <p:spPr>
+          <a:xfrm>
+            <a:off x="7071135" y="1714660"/>
+            <a:ext cx="2750178" cy="450401"/>
+          </a:xfrm>
+          <a:prstGeom prst="rect">
+            <a:avLst/>
+          </a:prstGeom>
+        </p:spPr>
+        <p:txBody>
+          <a:bodyPr vert="horz" lIns="91440" tIns="45720" rIns="91440" bIns="45720" rtlCol="0" anchor="ctr">
+            <a:noAutofit/>
+          </a:bodyPr>
+          <a:lstStyle>
+            <a:lvl1pPr algn="l" defTabSz="914400" rtl="0" eaLnBrk="1" latinLnBrk="0" hangingPunct="1">
+              <a:lnSpc>
+                <a:spcPct val="90000"/>
+              </a:lnSpc>
+              <a:spcBef>
+                <a:spcPct val="0"/>
+              </a:spcBef>
+              <a:buNone/>
+              <a:defRPr sz="4400" kern="1200">
+                <a:solidFill>
+                  <a:schemeClr val="tx1"/>
+                </a:solidFill>
+                <a:latin typeface="+mj-lt"/>
+                <a:ea typeface="+mj-ea"/>
+                <a:cs typeface="+mj-cs"/>
+              </a:defRPr>
+            </a:lvl1pPr>
+          </a:lstStyle>
+          <a:p>
+            <a:pPr algn="r"/>
+            <a:r>
+              <a:rPr lang="pt-BR" sz="2800" dirty="0" smtClean="0">
+                <a:solidFill>
+                  <a:schemeClr val="tx1">
+                    <a:lumMod val="85000"/>
+                    <a:lumOff val="15000"/>
+                  </a:schemeClr>
+                </a:solidFill>
+                <a:latin typeface="Bariol Bold" panose="02000506040000020003" pitchFamily="2" charset="0"/>
+              </a:rPr>
+              <a:t>Guilherme Silva</a:t>
+            </a:r>
+            <a:endParaRPr lang="pt-BR" sz="2800" dirty="0">
+              <a:solidFill>
+                <a:schemeClr val="tx1">
+                  <a:lumMod val="85000"/>
+                  <a:lumOff val="15000"/>
+                </a:schemeClr>
+              </a:solidFill>
+              <a:latin typeface="Bariol Bold" panose="02000506040000020003" pitchFamily="2" charset="0"/>
+            </a:endParaRPr>
+          </a:p>
+        </p:txBody>
+      </p:sp>
+      <p:sp>
+        <p:nvSpPr>
+          <p:cNvPr id="35" name="Título 1">
+            <a:extLst>
+              <a:ext uri="{FF2B5EF4-FFF2-40B4-BE49-F238E27FC236}">
+                <a16:creationId xmlns:a16="http://schemas.microsoft.com/office/drawing/2014/main" id="{99F76FBE-1BC2-4EE6-B90A-22263BF7BDCD}"/>
+              </a:ext>
+            </a:extLst>
+          </p:cNvPr>
+          <p:cNvSpPr txBox="1">
+            <a:spLocks/>
+          </p:cNvSpPr>
+          <p:nvPr/>
+        </p:nvSpPr>
+        <p:spPr>
+          <a:xfrm>
+            <a:off x="6626998" y="1994267"/>
+            <a:ext cx="3194315" cy="990502"/>
+          </a:xfrm>
+          <a:prstGeom prst="rect">
+            <a:avLst/>
+          </a:prstGeom>
+        </p:spPr>
+        <p:txBody>
+          <a:bodyPr vert="horz" lIns="91440" tIns="45720" rIns="91440" bIns="45720" rtlCol="0" anchor="ctr">
+            <a:noAutofit/>
+          </a:bodyPr>
+          <a:lstStyle>
+            <a:lvl1pPr algn="l" defTabSz="914400" rtl="0" eaLnBrk="1" latinLnBrk="0" hangingPunct="1">
+              <a:lnSpc>
+                <a:spcPct val="90000"/>
+              </a:lnSpc>
+              <a:spcBef>
+                <a:spcPct val="0"/>
+              </a:spcBef>
+              <a:buNone/>
+              <a:defRPr sz="4400" kern="1200">
+                <a:solidFill>
+                  <a:schemeClr val="tx1"/>
+                </a:solidFill>
+                <a:latin typeface="+mj-lt"/>
+                <a:ea typeface="+mj-ea"/>
+                <a:cs typeface="+mj-cs"/>
+              </a:defRPr>
+            </a:lvl1pPr>
+          </a:lstStyle>
+          <a:p>
+            <a:pPr algn="r"/>
+            <a:r>
+              <a:rPr lang="pt-BR" sz="1800" dirty="0" smtClean="0">
+                <a:solidFill>
+                  <a:schemeClr val="tx1">
+                    <a:lumMod val="75000"/>
+                    <a:lumOff val="25000"/>
+                  </a:schemeClr>
+                </a:solidFill>
+                <a:latin typeface="Bariol Bold" panose="02000506040000020003" pitchFamily="2" charset="0"/>
+              </a:rPr>
+              <a:t>DBA, </a:t>
+            </a:r>
+            <a:r>
+              <a:rPr lang="pt-BR" sz="1800" dirty="0" smtClean="0">
+                <a:solidFill>
+                  <a:schemeClr val="tx1">
+                    <a:lumMod val="75000"/>
+                    <a:lumOff val="25000"/>
+                  </a:schemeClr>
+                </a:solidFill>
+                <a:latin typeface="Bariol Bold" panose="02000506040000020003" pitchFamily="2" charset="0"/>
+              </a:rPr>
+              <a:t>elaborou a </a:t>
+            </a:r>
+            <a:r>
+              <a:rPr lang="pt-BR" sz="1800" dirty="0" smtClean="0">
+                <a:solidFill>
+                  <a:schemeClr val="tx1">
+                    <a:lumMod val="75000"/>
+                    <a:lumOff val="25000"/>
+                  </a:schemeClr>
+                </a:solidFill>
+                <a:latin typeface="Bariol Bold" panose="02000506040000020003" pitchFamily="2" charset="0"/>
+              </a:rPr>
+              <a:t>modelagem, </a:t>
+            </a:r>
+            <a:r>
+              <a:rPr lang="pt-BR" sz="1800" dirty="0" smtClean="0">
+                <a:solidFill>
+                  <a:schemeClr val="tx1">
+                    <a:lumMod val="75000"/>
+                    <a:lumOff val="25000"/>
+                  </a:schemeClr>
+                </a:solidFill>
+                <a:latin typeface="Bariol Bold" panose="02000506040000020003" pitchFamily="2" charset="0"/>
+              </a:rPr>
+              <a:t>script, </a:t>
+            </a:r>
+            <a:r>
+              <a:rPr lang="pt-BR" sz="1800" dirty="0" smtClean="0">
+                <a:solidFill>
+                  <a:schemeClr val="tx1">
+                    <a:lumMod val="75000"/>
+                    <a:lumOff val="25000"/>
+                  </a:schemeClr>
+                </a:solidFill>
+                <a:latin typeface="Bariol Bold" panose="02000506040000020003" pitchFamily="2" charset="0"/>
+              </a:rPr>
+              <a:t>atualizações em geral.</a:t>
+            </a:r>
+            <a:endParaRPr lang="pt-BR" sz="1800" dirty="0">
+              <a:solidFill>
+                <a:schemeClr val="tx1">
+                  <a:lumMod val="75000"/>
+                  <a:lumOff val="25000"/>
+                </a:schemeClr>
+              </a:solidFill>
+              <a:latin typeface="Bariol Bold" panose="02000506040000020003" pitchFamily="2" charset="0"/>
+            </a:endParaRPr>
+          </a:p>
+        </p:txBody>
+      </p:sp>
+      <p:sp>
+        <p:nvSpPr>
+          <p:cNvPr id="36" name="Título 1">
+            <a:extLst>
+              <a:ext uri="{FF2B5EF4-FFF2-40B4-BE49-F238E27FC236}">
+                <a16:creationId xmlns:a16="http://schemas.microsoft.com/office/drawing/2014/main" id="{99F76FBE-1BC2-4EE6-B90A-22263BF7BDCD}"/>
+              </a:ext>
+            </a:extLst>
+          </p:cNvPr>
+          <p:cNvSpPr txBox="1">
+            <a:spLocks/>
+          </p:cNvSpPr>
+          <p:nvPr/>
+        </p:nvSpPr>
+        <p:spPr>
+          <a:xfrm>
+            <a:off x="7071135" y="3458303"/>
+            <a:ext cx="2750178" cy="450401"/>
+          </a:xfrm>
+          <a:prstGeom prst="rect">
+            <a:avLst/>
+          </a:prstGeom>
+        </p:spPr>
+        <p:txBody>
+          <a:bodyPr vert="horz" lIns="91440" tIns="45720" rIns="91440" bIns="45720" rtlCol="0" anchor="ctr">
+            <a:noAutofit/>
+          </a:bodyPr>
+          <a:lstStyle>
+            <a:lvl1pPr algn="l" defTabSz="914400" rtl="0" eaLnBrk="1" latinLnBrk="0" hangingPunct="1">
+              <a:lnSpc>
+                <a:spcPct val="90000"/>
+              </a:lnSpc>
+              <a:spcBef>
+                <a:spcPct val="0"/>
+              </a:spcBef>
+              <a:buNone/>
+              <a:defRPr sz="4400" kern="1200">
+                <a:solidFill>
+                  <a:schemeClr val="tx1"/>
+                </a:solidFill>
+                <a:latin typeface="+mj-lt"/>
+                <a:ea typeface="+mj-ea"/>
+                <a:cs typeface="+mj-cs"/>
+              </a:defRPr>
+            </a:lvl1pPr>
+          </a:lstStyle>
+          <a:p>
+            <a:pPr algn="r"/>
+            <a:r>
+              <a:rPr lang="pt-BR" sz="2800" dirty="0" err="1" smtClean="0">
+                <a:solidFill>
+                  <a:schemeClr val="tx1">
+                    <a:lumMod val="85000"/>
+                    <a:lumOff val="15000"/>
+                  </a:schemeClr>
+                </a:solidFill>
+                <a:latin typeface="Bariol Bold" panose="02000506040000020003" pitchFamily="2" charset="0"/>
+              </a:rPr>
+              <a:t>Adaías</a:t>
+            </a:r>
+            <a:r>
+              <a:rPr lang="pt-BR" sz="2800" dirty="0" smtClean="0">
+                <a:solidFill>
+                  <a:schemeClr val="tx1">
+                    <a:lumMod val="85000"/>
+                    <a:lumOff val="15000"/>
+                  </a:schemeClr>
+                </a:solidFill>
+                <a:latin typeface="Bariol Bold" panose="02000506040000020003" pitchFamily="2" charset="0"/>
+              </a:rPr>
+              <a:t> Santos</a:t>
+            </a:r>
+            <a:endParaRPr lang="pt-BR" sz="2800" dirty="0">
+              <a:solidFill>
+                <a:schemeClr val="tx1">
+                  <a:lumMod val="85000"/>
+                  <a:lumOff val="15000"/>
+                </a:schemeClr>
+              </a:solidFill>
+              <a:latin typeface="Bariol Bold" panose="02000506040000020003" pitchFamily="2" charset="0"/>
+            </a:endParaRPr>
+          </a:p>
+        </p:txBody>
+      </p:sp>
+      <p:sp>
+        <p:nvSpPr>
+          <p:cNvPr id="37" name="Título 1">
+            <a:extLst>
+              <a:ext uri="{FF2B5EF4-FFF2-40B4-BE49-F238E27FC236}">
+                <a16:creationId xmlns:a16="http://schemas.microsoft.com/office/drawing/2014/main" id="{99F76FBE-1BC2-4EE6-B90A-22263BF7BDCD}"/>
+              </a:ext>
+            </a:extLst>
+          </p:cNvPr>
+          <p:cNvSpPr txBox="1">
+            <a:spLocks/>
+          </p:cNvSpPr>
+          <p:nvPr/>
+        </p:nvSpPr>
+        <p:spPr>
+          <a:xfrm>
+            <a:off x="7071135" y="5214792"/>
+            <a:ext cx="2750178" cy="450401"/>
+          </a:xfrm>
+          <a:prstGeom prst="rect">
+            <a:avLst/>
+          </a:prstGeom>
+        </p:spPr>
+        <p:txBody>
+          <a:bodyPr vert="horz" lIns="91440" tIns="45720" rIns="91440" bIns="45720" rtlCol="0" anchor="ctr">
+            <a:noAutofit/>
+          </a:bodyPr>
+          <a:lstStyle>
+            <a:lvl1pPr algn="l" defTabSz="914400" rtl="0" eaLnBrk="1" latinLnBrk="0" hangingPunct="1">
+              <a:lnSpc>
+                <a:spcPct val="90000"/>
+              </a:lnSpc>
+              <a:spcBef>
+                <a:spcPct val="0"/>
+              </a:spcBef>
+              <a:buNone/>
+              <a:defRPr sz="4400" kern="1200">
+                <a:solidFill>
+                  <a:schemeClr val="tx1"/>
+                </a:solidFill>
+                <a:latin typeface="+mj-lt"/>
+                <a:ea typeface="+mj-ea"/>
+                <a:cs typeface="+mj-cs"/>
+              </a:defRPr>
+            </a:lvl1pPr>
+          </a:lstStyle>
+          <a:p>
+            <a:pPr algn="r"/>
+            <a:r>
+              <a:rPr lang="pt-BR" sz="2800" dirty="0" smtClean="0">
+                <a:solidFill>
+                  <a:schemeClr val="tx1">
+                    <a:lumMod val="85000"/>
+                    <a:lumOff val="15000"/>
+                  </a:schemeClr>
+                </a:solidFill>
+                <a:latin typeface="Bariol Bold" panose="02000506040000020003" pitchFamily="2" charset="0"/>
+              </a:rPr>
+              <a:t>Guilherme de Sá</a:t>
+            </a:r>
+            <a:endParaRPr lang="pt-BR" sz="2800" dirty="0">
+              <a:solidFill>
+                <a:schemeClr val="tx1">
+                  <a:lumMod val="85000"/>
+                  <a:lumOff val="15000"/>
+                </a:schemeClr>
+              </a:solidFill>
+              <a:latin typeface="Bariol Bold" panose="02000506040000020003" pitchFamily="2" charset="0"/>
+            </a:endParaRPr>
+          </a:p>
+        </p:txBody>
+      </p:sp>
+      <p:sp>
+        <p:nvSpPr>
+          <p:cNvPr id="38" name="Título 1">
+            <a:extLst>
+              <a:ext uri="{FF2B5EF4-FFF2-40B4-BE49-F238E27FC236}">
+                <a16:creationId xmlns:a16="http://schemas.microsoft.com/office/drawing/2014/main" id="{99F76FBE-1BC2-4EE6-B90A-22263BF7BDCD}"/>
+              </a:ext>
+            </a:extLst>
+          </p:cNvPr>
+          <p:cNvSpPr txBox="1">
+            <a:spLocks/>
+          </p:cNvSpPr>
+          <p:nvPr/>
+        </p:nvSpPr>
+        <p:spPr>
+          <a:xfrm>
+            <a:off x="6626998" y="5518371"/>
+            <a:ext cx="3194315" cy="990502"/>
+          </a:xfrm>
+          <a:prstGeom prst="rect">
+            <a:avLst/>
+          </a:prstGeom>
+        </p:spPr>
+        <p:txBody>
+          <a:bodyPr vert="horz" lIns="91440" tIns="45720" rIns="91440" bIns="45720" rtlCol="0" anchor="ctr">
+            <a:noAutofit/>
+          </a:bodyPr>
+          <a:lstStyle>
+            <a:lvl1pPr algn="l" defTabSz="914400" rtl="0" eaLnBrk="1" latinLnBrk="0" hangingPunct="1">
+              <a:lnSpc>
+                <a:spcPct val="90000"/>
+              </a:lnSpc>
+              <a:spcBef>
+                <a:spcPct val="0"/>
+              </a:spcBef>
+              <a:buNone/>
+              <a:defRPr sz="4400" kern="1200">
+                <a:solidFill>
+                  <a:schemeClr val="tx1"/>
+                </a:solidFill>
+                <a:latin typeface="+mj-lt"/>
+                <a:ea typeface="+mj-ea"/>
+                <a:cs typeface="+mj-cs"/>
+              </a:defRPr>
+            </a:lvl1pPr>
+          </a:lstStyle>
+          <a:p>
+            <a:pPr algn="r"/>
+            <a:r>
+              <a:rPr lang="pt-BR" sz="1800" dirty="0" smtClean="0">
+                <a:solidFill>
+                  <a:schemeClr val="tx1">
+                    <a:lumMod val="75000"/>
+                    <a:lumOff val="25000"/>
+                  </a:schemeClr>
+                </a:solidFill>
+                <a:latin typeface="Bariol Bold" panose="02000506040000020003" pitchFamily="2" charset="0"/>
+              </a:rPr>
+              <a:t>Configurou a </a:t>
+            </a:r>
+            <a:r>
+              <a:rPr lang="pt-BR" sz="1800" dirty="0" smtClean="0">
+                <a:solidFill>
+                  <a:schemeClr val="tx1">
+                    <a:lumMod val="75000"/>
+                    <a:lumOff val="25000"/>
+                  </a:schemeClr>
+                </a:solidFill>
+                <a:latin typeface="Bariol Bold" panose="02000506040000020003" pitchFamily="2" charset="0"/>
+              </a:rPr>
+              <a:t>ferramenta de suporte</a:t>
+            </a:r>
+            <a:r>
+              <a:rPr lang="pt-BR" sz="1800" dirty="0" smtClean="0">
+                <a:solidFill>
+                  <a:schemeClr val="tx1">
+                    <a:lumMod val="75000"/>
+                    <a:lumOff val="25000"/>
+                  </a:schemeClr>
+                </a:solidFill>
+                <a:latin typeface="Bariol Bold" panose="02000506040000020003" pitchFamily="2" charset="0"/>
+              </a:rPr>
+              <a:t>, e desenvolveu o</a:t>
+            </a:r>
+          </a:p>
+          <a:p>
+            <a:pPr algn="r"/>
+            <a:r>
+              <a:rPr lang="pt-BR" sz="1800" dirty="0" smtClean="0">
+                <a:solidFill>
+                  <a:schemeClr val="tx1">
+                    <a:lumMod val="75000"/>
+                    <a:lumOff val="25000"/>
+                  </a:schemeClr>
+                </a:solidFill>
+                <a:latin typeface="Bariol Bold" panose="02000506040000020003" pitchFamily="2" charset="0"/>
+              </a:rPr>
+              <a:t> </a:t>
+            </a:r>
+            <a:r>
+              <a:rPr lang="pt-BR" sz="1800" dirty="0" smtClean="0">
+                <a:solidFill>
+                  <a:schemeClr val="tx1">
+                    <a:lumMod val="75000"/>
+                    <a:lumOff val="25000"/>
+                  </a:schemeClr>
+                </a:solidFill>
+                <a:latin typeface="Bariol Bold" panose="02000506040000020003" pitchFamily="2" charset="0"/>
+              </a:rPr>
+              <a:t>simulador financeiro.</a:t>
+            </a:r>
+            <a:endParaRPr lang="pt-BR" sz="1800" dirty="0">
+              <a:solidFill>
+                <a:schemeClr val="tx1">
+                  <a:lumMod val="75000"/>
+                  <a:lumOff val="25000"/>
+                </a:schemeClr>
+              </a:solidFill>
+              <a:latin typeface="Bariol Bold" panose="02000506040000020003" pitchFamily="2" charset="0"/>
+            </a:endParaRPr>
+          </a:p>
+        </p:txBody>
+      </p:sp>
+      <p:sp>
+        <p:nvSpPr>
+          <p:cNvPr id="44" name="Título 1">
+            <a:extLst>
+              <a:ext uri="{FF2B5EF4-FFF2-40B4-BE49-F238E27FC236}">
+                <a16:creationId xmlns:a16="http://schemas.microsoft.com/office/drawing/2014/main" id="{99F76FBE-1BC2-4EE6-B90A-22263BF7BDCD}"/>
+              </a:ext>
+            </a:extLst>
+          </p:cNvPr>
+          <p:cNvSpPr txBox="1">
+            <a:spLocks/>
+          </p:cNvSpPr>
+          <p:nvPr/>
+        </p:nvSpPr>
+        <p:spPr>
+          <a:xfrm>
+            <a:off x="6626998" y="3761882"/>
+            <a:ext cx="3194315" cy="990502"/>
+          </a:xfrm>
+          <a:prstGeom prst="rect">
+            <a:avLst/>
+          </a:prstGeom>
+        </p:spPr>
+        <p:txBody>
+          <a:bodyPr vert="horz" lIns="91440" tIns="45720" rIns="91440" bIns="45720" rtlCol="0" anchor="ctr">
+            <a:noAutofit/>
+          </a:bodyPr>
+          <a:lstStyle>
+            <a:lvl1pPr algn="l" defTabSz="914400" rtl="0" eaLnBrk="1" latinLnBrk="0" hangingPunct="1">
+              <a:lnSpc>
+                <a:spcPct val="90000"/>
+              </a:lnSpc>
+              <a:spcBef>
+                <a:spcPct val="0"/>
+              </a:spcBef>
+              <a:buNone/>
+              <a:defRPr sz="4400" kern="1200">
+                <a:solidFill>
+                  <a:schemeClr val="tx1"/>
+                </a:solidFill>
+                <a:latin typeface="+mj-lt"/>
+                <a:ea typeface="+mj-ea"/>
+                <a:cs typeface="+mj-cs"/>
+              </a:defRPr>
+            </a:lvl1pPr>
+          </a:lstStyle>
+          <a:p>
+            <a:pPr algn="r"/>
+            <a:r>
+              <a:rPr lang="pt-BR" sz="1800" dirty="0" smtClean="0">
+                <a:solidFill>
+                  <a:schemeClr val="tx1">
+                    <a:lumMod val="75000"/>
+                    <a:lumOff val="25000"/>
+                  </a:schemeClr>
+                </a:solidFill>
+                <a:latin typeface="Bariol Bold" panose="02000506040000020003" pitchFamily="2" charset="0"/>
+              </a:rPr>
+              <a:t>Desenvolveu a t</a:t>
+            </a:r>
+            <a:r>
+              <a:rPr lang="pt-BR" sz="1800" dirty="0" smtClean="0">
+                <a:solidFill>
+                  <a:schemeClr val="tx1">
+                    <a:lumMod val="75000"/>
+                    <a:lumOff val="25000"/>
+                  </a:schemeClr>
+                </a:solidFill>
+                <a:latin typeface="Bariol Bold" panose="02000506040000020003" pitchFamily="2" charset="0"/>
+              </a:rPr>
+              <a:t>ela </a:t>
+            </a:r>
+            <a:r>
+              <a:rPr lang="pt-BR" sz="1800" dirty="0" smtClean="0">
+                <a:solidFill>
+                  <a:schemeClr val="tx1">
+                    <a:lumMod val="75000"/>
+                    <a:lumOff val="25000"/>
+                  </a:schemeClr>
+                </a:solidFill>
+                <a:latin typeface="Bariol Bold" panose="02000506040000020003" pitchFamily="2" charset="0"/>
+              </a:rPr>
+              <a:t>de solicitação de relatórios, </a:t>
+            </a:r>
+            <a:r>
+              <a:rPr lang="pt-BR" sz="1800" dirty="0" smtClean="0">
+                <a:solidFill>
+                  <a:schemeClr val="tx1">
+                    <a:lumMod val="75000"/>
+                    <a:lumOff val="25000"/>
+                  </a:schemeClr>
+                </a:solidFill>
+                <a:latin typeface="Bariol Bold" panose="02000506040000020003" pitchFamily="2" charset="0"/>
+              </a:rPr>
+              <a:t>e documentações</a:t>
+            </a:r>
+            <a:r>
+              <a:rPr lang="pt-BR" sz="1800" dirty="0" smtClean="0">
+                <a:solidFill>
+                  <a:schemeClr val="tx1">
+                    <a:lumMod val="75000"/>
+                    <a:lumOff val="25000"/>
+                  </a:schemeClr>
+                </a:solidFill>
+                <a:latin typeface="Bariol Bold" panose="02000506040000020003" pitchFamily="2" charset="0"/>
+              </a:rPr>
+              <a:t>.</a:t>
+            </a:r>
+            <a:endParaRPr lang="pt-BR" sz="1800" dirty="0">
+              <a:solidFill>
+                <a:schemeClr val="tx1">
+                  <a:lumMod val="75000"/>
+                  <a:lumOff val="25000"/>
+                </a:schemeClr>
+              </a:solidFill>
+              <a:latin typeface="Bariol Bold" panose="02000506040000020003" pitchFamily="2" charset="0"/>
+            </a:endParaRPr>
+          </a:p>
+        </p:txBody>
+      </p:sp>
     </p:spTree>
     <p:extLst>
       <p:ext uri="{BB962C8B-B14F-4D97-AF65-F5344CB8AC3E}">
@@ -4085,12 +5665,16 @@
   <p:clrMapOvr>
     <a:masterClrMapping/>
   </p:clrMapOvr>
-  <mc:AlternateContent xmlns:mc="http://schemas.openxmlformats.org/markup-compatibility/2006" xmlns:p14="http://schemas.microsoft.com/office/powerpoint/2010/main">
-    <mc:Choice Requires="p14">
-      <p:transition spd="slow" p14:dur="2000" advClick="0"/>
+  <mc:AlternateContent xmlns:mc="http://schemas.openxmlformats.org/markup-compatibility/2006">
+    <mc:Choice xmlns:p14="http://schemas.microsoft.com/office/powerpoint/2010/main" Requires="p14">
+      <p:transition spd="med" p14:dur="700" advClick="0">
+        <p:fade/>
+      </p:transition>
     </mc:Choice>
-    <mc:Fallback xmlns="">
-      <p:transition spd="slow" advClick="0"/>
+    <mc:Fallback>
+      <p:transition spd="med" advClick="0">
+        <p:fade/>
+      </p:transition>
     </mc:Fallback>
   </mc:AlternateContent>
   <p:timing>
@@ -4103,7 +5687,7 @@
 </p:sld>
 </file>
 
-<file path=ppt/slides/slide11.xml><?xml version="1.0" encoding="utf-8"?>
+<file path=ppt/slides/slide12.xml><?xml version="1.0" encoding="utf-8"?>
 <p:sld xmlns:a="http://schemas.openxmlformats.org/drawingml/2006/main" xmlns:r="http://schemas.openxmlformats.org/officeDocument/2006/relationships" xmlns:p="http://schemas.openxmlformats.org/presentationml/2006/main">
   <p:cSld>
     <p:spTree>
@@ -4120,9 +5704,39 @@
           <a:chExt cx="0" cy="0"/>
         </a:xfrm>
       </p:grpSpPr>
+      <p:pic>
+        <p:nvPicPr>
+          <p:cNvPr id="5" name="Imagem 4"/>
+          <p:cNvPicPr>
+            <a:picLocks noChangeAspect="1"/>
+          </p:cNvPicPr>
+          <p:nvPr/>
+        </p:nvPicPr>
+        <p:blipFill>
+          <a:blip r:embed="rId2" cstate="print">
+            <a:extLst>
+              <a:ext uri="{28A0092B-C50C-407E-A947-70E740481C1C}">
+                <a14:useLocalDpi xmlns:a14="http://schemas.microsoft.com/office/drawing/2010/main" val="0"/>
+              </a:ext>
+            </a:extLst>
+          </a:blip>
+          <a:stretch>
+            <a:fillRect/>
+          </a:stretch>
+        </p:blipFill>
+        <p:spPr>
+          <a:xfrm>
+            <a:off x="11313459" y="286497"/>
+            <a:ext cx="576000" cy="576000"/>
+          </a:xfrm>
+          <a:prstGeom prst="rect">
+            <a:avLst/>
+          </a:prstGeom>
+        </p:spPr>
+      </p:pic>
       <p:sp>
         <p:nvSpPr>
-          <p:cNvPr id="7" name="Título 1">
+          <p:cNvPr id="6" name="Título 1">
             <a:extLst>
               <a:ext uri="{FF2B5EF4-FFF2-40B4-BE49-F238E27FC236}">
                 <a16:creationId xmlns:a16="http://schemas.microsoft.com/office/drawing/2014/main" id="{99F76FBE-1BC2-4EE6-B90A-22263BF7BDCD}"/>
@@ -4136,7 +5750,7 @@
         </p:nvSpPr>
         <p:spPr>
           <a:xfrm>
-            <a:off x="838199" y="1433807"/>
+            <a:off x="797859" y="979079"/>
             <a:ext cx="10515600" cy="1325563"/>
           </a:xfrm>
           <a:prstGeom prst="rect">
@@ -4194,37 +5808,7 @@
       </p:sp>
       <p:pic>
         <p:nvPicPr>
-          <p:cNvPr id="5" name="Imagem 4"/>
-          <p:cNvPicPr>
-            <a:picLocks noChangeAspect="1"/>
-          </p:cNvPicPr>
-          <p:nvPr/>
-        </p:nvPicPr>
-        <p:blipFill>
-          <a:blip r:embed="rId2" cstate="print">
-            <a:extLst>
-              <a:ext uri="{28A0092B-C50C-407E-A947-70E740481C1C}">
-                <a14:useLocalDpi xmlns:a14="http://schemas.microsoft.com/office/drawing/2010/main" val="0"/>
-              </a:ext>
-            </a:extLst>
-          </a:blip>
-          <a:stretch>
-            <a:fillRect/>
-          </a:stretch>
-        </p:blipFill>
-        <p:spPr>
-          <a:xfrm>
-            <a:off x="11313459" y="286497"/>
-            <a:ext cx="576000" cy="576000"/>
-          </a:xfrm>
-          <a:prstGeom prst="rect">
-            <a:avLst/>
-          </a:prstGeom>
-        </p:spPr>
-      </p:pic>
-      <p:pic>
-        <p:nvPicPr>
-          <p:cNvPr id="9" name="Imagem 8"/>
+          <p:cNvPr id="8" name="Imagem 7"/>
           <p:cNvPicPr>
             <a:picLocks noChangeAspect="1"/>
           </p:cNvPicPr>
@@ -4244,8 +5828,8 @@
         </p:blipFill>
         <p:spPr>
           <a:xfrm>
-            <a:off x="3149522" y="2435246"/>
-            <a:ext cx="5892953" cy="4143353"/>
+            <a:off x="2581441" y="2304643"/>
+            <a:ext cx="6584977" cy="4034605"/>
           </a:xfrm>
           <a:prstGeom prst="rect">
             <a:avLst/>
@@ -4311,7 +5895,7 @@
                                           </p:stCondLst>
                                         </p:cTn>
                                         <p:tgtEl>
-                                          <p:spTgt spid="7"/>
+                                          <p:spTgt spid="6"/>
                                         </p:tgtEl>
                                         <p:attrNameLst>
                                           <p:attrName>style.visibility</p:attrName>
@@ -4325,7 +5909,7 @@
                                       <p:cBhvr>
                                         <p:cTn id="7" dur="500"/>
                                         <p:tgtEl>
-                                          <p:spTgt spid="7"/>
+                                          <p:spTgt spid="6"/>
                                         </p:tgtEl>
                                       </p:cBhvr>
                                     </p:animEffect>
@@ -4360,13 +5944,13 @@
       </p:par>
     </p:tnLst>
     <p:bldLst>
-      <p:bldP spid="7" grpId="0"/>
+      <p:bldP spid="6" grpId="0"/>
     </p:bldLst>
   </p:timing>
 </p:sld>
 </file>
 
-<file path=ppt/slides/slide12.xml><?xml version="1.0" encoding="utf-8"?>
+<file path=ppt/slides/slide13.xml><?xml version="1.0" encoding="utf-8"?>
 <p:sld xmlns:a="http://schemas.openxmlformats.org/drawingml/2006/main" xmlns:r="http://schemas.openxmlformats.org/officeDocument/2006/relationships" xmlns:p="http://schemas.openxmlformats.org/presentationml/2006/main">
   <p:cSld>
     <p:spTree>
@@ -4475,7 +6059,7 @@
 </p:sld>
 </file>
 
-<file path=ppt/slides/slide13.xml><?xml version="1.0" encoding="utf-8"?>
+<file path=ppt/slides/slide14.xml><?xml version="1.0" encoding="utf-8"?>
 <p:sld xmlns:a="http://schemas.openxmlformats.org/drawingml/2006/main" xmlns:r="http://schemas.openxmlformats.org/officeDocument/2006/relationships" xmlns:p="http://schemas.openxmlformats.org/presentationml/2006/main">
   <p:cSld>
     <p:spTree>
@@ -7629,7 +9213,7 @@
 </p:sld>
 </file>
 
-<file path=ppt/slides/slide14.xml><?xml version="1.0" encoding="utf-8"?>
+<file path=ppt/slides/slide15.xml><?xml version="1.0" encoding="utf-8"?>
 <p:sld xmlns:a="http://schemas.openxmlformats.org/drawingml/2006/main" xmlns:r="http://schemas.openxmlformats.org/officeDocument/2006/relationships" xmlns:p="http://schemas.openxmlformats.org/presentationml/2006/main">
   <p:cSld>
     <p:spTree>
@@ -10700,7 +12284,7 @@
 </p:sld>
 </file>
 
-<file path=ppt/slides/slide15.xml><?xml version="1.0" encoding="utf-8"?>
+<file path=ppt/slides/slide16.xml><?xml version="1.0" encoding="utf-8"?>
 <p:sld xmlns:a="http://schemas.openxmlformats.org/drawingml/2006/main" xmlns:r="http://schemas.openxmlformats.org/officeDocument/2006/relationships" xmlns:p="http://schemas.openxmlformats.org/presentationml/2006/main">
   <p:cSld>
     <p:spTree>
@@ -11186,7 +12770,7 @@
 </p:sld>
 </file>
 
-<file path=ppt/slides/slide16.xml><?xml version="1.0" encoding="utf-8"?>
+<file path=ppt/slides/slide17.xml><?xml version="1.0" encoding="utf-8"?>
 <p:sld xmlns:a="http://schemas.openxmlformats.org/drawingml/2006/main" xmlns:r="http://schemas.openxmlformats.org/officeDocument/2006/relationships" xmlns:p="http://schemas.openxmlformats.org/presentationml/2006/main">
   <p:cSld>
     <p:spTree>
@@ -13192,7 +14776,7 @@
 </p:sld>
 </file>
 
-<file path=ppt/slides/slide17.xml><?xml version="1.0" encoding="utf-8"?>
+<file path=ppt/slides/slide18.xml><?xml version="1.0" encoding="utf-8"?>
 <p:sld xmlns:a="http://schemas.openxmlformats.org/drawingml/2006/main" xmlns:r="http://schemas.openxmlformats.org/officeDocument/2006/relationships" xmlns:p="http://schemas.openxmlformats.org/presentationml/2006/main">
   <p:cSld>
     <p:spTree>
@@ -13227,7 +14811,7 @@
         </p:nvSpPr>
         <p:spPr>
           <a:xfrm>
-            <a:off x="642257" y="1370965"/>
+            <a:off x="797859" y="979080"/>
             <a:ext cx="10515600" cy="1325563"/>
           </a:xfrm>
         </p:spPr>
@@ -13290,6 +14874,36 @@
           </a:prstGeom>
         </p:spPr>
       </p:pic>
+      <p:pic>
+        <p:nvPicPr>
+          <p:cNvPr id="3" name="Imagem 2"/>
+          <p:cNvPicPr>
+            <a:picLocks noChangeAspect="1"/>
+          </p:cNvPicPr>
+          <p:nvPr/>
+        </p:nvPicPr>
+        <p:blipFill>
+          <a:blip r:embed="rId3">
+            <a:extLst>
+              <a:ext uri="{28A0092B-C50C-407E-A947-70E740481C1C}">
+                <a14:useLocalDpi xmlns:a14="http://schemas.microsoft.com/office/drawing/2010/main" val="0"/>
+              </a:ext>
+            </a:extLst>
+          </a:blip>
+          <a:stretch>
+            <a:fillRect/>
+          </a:stretch>
+        </p:blipFill>
+        <p:spPr>
+          <a:xfrm>
+            <a:off x="2536664" y="1919762"/>
+            <a:ext cx="6674533" cy="4454911"/>
+          </a:xfrm>
+          <a:prstGeom prst="rect">
+            <a:avLst/>
+          </a:prstGeom>
+        </p:spPr>
+      </p:pic>
     </p:spTree>
     <p:extLst>
       <p:ext uri="{BB962C8B-B14F-4D97-AF65-F5344CB8AC3E}">
@@ -13302,23 +14916,153 @@
   </p:clrMapOvr>
   <mc:AlternateContent xmlns:mc="http://schemas.openxmlformats.org/markup-compatibility/2006" xmlns:p14="http://schemas.microsoft.com/office/powerpoint/2010/main">
     <mc:Choice Requires="p14">
-      <p:transition spd="slow" p14:dur="2000" advClick="0"/>
+      <p:transition spd="med" p14:dur="700" advClick="0">
+        <p:fade/>
+      </p:transition>
     </mc:Choice>
     <mc:Fallback xmlns="">
-      <p:transition spd="slow" advClick="0"/>
+      <p:transition spd="med" advClick="0">
+        <p:fade/>
+      </p:transition>
     </mc:Fallback>
   </mc:AlternateContent>
   <p:timing>
     <p:tnLst>
       <p:par>
-        <p:cTn id="1" dur="indefinite" restart="never" nodeType="tmRoot"/>
+        <p:cTn id="1" dur="indefinite" restart="never" nodeType="tmRoot">
+          <p:childTnLst>
+            <p:seq concurrent="1" nextAc="seek">
+              <p:cTn id="2" dur="indefinite" nodeType="mainSeq">
+                <p:childTnLst>
+                  <p:par>
+                    <p:cTn id="3" fill="hold">
+                      <p:stCondLst>
+                        <p:cond delay="indefinite"/>
+                        <p:cond evt="onBegin" delay="0">
+                          <p:tn val="2"/>
+                        </p:cond>
+                      </p:stCondLst>
+                      <p:childTnLst>
+                        <p:par>
+                          <p:cTn id="4" fill="hold">
+                            <p:stCondLst>
+                              <p:cond delay="0"/>
+                            </p:stCondLst>
+                            <p:childTnLst>
+                              <p:par>
+                                <p:cTn id="5" presetID="10" presetClass="entr" presetSubtype="0" fill="hold" grpId="0" nodeType="afterEffect">
+                                  <p:stCondLst>
+                                    <p:cond delay="0"/>
+                                  </p:stCondLst>
+                                  <p:childTnLst>
+                                    <p:set>
+                                      <p:cBhvr>
+                                        <p:cTn id="6" dur="1" fill="hold">
+                                          <p:stCondLst>
+                                            <p:cond delay="0"/>
+                                          </p:stCondLst>
+                                        </p:cTn>
+                                        <p:tgtEl>
+                                          <p:spTgt spid="2"/>
+                                        </p:tgtEl>
+                                        <p:attrNameLst>
+                                          <p:attrName>style.visibility</p:attrName>
+                                        </p:attrNameLst>
+                                      </p:cBhvr>
+                                      <p:to>
+                                        <p:strVal val="visible"/>
+                                      </p:to>
+                                    </p:set>
+                                    <p:animEffect transition="in" filter="fade">
+                                      <p:cBhvr>
+                                        <p:cTn id="7" dur="500"/>
+                                        <p:tgtEl>
+                                          <p:spTgt spid="2"/>
+                                        </p:tgtEl>
+                                      </p:cBhvr>
+                                    </p:animEffect>
+                                  </p:childTnLst>
+                                </p:cTn>
+                              </p:par>
+                            </p:childTnLst>
+                          </p:cTn>
+                        </p:par>
+                        <p:par>
+                          <p:cTn id="8" fill="hold">
+                            <p:stCondLst>
+                              <p:cond delay="500"/>
+                            </p:stCondLst>
+                            <p:childTnLst>
+                              <p:par>
+                                <p:cTn id="9" presetID="10" presetClass="entr" presetSubtype="0" fill="hold" nodeType="afterEffect">
+                                  <p:stCondLst>
+                                    <p:cond delay="0"/>
+                                  </p:stCondLst>
+                                  <p:childTnLst>
+                                    <p:set>
+                                      <p:cBhvr>
+                                        <p:cTn id="10" dur="1" fill="hold">
+                                          <p:stCondLst>
+                                            <p:cond delay="0"/>
+                                          </p:stCondLst>
+                                        </p:cTn>
+                                        <p:tgtEl>
+                                          <p:spTgt spid="3"/>
+                                        </p:tgtEl>
+                                        <p:attrNameLst>
+                                          <p:attrName>style.visibility</p:attrName>
+                                        </p:attrNameLst>
+                                      </p:cBhvr>
+                                      <p:to>
+                                        <p:strVal val="visible"/>
+                                      </p:to>
+                                    </p:set>
+                                    <p:animEffect transition="in" filter="fade">
+                                      <p:cBhvr>
+                                        <p:cTn id="11" dur="500"/>
+                                        <p:tgtEl>
+                                          <p:spTgt spid="3"/>
+                                        </p:tgtEl>
+                                      </p:cBhvr>
+                                    </p:animEffect>
+                                  </p:childTnLst>
+                                </p:cTn>
+                              </p:par>
+                            </p:childTnLst>
+                          </p:cTn>
+                        </p:par>
+                      </p:childTnLst>
+                    </p:cTn>
+                  </p:par>
+                </p:childTnLst>
+              </p:cTn>
+              <p:prevCondLst>
+                <p:cond evt="onPrev" delay="0">
+                  <p:tgtEl>
+                    <p:sldTgt/>
+                  </p:tgtEl>
+                </p:cond>
+              </p:prevCondLst>
+              <p:nextCondLst>
+                <p:cond evt="onNext" delay="0">
+                  <p:tgtEl>
+                    <p:sldTgt/>
+                  </p:tgtEl>
+                </p:cond>
+              </p:nextCondLst>
+            </p:seq>
+          </p:childTnLst>
+        </p:cTn>
       </p:par>
     </p:tnLst>
+    <p:bldLst>
+      <p:bldP spid="2" grpId="0"/>
+    </p:bldLst>
   </p:timing>
 </p:sld>
 </file>
 
-<file path=ppt/slides/slide18.xml><?xml version="1.0" encoding="utf-8"?>
+<file path=ppt/slides/slide19.xml><?xml version="1.0" encoding="utf-8"?>
 <p:sld xmlns:a="http://schemas.openxmlformats.org/drawingml/2006/main" xmlns:r="http://schemas.openxmlformats.org/officeDocument/2006/relationships" xmlns:p="http://schemas.openxmlformats.org/presentationml/2006/main">
   <p:cSld>
     <p:spTree>
@@ -13687,7 +15431,240 @@
 </p:sld>
 </file>
 
-<file path=ppt/slides/slide19.xml><?xml version="1.0" encoding="utf-8"?>
+<file path=ppt/slides/slide2.xml><?xml version="1.0" encoding="utf-8"?>
+<p:sld xmlns:a="http://schemas.openxmlformats.org/drawingml/2006/main" xmlns:r="http://schemas.openxmlformats.org/officeDocument/2006/relationships" xmlns:p="http://schemas.openxmlformats.org/presentationml/2006/main">
+  <p:cSld>
+    <p:spTree>
+      <p:nvGrpSpPr>
+        <p:cNvPr id="1" name=""/>
+        <p:cNvGrpSpPr/>
+        <p:nvPr/>
+      </p:nvGrpSpPr>
+      <p:grpSpPr>
+        <a:xfrm>
+          <a:off x="0" y="0"/>
+          <a:ext cx="0" cy="0"/>
+          <a:chOff x="0" y="0"/>
+          <a:chExt cx="0" cy="0"/>
+        </a:xfrm>
+      </p:grpSpPr>
+      <p:pic>
+        <p:nvPicPr>
+          <p:cNvPr id="6" name="Imagem 5"/>
+          <p:cNvPicPr>
+            <a:picLocks noChangeAspect="1"/>
+          </p:cNvPicPr>
+          <p:nvPr/>
+        </p:nvPicPr>
+        <p:blipFill rotWithShape="1">
+          <a:blip r:embed="rId2">
+            <a:extLst>
+              <a:ext uri="{28A0092B-C50C-407E-A947-70E740481C1C}">
+                <a14:useLocalDpi xmlns:a14="http://schemas.microsoft.com/office/drawing/2010/main" val="0"/>
+              </a:ext>
+            </a:extLst>
+          </a:blip>
+          <a:srcRect t="70857"/>
+          <a:stretch/>
+        </p:blipFill>
+        <p:spPr>
+          <a:xfrm>
+            <a:off x="-1" y="4061188"/>
+            <a:ext cx="12192000" cy="1998617"/>
+          </a:xfrm>
+          <a:prstGeom prst="rect">
+            <a:avLst/>
+          </a:prstGeom>
+        </p:spPr>
+      </p:pic>
+      <p:pic>
+        <p:nvPicPr>
+          <p:cNvPr id="7" name="Imagem 6"/>
+          <p:cNvPicPr>
+            <a:picLocks noChangeAspect="1"/>
+          </p:cNvPicPr>
+          <p:nvPr/>
+        </p:nvPicPr>
+        <p:blipFill>
+          <a:blip r:embed="rId3">
+            <a:extLst>
+              <a:ext uri="{28A0092B-C50C-407E-A947-70E740481C1C}">
+                <a14:useLocalDpi xmlns:a14="http://schemas.microsoft.com/office/drawing/2010/main" val="0"/>
+              </a:ext>
+            </a:extLst>
+          </a:blip>
+          <a:stretch>
+            <a:fillRect/>
+          </a:stretch>
+        </p:blipFill>
+        <p:spPr>
+          <a:xfrm>
+            <a:off x="4660446" y="1079048"/>
+            <a:ext cx="2871107" cy="2871107"/>
+          </a:xfrm>
+          <a:prstGeom prst="rect">
+            <a:avLst/>
+          </a:prstGeom>
+        </p:spPr>
+      </p:pic>
+    </p:spTree>
+    <p:extLst>
+      <p:ext uri="{BB962C8B-B14F-4D97-AF65-F5344CB8AC3E}">
+        <p14:creationId xmlns:p14="http://schemas.microsoft.com/office/powerpoint/2010/main" val="4156819891"/>
+      </p:ext>
+    </p:extLst>
+  </p:cSld>
+  <p:clrMapOvr>
+    <a:masterClrMapping/>
+  </p:clrMapOvr>
+  <mc:AlternateContent xmlns:mc="http://schemas.openxmlformats.org/markup-compatibility/2006" xmlns:p14="http://schemas.microsoft.com/office/powerpoint/2010/main">
+    <mc:Choice Requires="p14">
+      <p:transition spd="med" p14:dur="700">
+        <p:fade/>
+      </p:transition>
+    </mc:Choice>
+    <mc:Fallback xmlns="">
+      <p:transition spd="med">
+        <p:fade/>
+      </p:transition>
+    </mc:Fallback>
+  </mc:AlternateContent>
+  <p:timing>
+    <p:tnLst>
+      <p:par>
+        <p:cTn id="1" dur="indefinite" restart="never" nodeType="tmRoot">
+          <p:childTnLst>
+            <p:seq concurrent="1" nextAc="seek">
+              <p:cTn id="2" dur="indefinite" nodeType="mainSeq">
+                <p:childTnLst>
+                  <p:par>
+                    <p:cTn id="3" fill="hold">
+                      <p:stCondLst>
+                        <p:cond delay="indefinite"/>
+                      </p:stCondLst>
+                      <p:childTnLst>
+                        <p:par>
+                          <p:cTn id="4" fill="hold">
+                            <p:stCondLst>
+                              <p:cond delay="0"/>
+                            </p:stCondLst>
+                            <p:childTnLst>
+                              <p:par>
+                                <p:cTn id="5" presetID="10" presetClass="exit" presetSubtype="0" fill="hold" nodeType="clickEffect">
+                                  <p:stCondLst>
+                                    <p:cond delay="0"/>
+                                  </p:stCondLst>
+                                  <p:childTnLst>
+                                    <p:animEffect transition="out" filter="fade">
+                                      <p:cBhvr>
+                                        <p:cTn id="6" dur="500"/>
+                                        <p:tgtEl>
+                                          <p:spTgt spid="6"/>
+                                        </p:tgtEl>
+                                      </p:cBhvr>
+                                    </p:animEffect>
+                                    <p:set>
+                                      <p:cBhvr>
+                                        <p:cTn id="7" dur="1" fill="hold">
+                                          <p:stCondLst>
+                                            <p:cond delay="499"/>
+                                          </p:stCondLst>
+                                        </p:cTn>
+                                        <p:tgtEl>
+                                          <p:spTgt spid="6"/>
+                                        </p:tgtEl>
+                                        <p:attrNameLst>
+                                          <p:attrName>style.visibility</p:attrName>
+                                        </p:attrNameLst>
+                                      </p:cBhvr>
+                                      <p:to>
+                                        <p:strVal val="hidden"/>
+                                      </p:to>
+                                    </p:set>
+                                  </p:childTnLst>
+                                </p:cTn>
+                              </p:par>
+                            </p:childTnLst>
+                          </p:cTn>
+                        </p:par>
+                        <p:par>
+                          <p:cTn id="8" fill="hold">
+                            <p:stCondLst>
+                              <p:cond delay="500"/>
+                            </p:stCondLst>
+                            <p:childTnLst>
+                              <p:par>
+                                <p:cTn id="9" presetID="6" presetClass="emph" presetSubtype="0" fill="hold" nodeType="afterEffect">
+                                  <p:stCondLst>
+                                    <p:cond delay="0"/>
+                                  </p:stCondLst>
+                                  <p:childTnLst>
+                                    <p:animScale>
+                                      <p:cBhvr>
+                                        <p:cTn id="10" dur="1000" fill="hold"/>
+                                        <p:tgtEl>
+                                          <p:spTgt spid="7"/>
+                                        </p:tgtEl>
+                                      </p:cBhvr>
+                                      <p:by x="20000" y="20000"/>
+                                    </p:animScale>
+                                  </p:childTnLst>
+                                </p:cTn>
+                              </p:par>
+                              <p:par>
+                                <p:cTn id="11" presetID="56" presetClass="path" presetSubtype="0" accel="50000" decel="50000" fill="hold" nodeType="withEffect">
+                                  <p:stCondLst>
+                                    <p:cond delay="0"/>
+                                  </p:stCondLst>
+                                  <p:childTnLst>
+                                    <p:animMotion origin="layout" path="M 0 3.33333E-6 L 0.45078 -0.28426 " pathEditMode="relative" rAng="0" ptsTypes="AA">
+                                      <p:cBhvr>
+                                        <p:cTn id="12" dur="1000" fill="hold"/>
+                                        <p:tgtEl>
+                                          <p:spTgt spid="7"/>
+                                        </p:tgtEl>
+                                        <p:attrNameLst>
+                                          <p:attrName>ppt_x</p:attrName>
+                                          <p:attrName>ppt_y</p:attrName>
+                                        </p:attrNameLst>
+                                      </p:cBhvr>
+                                      <p:rCtr x="22539" y="-14213"/>
+                                    </p:animMotion>
+                                  </p:childTnLst>
+                                </p:cTn>
+                              </p:par>
+                            </p:childTnLst>
+                          </p:cTn>
+                        </p:par>
+                      </p:childTnLst>
+                    </p:cTn>
+                  </p:par>
+                </p:childTnLst>
+              </p:cTn>
+              <p:prevCondLst>
+                <p:cond evt="onPrev" delay="0">
+                  <p:tgtEl>
+                    <p:sldTgt/>
+                  </p:tgtEl>
+                </p:cond>
+              </p:prevCondLst>
+              <p:nextCondLst>
+                <p:cond evt="onNext" delay="0">
+                  <p:tgtEl>
+                    <p:sldTgt/>
+                  </p:tgtEl>
+                </p:cond>
+              </p:nextCondLst>
+            </p:seq>
+          </p:childTnLst>
+        </p:cTn>
+      </p:par>
+    </p:tnLst>
+  </p:timing>
+</p:sld>
+</file>
+
+<file path=ppt/slides/slide20.xml><?xml version="1.0" encoding="utf-8"?>
 <p:sld xmlns:a="http://schemas.openxmlformats.org/drawingml/2006/main" xmlns:r="http://schemas.openxmlformats.org/officeDocument/2006/relationships" xmlns:p="http://schemas.openxmlformats.org/presentationml/2006/main">
   <p:cSld>
     <p:spTree>
@@ -15382,240 +17359,7 @@
 </p:sld>
 </file>
 
-<file path=ppt/slides/slide2.xml><?xml version="1.0" encoding="utf-8"?>
-<p:sld xmlns:a="http://schemas.openxmlformats.org/drawingml/2006/main" xmlns:r="http://schemas.openxmlformats.org/officeDocument/2006/relationships" xmlns:p="http://schemas.openxmlformats.org/presentationml/2006/main">
-  <p:cSld>
-    <p:spTree>
-      <p:nvGrpSpPr>
-        <p:cNvPr id="1" name=""/>
-        <p:cNvGrpSpPr/>
-        <p:nvPr/>
-      </p:nvGrpSpPr>
-      <p:grpSpPr>
-        <a:xfrm>
-          <a:off x="0" y="0"/>
-          <a:ext cx="0" cy="0"/>
-          <a:chOff x="0" y="0"/>
-          <a:chExt cx="0" cy="0"/>
-        </a:xfrm>
-      </p:grpSpPr>
-      <p:pic>
-        <p:nvPicPr>
-          <p:cNvPr id="6" name="Imagem 5"/>
-          <p:cNvPicPr>
-            <a:picLocks noChangeAspect="1"/>
-          </p:cNvPicPr>
-          <p:nvPr/>
-        </p:nvPicPr>
-        <p:blipFill rotWithShape="1">
-          <a:blip r:embed="rId2">
-            <a:extLst>
-              <a:ext uri="{28A0092B-C50C-407E-A947-70E740481C1C}">
-                <a14:useLocalDpi xmlns:a14="http://schemas.microsoft.com/office/drawing/2010/main" val="0"/>
-              </a:ext>
-            </a:extLst>
-          </a:blip>
-          <a:srcRect t="70857"/>
-          <a:stretch/>
-        </p:blipFill>
-        <p:spPr>
-          <a:xfrm>
-            <a:off x="-1" y="4061188"/>
-            <a:ext cx="12192000" cy="1998617"/>
-          </a:xfrm>
-          <a:prstGeom prst="rect">
-            <a:avLst/>
-          </a:prstGeom>
-        </p:spPr>
-      </p:pic>
-      <p:pic>
-        <p:nvPicPr>
-          <p:cNvPr id="7" name="Imagem 6"/>
-          <p:cNvPicPr>
-            <a:picLocks noChangeAspect="1"/>
-          </p:cNvPicPr>
-          <p:nvPr/>
-        </p:nvPicPr>
-        <p:blipFill>
-          <a:blip r:embed="rId3">
-            <a:extLst>
-              <a:ext uri="{28A0092B-C50C-407E-A947-70E740481C1C}">
-                <a14:useLocalDpi xmlns:a14="http://schemas.microsoft.com/office/drawing/2010/main" val="0"/>
-              </a:ext>
-            </a:extLst>
-          </a:blip>
-          <a:stretch>
-            <a:fillRect/>
-          </a:stretch>
-        </p:blipFill>
-        <p:spPr>
-          <a:xfrm>
-            <a:off x="4660446" y="1079048"/>
-            <a:ext cx="2871107" cy="2871107"/>
-          </a:xfrm>
-          <a:prstGeom prst="rect">
-            <a:avLst/>
-          </a:prstGeom>
-        </p:spPr>
-      </p:pic>
-    </p:spTree>
-    <p:extLst>
-      <p:ext uri="{BB962C8B-B14F-4D97-AF65-F5344CB8AC3E}">
-        <p14:creationId xmlns:p14="http://schemas.microsoft.com/office/powerpoint/2010/main" val="4156819891"/>
-      </p:ext>
-    </p:extLst>
-  </p:cSld>
-  <p:clrMapOvr>
-    <a:masterClrMapping/>
-  </p:clrMapOvr>
-  <mc:AlternateContent xmlns:mc="http://schemas.openxmlformats.org/markup-compatibility/2006" xmlns:p14="http://schemas.microsoft.com/office/powerpoint/2010/main">
-    <mc:Choice Requires="p14">
-      <p:transition spd="med" p14:dur="700">
-        <p:fade/>
-      </p:transition>
-    </mc:Choice>
-    <mc:Fallback xmlns="">
-      <p:transition spd="med">
-        <p:fade/>
-      </p:transition>
-    </mc:Fallback>
-  </mc:AlternateContent>
-  <p:timing>
-    <p:tnLst>
-      <p:par>
-        <p:cTn id="1" dur="indefinite" restart="never" nodeType="tmRoot">
-          <p:childTnLst>
-            <p:seq concurrent="1" nextAc="seek">
-              <p:cTn id="2" dur="indefinite" nodeType="mainSeq">
-                <p:childTnLst>
-                  <p:par>
-                    <p:cTn id="3" fill="hold">
-                      <p:stCondLst>
-                        <p:cond delay="indefinite"/>
-                      </p:stCondLst>
-                      <p:childTnLst>
-                        <p:par>
-                          <p:cTn id="4" fill="hold">
-                            <p:stCondLst>
-                              <p:cond delay="0"/>
-                            </p:stCondLst>
-                            <p:childTnLst>
-                              <p:par>
-                                <p:cTn id="5" presetID="10" presetClass="exit" presetSubtype="0" fill="hold" nodeType="clickEffect">
-                                  <p:stCondLst>
-                                    <p:cond delay="0"/>
-                                  </p:stCondLst>
-                                  <p:childTnLst>
-                                    <p:animEffect transition="out" filter="fade">
-                                      <p:cBhvr>
-                                        <p:cTn id="6" dur="500"/>
-                                        <p:tgtEl>
-                                          <p:spTgt spid="6"/>
-                                        </p:tgtEl>
-                                      </p:cBhvr>
-                                    </p:animEffect>
-                                    <p:set>
-                                      <p:cBhvr>
-                                        <p:cTn id="7" dur="1" fill="hold">
-                                          <p:stCondLst>
-                                            <p:cond delay="499"/>
-                                          </p:stCondLst>
-                                        </p:cTn>
-                                        <p:tgtEl>
-                                          <p:spTgt spid="6"/>
-                                        </p:tgtEl>
-                                        <p:attrNameLst>
-                                          <p:attrName>style.visibility</p:attrName>
-                                        </p:attrNameLst>
-                                      </p:cBhvr>
-                                      <p:to>
-                                        <p:strVal val="hidden"/>
-                                      </p:to>
-                                    </p:set>
-                                  </p:childTnLst>
-                                </p:cTn>
-                              </p:par>
-                            </p:childTnLst>
-                          </p:cTn>
-                        </p:par>
-                        <p:par>
-                          <p:cTn id="8" fill="hold">
-                            <p:stCondLst>
-                              <p:cond delay="500"/>
-                            </p:stCondLst>
-                            <p:childTnLst>
-                              <p:par>
-                                <p:cTn id="9" presetID="6" presetClass="emph" presetSubtype="0" fill="hold" nodeType="afterEffect">
-                                  <p:stCondLst>
-                                    <p:cond delay="0"/>
-                                  </p:stCondLst>
-                                  <p:childTnLst>
-                                    <p:animScale>
-                                      <p:cBhvr>
-                                        <p:cTn id="10" dur="1000" fill="hold"/>
-                                        <p:tgtEl>
-                                          <p:spTgt spid="7"/>
-                                        </p:tgtEl>
-                                      </p:cBhvr>
-                                      <p:by x="20000" y="20000"/>
-                                    </p:animScale>
-                                  </p:childTnLst>
-                                </p:cTn>
-                              </p:par>
-                              <p:par>
-                                <p:cTn id="11" presetID="56" presetClass="path" presetSubtype="0" accel="50000" decel="50000" fill="hold" nodeType="withEffect">
-                                  <p:stCondLst>
-                                    <p:cond delay="0"/>
-                                  </p:stCondLst>
-                                  <p:childTnLst>
-                                    <p:animMotion origin="layout" path="M 0 3.33333E-6 L 0.45078 -0.28426 " pathEditMode="relative" rAng="0" ptsTypes="AA">
-                                      <p:cBhvr>
-                                        <p:cTn id="12" dur="1000" fill="hold"/>
-                                        <p:tgtEl>
-                                          <p:spTgt spid="7"/>
-                                        </p:tgtEl>
-                                        <p:attrNameLst>
-                                          <p:attrName>ppt_x</p:attrName>
-                                          <p:attrName>ppt_y</p:attrName>
-                                        </p:attrNameLst>
-                                      </p:cBhvr>
-                                      <p:rCtr x="22539" y="-14213"/>
-                                    </p:animMotion>
-                                  </p:childTnLst>
-                                </p:cTn>
-                              </p:par>
-                            </p:childTnLst>
-                          </p:cTn>
-                        </p:par>
-                      </p:childTnLst>
-                    </p:cTn>
-                  </p:par>
-                </p:childTnLst>
-              </p:cTn>
-              <p:prevCondLst>
-                <p:cond evt="onPrev" delay="0">
-                  <p:tgtEl>
-                    <p:sldTgt/>
-                  </p:tgtEl>
-                </p:cond>
-              </p:prevCondLst>
-              <p:nextCondLst>
-                <p:cond evt="onNext" delay="0">
-                  <p:tgtEl>
-                    <p:sldTgt/>
-                  </p:tgtEl>
-                </p:cond>
-              </p:nextCondLst>
-            </p:seq>
-          </p:childTnLst>
-        </p:cTn>
-      </p:par>
-    </p:tnLst>
-  </p:timing>
-</p:sld>
-</file>
-
-<file path=ppt/slides/slide20.xml><?xml version="1.0" encoding="utf-8"?>
+<file path=ppt/slides/slide21.xml><?xml version="1.0" encoding="utf-8"?>
 <p:sld xmlns:a="http://schemas.openxmlformats.org/drawingml/2006/main" xmlns:r="http://schemas.openxmlformats.org/officeDocument/2006/relationships" xmlns:p="http://schemas.openxmlformats.org/presentationml/2006/main">
   <p:cSld>
     <p:spTree>
@@ -15734,8 +17478,8 @@
         </p:blipFill>
         <p:spPr>
           <a:xfrm>
-            <a:off x="2623660" y="1595272"/>
-            <a:ext cx="4937761" cy="3293448"/>
+            <a:off x="2278353" y="1461450"/>
+            <a:ext cx="5490921" cy="3662401"/>
           </a:xfrm>
           <a:prstGeom prst="rect">
             <a:avLst/>
@@ -15764,8 +17508,8 @@
         </p:blipFill>
         <p:spPr>
           <a:xfrm>
-            <a:off x="5839641" y="4767211"/>
-            <a:ext cx="1458039" cy="891833"/>
+            <a:off x="5847031" y="4669927"/>
+            <a:ext cx="1762942" cy="1078332"/>
           </a:xfrm>
           <a:prstGeom prst="rect">
             <a:avLst/>
@@ -15794,7 +17538,7 @@
         </p:blipFill>
         <p:spPr>
           <a:xfrm>
-            <a:off x="3077348" y="4702853"/>
+            <a:off x="2771230" y="4669927"/>
             <a:ext cx="2374328" cy="686329"/>
           </a:xfrm>
           <a:prstGeom prst="rect">
@@ -15824,8 +17568,8 @@
         </p:blipFill>
         <p:spPr>
           <a:xfrm>
-            <a:off x="7561421" y="2612543"/>
-            <a:ext cx="1540618" cy="1249818"/>
+            <a:off x="7873778" y="2550227"/>
+            <a:ext cx="1713208" cy="1389831"/>
           </a:xfrm>
           <a:prstGeom prst="rect">
             <a:avLst/>
@@ -15854,7 +17598,7 @@
         </p:blipFill>
         <p:spPr>
           <a:xfrm>
-            <a:off x="7542535" y="4475251"/>
+            <a:off x="7967313" y="4564466"/>
             <a:ext cx="1578390" cy="1183793"/>
           </a:xfrm>
           <a:prstGeom prst="rect">
@@ -15890,304 +17634,6 @@
         <p:cTn id="1" dur="indefinite" restart="never" nodeType="tmRoot"/>
       </p:par>
     </p:tnLst>
-  </p:timing>
-</p:sld>
-</file>
-
-<file path=ppt/slides/slide21.xml><?xml version="1.0" encoding="utf-8"?>
-<p:sld xmlns:a="http://schemas.openxmlformats.org/drawingml/2006/main" xmlns:r="http://schemas.openxmlformats.org/officeDocument/2006/relationships" xmlns:p="http://schemas.openxmlformats.org/presentationml/2006/main">
-  <p:cSld>
-    <p:spTree>
-      <p:nvGrpSpPr>
-        <p:cNvPr id="1" name=""/>
-        <p:cNvGrpSpPr/>
-        <p:nvPr/>
-      </p:nvGrpSpPr>
-      <p:grpSpPr>
-        <a:xfrm>
-          <a:off x="0" y="0"/>
-          <a:ext cx="0" cy="0"/>
-          <a:chOff x="0" y="0"/>
-          <a:chExt cx="0" cy="0"/>
-        </a:xfrm>
-      </p:grpSpPr>
-      <p:sp>
-        <p:nvSpPr>
-          <p:cNvPr id="6" name="Título 1">
-            <a:extLst>
-              <a:ext uri="{FF2B5EF4-FFF2-40B4-BE49-F238E27FC236}">
-                <a16:creationId xmlns:a16="http://schemas.microsoft.com/office/drawing/2014/main" id="{99F76FBE-1BC2-4EE6-B90A-22263BF7BDCD}"/>
-              </a:ext>
-            </a:extLst>
-          </p:cNvPr>
-          <p:cNvSpPr txBox="1">
-            <a:spLocks/>
-          </p:cNvSpPr>
-          <p:nvPr/>
-        </p:nvSpPr>
-        <p:spPr>
-          <a:xfrm>
-            <a:off x="838199" y="1433807"/>
-            <a:ext cx="10515600" cy="1325563"/>
-          </a:xfrm>
-          <a:prstGeom prst="rect">
-            <a:avLst/>
-          </a:prstGeom>
-        </p:spPr>
-        <p:txBody>
-          <a:bodyPr vert="horz" lIns="91440" tIns="45720" rIns="91440" bIns="45720" rtlCol="0" anchor="ctr">
-            <a:normAutofit/>
-          </a:bodyPr>
-          <a:lstStyle>
-            <a:lvl1pPr algn="l" defTabSz="914400" rtl="0" eaLnBrk="1" latinLnBrk="0" hangingPunct="1">
-              <a:lnSpc>
-                <a:spcPct val="90000"/>
-              </a:lnSpc>
-              <a:spcBef>
-                <a:spcPct val="0"/>
-              </a:spcBef>
-              <a:buNone/>
-              <a:defRPr sz="4400" kern="1200">
-                <a:solidFill>
-                  <a:schemeClr val="tx1"/>
-                </a:solidFill>
-                <a:latin typeface="+mj-lt"/>
-                <a:ea typeface="+mj-ea"/>
-                <a:cs typeface="+mj-cs"/>
-              </a:defRPr>
-            </a:lvl1pPr>
-          </a:lstStyle>
-          <a:p>
-            <a:pPr algn="ctr"/>
-            <a:r>
-              <a:rPr lang="pt-BR" dirty="0">
-                <a:solidFill>
-                  <a:schemeClr val="tx1">
-                    <a:lumMod val="75000"/>
-                    <a:lumOff val="25000"/>
-                  </a:schemeClr>
-                </a:solidFill>
-                <a:latin typeface="Bariol Bold" panose="02000506040000020003" pitchFamily="2" charset="0"/>
-              </a:rPr>
-              <a:t>Banco de Dados</a:t>
-            </a:r>
-          </a:p>
-        </p:txBody>
-      </p:sp>
-      <p:pic>
-        <p:nvPicPr>
-          <p:cNvPr id="5" name="Imagem 4"/>
-          <p:cNvPicPr>
-            <a:picLocks noChangeAspect="1"/>
-          </p:cNvPicPr>
-          <p:nvPr/>
-        </p:nvPicPr>
-        <p:blipFill>
-          <a:blip r:embed="rId2" cstate="print">
-            <a:extLst>
-              <a:ext uri="{28A0092B-C50C-407E-A947-70E740481C1C}">
-                <a14:useLocalDpi xmlns:a14="http://schemas.microsoft.com/office/drawing/2010/main" val="0"/>
-              </a:ext>
-            </a:extLst>
-          </a:blip>
-          <a:stretch>
-            <a:fillRect/>
-          </a:stretch>
-        </p:blipFill>
-        <p:spPr>
-          <a:xfrm>
-            <a:off x="11313459" y="286497"/>
-            <a:ext cx="576000" cy="576000"/>
-          </a:xfrm>
-          <a:prstGeom prst="rect">
-            <a:avLst/>
-          </a:prstGeom>
-        </p:spPr>
-      </p:pic>
-      <p:pic>
-        <p:nvPicPr>
-          <p:cNvPr id="2" name="Imagem 1"/>
-          <p:cNvPicPr>
-            <a:picLocks noChangeAspect="1"/>
-          </p:cNvPicPr>
-          <p:nvPr/>
-        </p:nvPicPr>
-        <p:blipFill>
-          <a:blip r:embed="rId3">
-            <a:extLst>
-              <a:ext uri="{28A0092B-C50C-407E-A947-70E740481C1C}">
-                <a14:useLocalDpi xmlns:a14="http://schemas.microsoft.com/office/drawing/2010/main" val="0"/>
-              </a:ext>
-            </a:extLst>
-          </a:blip>
-          <a:stretch>
-            <a:fillRect/>
-          </a:stretch>
-        </p:blipFill>
-        <p:spPr>
-          <a:xfrm>
-            <a:off x="3176869" y="2650489"/>
-            <a:ext cx="5838260" cy="4207511"/>
-          </a:xfrm>
-          <a:prstGeom prst="rect">
-            <a:avLst/>
-          </a:prstGeom>
-        </p:spPr>
-      </p:pic>
-    </p:spTree>
-    <p:extLst>
-      <p:ext uri="{BB962C8B-B14F-4D97-AF65-F5344CB8AC3E}">
-        <p14:creationId xmlns:p14="http://schemas.microsoft.com/office/powerpoint/2010/main" val="2185208328"/>
-      </p:ext>
-    </p:extLst>
-  </p:cSld>
-  <p:clrMapOvr>
-    <a:masterClrMapping/>
-  </p:clrMapOvr>
-  <mc:AlternateContent xmlns:mc="http://schemas.openxmlformats.org/markup-compatibility/2006" xmlns:p14="http://schemas.microsoft.com/office/powerpoint/2010/main">
-    <mc:Choice Requires="p14">
-      <p:transition spd="med" p14:dur="700">
-        <p:fade/>
-      </p:transition>
-    </mc:Choice>
-    <mc:Fallback xmlns="">
-      <p:transition spd="med">
-        <p:fade/>
-      </p:transition>
-    </mc:Fallback>
-  </mc:AlternateContent>
-  <p:timing>
-    <p:tnLst>
-      <p:par>
-        <p:cTn id="1" dur="indefinite" restart="never" nodeType="tmRoot">
-          <p:childTnLst>
-            <p:seq concurrent="1" nextAc="seek">
-              <p:cTn id="2" dur="indefinite" nodeType="mainSeq">
-                <p:childTnLst>
-                  <p:par>
-                    <p:cTn id="3" fill="hold">
-                      <p:stCondLst>
-                        <p:cond delay="indefinite"/>
-                        <p:cond evt="onBegin" delay="0">
-                          <p:tn val="2"/>
-                        </p:cond>
-                      </p:stCondLst>
-                      <p:childTnLst>
-                        <p:par>
-                          <p:cTn id="4" fill="hold">
-                            <p:stCondLst>
-                              <p:cond delay="0"/>
-                            </p:stCondLst>
-                            <p:childTnLst>
-                              <p:par>
-                                <p:cTn id="5" presetID="10" presetClass="entr" presetSubtype="0" fill="hold" grpId="0" nodeType="afterEffect">
-                                  <p:stCondLst>
-                                    <p:cond delay="0"/>
-                                  </p:stCondLst>
-                                  <p:childTnLst>
-                                    <p:set>
-                                      <p:cBhvr>
-                                        <p:cTn id="6" dur="1" fill="hold">
-                                          <p:stCondLst>
-                                            <p:cond delay="0"/>
-                                          </p:stCondLst>
-                                        </p:cTn>
-                                        <p:tgtEl>
-                                          <p:spTgt spid="6"/>
-                                        </p:tgtEl>
-                                        <p:attrNameLst>
-                                          <p:attrName>style.visibility</p:attrName>
-                                        </p:attrNameLst>
-                                      </p:cBhvr>
-                                      <p:to>
-                                        <p:strVal val="visible"/>
-                                      </p:to>
-                                    </p:set>
-                                    <p:animEffect transition="in" filter="fade">
-                                      <p:cBhvr>
-                                        <p:cTn id="7" dur="500"/>
-                                        <p:tgtEl>
-                                          <p:spTgt spid="6"/>
-                                        </p:tgtEl>
-                                      </p:cBhvr>
-                                    </p:animEffect>
-                                  </p:childTnLst>
-                                </p:cTn>
-                              </p:par>
-                            </p:childTnLst>
-                          </p:cTn>
-                        </p:par>
-                        <p:par>
-                          <p:cTn id="8" fill="hold">
-                            <p:stCondLst>
-                              <p:cond delay="500"/>
-                            </p:stCondLst>
-                            <p:childTnLst>
-                              <p:par>
-                                <p:cTn id="9" presetID="10" presetClass="entr" presetSubtype="0" fill="hold" nodeType="afterEffect">
-                                  <p:stCondLst>
-                                    <p:cond delay="0"/>
-                                  </p:stCondLst>
-                                  <p:childTnLst>
-                                    <p:set>
-                                      <p:cBhvr>
-                                        <p:cTn id="10" dur="1" fill="hold">
-                                          <p:stCondLst>
-                                            <p:cond delay="0"/>
-                                          </p:stCondLst>
-                                        </p:cTn>
-                                        <p:tgtEl>
-                                          <p:spTgt spid="2"/>
-                                        </p:tgtEl>
-                                        <p:attrNameLst>
-                                          <p:attrName>style.visibility</p:attrName>
-                                        </p:attrNameLst>
-                                      </p:cBhvr>
-                                      <p:to>
-                                        <p:strVal val="visible"/>
-                                      </p:to>
-                                    </p:set>
-                                    <p:animEffect transition="in" filter="fade">
-                                      <p:cBhvr>
-                                        <p:cTn id="11" dur="500"/>
-                                        <p:tgtEl>
-                                          <p:spTgt spid="2"/>
-                                        </p:tgtEl>
-                                      </p:cBhvr>
-                                    </p:animEffect>
-                                  </p:childTnLst>
-                                </p:cTn>
-                              </p:par>
-                            </p:childTnLst>
-                          </p:cTn>
-                        </p:par>
-                      </p:childTnLst>
-                    </p:cTn>
-                  </p:par>
-                </p:childTnLst>
-              </p:cTn>
-              <p:prevCondLst>
-                <p:cond evt="onPrev" delay="0">
-                  <p:tgtEl>
-                    <p:sldTgt/>
-                  </p:tgtEl>
-                </p:cond>
-              </p:prevCondLst>
-              <p:nextCondLst>
-                <p:cond evt="onNext" delay="0">
-                  <p:tgtEl>
-                    <p:sldTgt/>
-                  </p:tgtEl>
-                </p:cond>
-              </p:nextCondLst>
-            </p:seq>
-          </p:childTnLst>
-        </p:cTn>
-      </p:par>
-    </p:tnLst>
-    <p:bldLst>
-      <p:bldP spid="6" grpId="0"/>
-    </p:bldLst>
   </p:timing>
 </p:sld>
 </file>
@@ -16261,8 +17707,276 @@
         </p:blipFill>
         <p:spPr>
           <a:xfrm>
-            <a:off x="0" y="2075497"/>
-            <a:ext cx="12192000" cy="3438525"/>
+            <a:off x="2949053" y="2050868"/>
+            <a:ext cx="6398396" cy="4611189"/>
+          </a:xfrm>
+          <a:prstGeom prst="rect">
+            <a:avLst/>
+          </a:prstGeom>
+        </p:spPr>
+      </p:pic>
+      <p:sp>
+        <p:nvSpPr>
+          <p:cNvPr id="7" name="Título 1">
+            <a:extLst>
+              <a:ext uri="{FF2B5EF4-FFF2-40B4-BE49-F238E27FC236}">
+                <a16:creationId xmlns:a16="http://schemas.microsoft.com/office/drawing/2014/main" id="{99F76FBE-1BC2-4EE6-B90A-22263BF7BDCD}"/>
+              </a:ext>
+            </a:extLst>
+          </p:cNvPr>
+          <p:cNvSpPr txBox="1">
+            <a:spLocks/>
+          </p:cNvSpPr>
+          <p:nvPr/>
+        </p:nvSpPr>
+        <p:spPr>
+          <a:xfrm>
+            <a:off x="890451" y="921248"/>
+            <a:ext cx="10515600" cy="1325563"/>
+          </a:xfrm>
+          <a:prstGeom prst="rect">
+            <a:avLst/>
+          </a:prstGeom>
+        </p:spPr>
+        <p:txBody>
+          <a:bodyPr vert="horz" lIns="91440" tIns="45720" rIns="91440" bIns="45720" rtlCol="0" anchor="ctr">
+            <a:normAutofit/>
+          </a:bodyPr>
+          <a:lstStyle>
+            <a:lvl1pPr algn="l" defTabSz="914400" rtl="0" eaLnBrk="1" latinLnBrk="0" hangingPunct="1">
+              <a:lnSpc>
+                <a:spcPct val="90000"/>
+              </a:lnSpc>
+              <a:spcBef>
+                <a:spcPct val="0"/>
+              </a:spcBef>
+              <a:buNone/>
+              <a:defRPr sz="4400" kern="1200">
+                <a:solidFill>
+                  <a:schemeClr val="tx1"/>
+                </a:solidFill>
+                <a:latin typeface="+mj-lt"/>
+                <a:ea typeface="+mj-ea"/>
+                <a:cs typeface="+mj-cs"/>
+              </a:defRPr>
+            </a:lvl1pPr>
+          </a:lstStyle>
+          <a:p>
+            <a:pPr algn="ctr"/>
+            <a:r>
+              <a:rPr lang="pt-BR" dirty="0">
+                <a:solidFill>
+                  <a:schemeClr val="tx1">
+                    <a:lumMod val="75000"/>
+                    <a:lumOff val="25000"/>
+                  </a:schemeClr>
+                </a:solidFill>
+                <a:latin typeface="Bariol Bold" panose="02000506040000020003" pitchFamily="2" charset="0"/>
+              </a:rPr>
+              <a:t>Banco de Dados</a:t>
+            </a:r>
+          </a:p>
+        </p:txBody>
+      </p:sp>
+    </p:spTree>
+    <p:extLst>
+      <p:ext uri="{BB962C8B-B14F-4D97-AF65-F5344CB8AC3E}">
+        <p14:creationId xmlns:p14="http://schemas.microsoft.com/office/powerpoint/2010/main" val="2185208328"/>
+      </p:ext>
+    </p:extLst>
+  </p:cSld>
+  <p:clrMapOvr>
+    <a:masterClrMapping/>
+  </p:clrMapOvr>
+  <mc:AlternateContent xmlns:mc="http://schemas.openxmlformats.org/markup-compatibility/2006" xmlns:p14="http://schemas.microsoft.com/office/powerpoint/2010/main">
+    <mc:Choice Requires="p14">
+      <p:transition spd="med" p14:dur="700">
+        <p:fade/>
+      </p:transition>
+    </mc:Choice>
+    <mc:Fallback xmlns="">
+      <p:transition spd="med">
+        <p:fade/>
+      </p:transition>
+    </mc:Fallback>
+  </mc:AlternateContent>
+  <p:timing>
+    <p:tnLst>
+      <p:par>
+        <p:cTn id="1" dur="indefinite" restart="never" nodeType="tmRoot">
+          <p:childTnLst>
+            <p:seq concurrent="1" nextAc="seek">
+              <p:cTn id="2" dur="indefinite" nodeType="mainSeq">
+                <p:childTnLst>
+                  <p:par>
+                    <p:cTn id="3" fill="hold">
+                      <p:stCondLst>
+                        <p:cond delay="indefinite"/>
+                        <p:cond evt="onBegin" delay="0">
+                          <p:tn val="2"/>
+                        </p:cond>
+                      </p:stCondLst>
+                      <p:childTnLst>
+                        <p:par>
+                          <p:cTn id="4" fill="hold">
+                            <p:stCondLst>
+                              <p:cond delay="0"/>
+                            </p:stCondLst>
+                            <p:childTnLst>
+                              <p:par>
+                                <p:cTn id="5" presetID="10" presetClass="entr" presetSubtype="0" fill="hold" nodeType="afterEffect">
+                                  <p:stCondLst>
+                                    <p:cond delay="0"/>
+                                  </p:stCondLst>
+                                  <p:childTnLst>
+                                    <p:set>
+                                      <p:cBhvr>
+                                        <p:cTn id="6" dur="1" fill="hold">
+                                          <p:stCondLst>
+                                            <p:cond delay="0"/>
+                                          </p:stCondLst>
+                                        </p:cTn>
+                                        <p:tgtEl>
+                                          <p:spTgt spid="2"/>
+                                        </p:tgtEl>
+                                        <p:attrNameLst>
+                                          <p:attrName>style.visibility</p:attrName>
+                                        </p:attrNameLst>
+                                      </p:cBhvr>
+                                      <p:to>
+                                        <p:strVal val="visible"/>
+                                      </p:to>
+                                    </p:set>
+                                    <p:animEffect transition="in" filter="fade">
+                                      <p:cBhvr>
+                                        <p:cTn id="7" dur="500"/>
+                                        <p:tgtEl>
+                                          <p:spTgt spid="2"/>
+                                        </p:tgtEl>
+                                      </p:cBhvr>
+                                    </p:animEffect>
+                                  </p:childTnLst>
+                                </p:cTn>
+                              </p:par>
+                            </p:childTnLst>
+                          </p:cTn>
+                        </p:par>
+                        <p:par>
+                          <p:cTn id="8" fill="hold">
+                            <p:stCondLst>
+                              <p:cond delay="500"/>
+                            </p:stCondLst>
+                            <p:childTnLst>
+                              <p:par>
+                                <p:cTn id="9" presetID="10" presetClass="entr" presetSubtype="0" fill="hold" grpId="0" nodeType="afterEffect">
+                                  <p:stCondLst>
+                                    <p:cond delay="0"/>
+                                  </p:stCondLst>
+                                  <p:childTnLst>
+                                    <p:set>
+                                      <p:cBhvr>
+                                        <p:cTn id="10" dur="1" fill="hold">
+                                          <p:stCondLst>
+                                            <p:cond delay="0"/>
+                                          </p:stCondLst>
+                                        </p:cTn>
+                                        <p:tgtEl>
+                                          <p:spTgt spid="7"/>
+                                        </p:tgtEl>
+                                        <p:attrNameLst>
+                                          <p:attrName>style.visibility</p:attrName>
+                                        </p:attrNameLst>
+                                      </p:cBhvr>
+                                      <p:to>
+                                        <p:strVal val="visible"/>
+                                      </p:to>
+                                    </p:set>
+                                    <p:animEffect transition="in" filter="fade">
+                                      <p:cBhvr>
+                                        <p:cTn id="11" dur="500"/>
+                                        <p:tgtEl>
+                                          <p:spTgt spid="7"/>
+                                        </p:tgtEl>
+                                      </p:cBhvr>
+                                    </p:animEffect>
+                                  </p:childTnLst>
+                                </p:cTn>
+                              </p:par>
+                            </p:childTnLst>
+                          </p:cTn>
+                        </p:par>
+                      </p:childTnLst>
+                    </p:cTn>
+                  </p:par>
+                </p:childTnLst>
+              </p:cTn>
+              <p:prevCondLst>
+                <p:cond evt="onPrev" delay="0">
+                  <p:tgtEl>
+                    <p:sldTgt/>
+                  </p:tgtEl>
+                </p:cond>
+              </p:prevCondLst>
+              <p:nextCondLst>
+                <p:cond evt="onNext" delay="0">
+                  <p:tgtEl>
+                    <p:sldTgt/>
+                  </p:tgtEl>
+                </p:cond>
+              </p:nextCondLst>
+            </p:seq>
+          </p:childTnLst>
+        </p:cTn>
+      </p:par>
+    </p:tnLst>
+    <p:bldLst>
+      <p:bldP spid="7" grpId="0"/>
+    </p:bldLst>
+  </p:timing>
+</p:sld>
+</file>
+
+<file path=ppt/slides/slide23.xml><?xml version="1.0" encoding="utf-8"?>
+<p:sld xmlns:a="http://schemas.openxmlformats.org/drawingml/2006/main" xmlns:r="http://schemas.openxmlformats.org/officeDocument/2006/relationships" xmlns:p="http://schemas.openxmlformats.org/presentationml/2006/main">
+  <p:cSld>
+    <p:spTree>
+      <p:nvGrpSpPr>
+        <p:cNvPr id="1" name=""/>
+        <p:cNvGrpSpPr/>
+        <p:nvPr/>
+      </p:nvGrpSpPr>
+      <p:grpSpPr>
+        <a:xfrm>
+          <a:off x="0" y="0"/>
+          <a:ext cx="0" cy="0"/>
+          <a:chOff x="0" y="0"/>
+          <a:chExt cx="0" cy="0"/>
+        </a:xfrm>
+      </p:grpSpPr>
+      <p:pic>
+        <p:nvPicPr>
+          <p:cNvPr id="5" name="Imagem 4"/>
+          <p:cNvPicPr>
+            <a:picLocks noChangeAspect="1"/>
+          </p:cNvPicPr>
+          <p:nvPr/>
+        </p:nvPicPr>
+        <p:blipFill>
+          <a:blip r:embed="rId2" cstate="print">
+            <a:extLst>
+              <a:ext uri="{28A0092B-C50C-407E-A947-70E740481C1C}">
+                <a14:useLocalDpi xmlns:a14="http://schemas.microsoft.com/office/drawing/2010/main" val="0"/>
+              </a:ext>
+            </a:extLst>
+          </a:blip>
+          <a:stretch>
+            <a:fillRect/>
+          </a:stretch>
+        </p:blipFill>
+        <p:spPr>
+          <a:xfrm>
+            <a:off x="11313459" y="286497"/>
+            <a:ext cx="576000" cy="576000"/>
           </a:xfrm>
           <a:prstGeom prst="rect">
             <a:avLst/>
@@ -16340,6 +18054,36 @@
           </a:p>
         </p:txBody>
       </p:sp>
+      <p:pic>
+        <p:nvPicPr>
+          <p:cNvPr id="3" name="Imagem 2"/>
+          <p:cNvPicPr>
+            <a:picLocks noChangeAspect="1"/>
+          </p:cNvPicPr>
+          <p:nvPr/>
+        </p:nvPicPr>
+        <p:blipFill>
+          <a:blip r:embed="rId3">
+            <a:extLst>
+              <a:ext uri="{28A0092B-C50C-407E-A947-70E740481C1C}">
+                <a14:useLocalDpi xmlns:a14="http://schemas.microsoft.com/office/drawing/2010/main" val="0"/>
+              </a:ext>
+            </a:extLst>
+          </a:blip>
+          <a:stretch>
+            <a:fillRect/>
+          </a:stretch>
+        </p:blipFill>
+        <p:spPr>
+          <a:xfrm>
+            <a:off x="838200" y="2234900"/>
+            <a:ext cx="10515600" cy="3766782"/>
+          </a:xfrm>
+          <a:prstGeom prst="rect">
+            <a:avLst/>
+          </a:prstGeom>
+        </p:spPr>
+      </p:pic>
     </p:spTree>
     <p:extLst>
       <p:ext uri="{BB962C8B-B14F-4D97-AF65-F5344CB8AC3E}">
@@ -16372,7 +18116,7 @@
 </p:sld>
 </file>
 
-<file path=ppt/slides/slide23.xml><?xml version="1.0" encoding="utf-8"?>
+<file path=ppt/slides/slide24.xml><?xml version="1.0" encoding="utf-8"?>
 <p:sld xmlns:a="http://schemas.openxmlformats.org/drawingml/2006/main" xmlns:r="http://schemas.openxmlformats.org/officeDocument/2006/relationships" xmlns:p="http://schemas.openxmlformats.org/presentationml/2006/main">
   <p:cSld>
     <p:spTree>
@@ -19803,7 +21547,7 @@
 </p:sld>
 </file>
 
-<file path=ppt/slides/slide24.xml><?xml version="1.0" encoding="utf-8"?>
+<file path=ppt/slides/slide25.xml><?xml version="1.0" encoding="utf-8"?>
 <p:sld xmlns:a="http://schemas.openxmlformats.org/drawingml/2006/main" xmlns:r="http://schemas.openxmlformats.org/officeDocument/2006/relationships" xmlns:p="http://schemas.openxmlformats.org/presentationml/2006/main">
   <p:cSld>
     <p:spTree>
@@ -19820,9 +21564,69 @@
           <a:chExt cx="0" cy="0"/>
         </a:xfrm>
       </p:grpSpPr>
+      <p:pic>
+        <p:nvPicPr>
+          <p:cNvPr id="6" name="Imagem 5"/>
+          <p:cNvPicPr>
+            <a:picLocks noChangeAspect="1"/>
+          </p:cNvPicPr>
+          <p:nvPr/>
+        </p:nvPicPr>
+        <p:blipFill>
+          <a:blip r:embed="rId2" cstate="print">
+            <a:extLst>
+              <a:ext uri="{28A0092B-C50C-407E-A947-70E740481C1C}">
+                <a14:useLocalDpi xmlns:a14="http://schemas.microsoft.com/office/drawing/2010/main" val="0"/>
+              </a:ext>
+            </a:extLst>
+          </a:blip>
+          <a:stretch>
+            <a:fillRect/>
+          </a:stretch>
+        </p:blipFill>
+        <p:spPr>
+          <a:xfrm>
+            <a:off x="11313459" y="286497"/>
+            <a:ext cx="576000" cy="576000"/>
+          </a:xfrm>
+          <a:prstGeom prst="rect">
+            <a:avLst/>
+          </a:prstGeom>
+        </p:spPr>
+      </p:pic>
+      <p:pic>
+        <p:nvPicPr>
+          <p:cNvPr id="4" name="Imagem 3"/>
+          <p:cNvPicPr>
+            <a:picLocks noChangeAspect="1"/>
+          </p:cNvPicPr>
+          <p:nvPr/>
+        </p:nvPicPr>
+        <p:blipFill>
+          <a:blip r:embed="rId3">
+            <a:extLst>
+              <a:ext uri="{28A0092B-C50C-407E-A947-70E740481C1C}">
+                <a14:useLocalDpi xmlns:a14="http://schemas.microsoft.com/office/drawing/2010/main" val="0"/>
+              </a:ext>
+            </a:extLst>
+          </a:blip>
+          <a:stretch>
+            <a:fillRect/>
+          </a:stretch>
+        </p:blipFill>
+        <p:spPr>
+          <a:xfrm>
+            <a:off x="2469562" y="2368768"/>
+            <a:ext cx="7262266" cy="4295529"/>
+          </a:xfrm>
+          <a:prstGeom prst="rect">
+            <a:avLst/>
+          </a:prstGeom>
+        </p:spPr>
+      </p:pic>
       <p:sp>
         <p:nvSpPr>
-          <p:cNvPr id="2" name="Título 1">
+          <p:cNvPr id="7" name="Título 1">
             <a:extLst>
               <a:ext uri="{FF2B5EF4-FFF2-40B4-BE49-F238E27FC236}">
                 <a16:creationId xmlns:a16="http://schemas.microsoft.com/office/drawing/2014/main" id="{99F76FBE-1BC2-4EE6-B90A-22263BF7BDCD}"/>
@@ -19838,7 +21642,7 @@
         </p:nvSpPr>
         <p:spPr>
           <a:xfrm>
-            <a:off x="0" y="1773441"/>
+            <a:off x="0" y="1224801"/>
             <a:ext cx="12192000" cy="1325563"/>
           </a:xfrm>
         </p:spPr>
@@ -19918,66 +21722,6 @@
           </a:p>
         </p:txBody>
       </p:sp>
-      <p:pic>
-        <p:nvPicPr>
-          <p:cNvPr id="6" name="Imagem 5"/>
-          <p:cNvPicPr>
-            <a:picLocks noChangeAspect="1"/>
-          </p:cNvPicPr>
-          <p:nvPr/>
-        </p:nvPicPr>
-        <p:blipFill>
-          <a:blip r:embed="rId2" cstate="print">
-            <a:extLst>
-              <a:ext uri="{28A0092B-C50C-407E-A947-70E740481C1C}">
-                <a14:useLocalDpi xmlns:a14="http://schemas.microsoft.com/office/drawing/2010/main" val="0"/>
-              </a:ext>
-            </a:extLst>
-          </a:blip>
-          <a:stretch>
-            <a:fillRect/>
-          </a:stretch>
-        </p:blipFill>
-        <p:spPr>
-          <a:xfrm>
-            <a:off x="11313459" y="286497"/>
-            <a:ext cx="576000" cy="576000"/>
-          </a:xfrm>
-          <a:prstGeom prst="rect">
-            <a:avLst/>
-          </a:prstGeom>
-        </p:spPr>
-      </p:pic>
-      <p:pic>
-        <p:nvPicPr>
-          <p:cNvPr id="4" name="Imagem 3"/>
-          <p:cNvPicPr>
-            <a:picLocks noChangeAspect="1"/>
-          </p:cNvPicPr>
-          <p:nvPr/>
-        </p:nvPicPr>
-        <p:blipFill>
-          <a:blip r:embed="rId3">
-            <a:extLst>
-              <a:ext uri="{28A0092B-C50C-407E-A947-70E740481C1C}">
-                <a14:useLocalDpi xmlns:a14="http://schemas.microsoft.com/office/drawing/2010/main" val="0"/>
-              </a:ext>
-            </a:extLst>
-          </a:blip>
-          <a:stretch>
-            <a:fillRect/>
-          </a:stretch>
-        </p:blipFill>
-        <p:spPr>
-          <a:xfrm>
-            <a:off x="2717757" y="2759370"/>
-            <a:ext cx="6756485" cy="3996367"/>
-          </a:xfrm>
-          <a:prstGeom prst="rect">
-            <a:avLst/>
-          </a:prstGeom>
-        </p:spPr>
-      </p:pic>
     </p:spTree>
     <p:extLst>
       <p:ext uri="{BB962C8B-B14F-4D97-AF65-F5344CB8AC3E}">
@@ -20024,7 +21768,7 @@
                             </p:stCondLst>
                             <p:childTnLst>
                               <p:par>
-                                <p:cTn id="5" presetID="10" presetClass="entr" presetSubtype="0" fill="hold" grpId="0" nodeType="afterEffect">
+                                <p:cTn id="5" presetID="10" presetClass="entr" presetSubtype="0" fill="hold" nodeType="afterEffect">
                                   <p:stCondLst>
                                     <p:cond delay="0"/>
                                   </p:stCondLst>
@@ -20032,50 +21776,6 @@
                                     <p:set>
                                       <p:cBhvr>
                                         <p:cTn id="6" dur="1" fill="hold">
-                                          <p:stCondLst>
-                                            <p:cond delay="0"/>
-                                          </p:stCondLst>
-                                        </p:cTn>
-                                        <p:tgtEl>
-                                          <p:spTgt spid="2"/>
-                                        </p:tgtEl>
-                                        <p:attrNameLst>
-                                          <p:attrName>style.visibility</p:attrName>
-                                        </p:attrNameLst>
-                                      </p:cBhvr>
-                                      <p:to>
-                                        <p:strVal val="visible"/>
-                                      </p:to>
-                                    </p:set>
-                                    <p:animEffect transition="in" filter="fade">
-                                      <p:cBhvr>
-                                        <p:cTn id="7" dur="500"/>
-                                        <p:tgtEl>
-                                          <p:spTgt spid="2"/>
-                                        </p:tgtEl>
-                                      </p:cBhvr>
-                                    </p:animEffect>
-                                  </p:childTnLst>
-                                </p:cTn>
-                              </p:par>
-                            </p:childTnLst>
-                          </p:cTn>
-                        </p:par>
-                        <p:par>
-                          <p:cTn id="8" fill="hold">
-                            <p:stCondLst>
-                              <p:cond delay="500"/>
-                            </p:stCondLst>
-                            <p:childTnLst>
-                              <p:par>
-                                <p:cTn id="9" presetID="10" presetClass="entr" presetSubtype="0" fill="hold" nodeType="afterEffect">
-                                  <p:stCondLst>
-                                    <p:cond delay="0"/>
-                                  </p:stCondLst>
-                                  <p:childTnLst>
-                                    <p:set>
-                                      <p:cBhvr>
-                                        <p:cTn id="10" dur="1" fill="hold">
                                           <p:stCondLst>
                                             <p:cond delay="0"/>
                                           </p:stCondLst>
@@ -20093,9 +21793,53 @@
                                     </p:set>
                                     <p:animEffect transition="in" filter="fade">
                                       <p:cBhvr>
+                                        <p:cTn id="7" dur="500"/>
+                                        <p:tgtEl>
+                                          <p:spTgt spid="4"/>
+                                        </p:tgtEl>
+                                      </p:cBhvr>
+                                    </p:animEffect>
+                                  </p:childTnLst>
+                                </p:cTn>
+                              </p:par>
+                            </p:childTnLst>
+                          </p:cTn>
+                        </p:par>
+                        <p:par>
+                          <p:cTn id="8" fill="hold">
+                            <p:stCondLst>
+                              <p:cond delay="500"/>
+                            </p:stCondLst>
+                            <p:childTnLst>
+                              <p:par>
+                                <p:cTn id="9" presetID="10" presetClass="entr" presetSubtype="0" fill="hold" grpId="0" nodeType="afterEffect">
+                                  <p:stCondLst>
+                                    <p:cond delay="0"/>
+                                  </p:stCondLst>
+                                  <p:childTnLst>
+                                    <p:set>
+                                      <p:cBhvr>
+                                        <p:cTn id="10" dur="1" fill="hold">
+                                          <p:stCondLst>
+                                            <p:cond delay="0"/>
+                                          </p:stCondLst>
+                                        </p:cTn>
+                                        <p:tgtEl>
+                                          <p:spTgt spid="7"/>
+                                        </p:tgtEl>
+                                        <p:attrNameLst>
+                                          <p:attrName>style.visibility</p:attrName>
+                                        </p:attrNameLst>
+                                      </p:cBhvr>
+                                      <p:to>
+                                        <p:strVal val="visible"/>
+                                      </p:to>
+                                    </p:set>
+                                    <p:animEffect transition="in" filter="fade">
+                                      <p:cBhvr>
                                         <p:cTn id="11" dur="500"/>
                                         <p:tgtEl>
-                                          <p:spTgt spid="4"/>
+                                          <p:spTgt spid="7"/>
                                         </p:tgtEl>
                                       </p:cBhvr>
                                     </p:animEffect>
@@ -20130,13 +21874,13 @@
       </p:par>
     </p:tnLst>
     <p:bldLst>
-      <p:bldP spid="2" grpId="0"/>
+      <p:bldP spid="7" grpId="0"/>
     </p:bldLst>
   </p:timing>
 </p:sld>
 </file>
 
-<file path=ppt/slides/slide25.xml><?xml version="1.0" encoding="utf-8"?>
+<file path=ppt/slides/slide26.xml><?xml version="1.0" encoding="utf-8"?>
 <p:sld xmlns:a="http://schemas.openxmlformats.org/drawingml/2006/main" xmlns:r="http://schemas.openxmlformats.org/officeDocument/2006/relationships" xmlns:p="http://schemas.openxmlformats.org/presentationml/2006/main">
   <p:cSld>
     <p:spTree>
@@ -20153,9 +21897,69 @@
           <a:chExt cx="0" cy="0"/>
         </a:xfrm>
       </p:grpSpPr>
+      <p:pic>
+        <p:nvPicPr>
+          <p:cNvPr id="5" name="Imagem 4"/>
+          <p:cNvPicPr>
+            <a:picLocks noChangeAspect="1"/>
+          </p:cNvPicPr>
+          <p:nvPr/>
+        </p:nvPicPr>
+        <p:blipFill>
+          <a:blip r:embed="rId2" cstate="print">
+            <a:extLst>
+              <a:ext uri="{28A0092B-C50C-407E-A947-70E740481C1C}">
+                <a14:useLocalDpi xmlns:a14="http://schemas.microsoft.com/office/drawing/2010/main" val="0"/>
+              </a:ext>
+            </a:extLst>
+          </a:blip>
+          <a:stretch>
+            <a:fillRect/>
+          </a:stretch>
+        </p:blipFill>
+        <p:spPr>
+          <a:xfrm>
+            <a:off x="11313459" y="286497"/>
+            <a:ext cx="576000" cy="576000"/>
+          </a:xfrm>
+          <a:prstGeom prst="rect">
+            <a:avLst/>
+          </a:prstGeom>
+        </p:spPr>
+      </p:pic>
+      <p:pic>
+        <p:nvPicPr>
+          <p:cNvPr id="2" name="Imagem 1"/>
+          <p:cNvPicPr>
+            <a:picLocks noChangeAspect="1"/>
+          </p:cNvPicPr>
+          <p:nvPr/>
+        </p:nvPicPr>
+        <p:blipFill>
+          <a:blip r:embed="rId3">
+            <a:extLst>
+              <a:ext uri="{28A0092B-C50C-407E-A947-70E740481C1C}">
+                <a14:useLocalDpi xmlns:a14="http://schemas.microsoft.com/office/drawing/2010/main" val="0"/>
+              </a:ext>
+            </a:extLst>
+          </a:blip>
+          <a:stretch>
+            <a:fillRect/>
+          </a:stretch>
+        </p:blipFill>
+        <p:spPr>
+          <a:xfrm>
+            <a:off x="3161942" y="2090057"/>
+            <a:ext cx="5799179" cy="4292832"/>
+          </a:xfrm>
+          <a:prstGeom prst="rect">
+            <a:avLst/>
+          </a:prstGeom>
+        </p:spPr>
+      </p:pic>
       <p:sp>
         <p:nvSpPr>
-          <p:cNvPr id="7" name="Título 1">
+          <p:cNvPr id="6" name="Título 1">
             <a:extLst>
               <a:ext uri="{FF2B5EF4-FFF2-40B4-BE49-F238E27FC236}">
                 <a16:creationId xmlns:a16="http://schemas.microsoft.com/office/drawing/2014/main" id="{99F76FBE-1BC2-4EE6-B90A-22263BF7BDCD}"/>
@@ -20169,7 +21973,7 @@
         </p:nvSpPr>
         <p:spPr>
           <a:xfrm>
-            <a:off x="838199" y="1433807"/>
+            <a:off x="797859" y="921248"/>
             <a:ext cx="10515600" cy="1325563"/>
           </a:xfrm>
           <a:prstGeom prst="rect">
@@ -20225,36 +22029,6 @@
           </a:p>
         </p:txBody>
       </p:sp>
-      <p:pic>
-        <p:nvPicPr>
-          <p:cNvPr id="5" name="Imagem 4"/>
-          <p:cNvPicPr>
-            <a:picLocks noChangeAspect="1"/>
-          </p:cNvPicPr>
-          <p:nvPr/>
-        </p:nvPicPr>
-        <p:blipFill>
-          <a:blip r:embed="rId2" cstate="print">
-            <a:extLst>
-              <a:ext uri="{28A0092B-C50C-407E-A947-70E740481C1C}">
-                <a14:useLocalDpi xmlns:a14="http://schemas.microsoft.com/office/drawing/2010/main" val="0"/>
-              </a:ext>
-            </a:extLst>
-          </a:blip>
-          <a:stretch>
-            <a:fillRect/>
-          </a:stretch>
-        </p:blipFill>
-        <p:spPr>
-          <a:xfrm>
-            <a:off x="11313459" y="286497"/>
-            <a:ext cx="576000" cy="576000"/>
-          </a:xfrm>
-          <a:prstGeom prst="rect">
-            <a:avLst/>
-          </a:prstGeom>
-        </p:spPr>
-      </p:pic>
     </p:spTree>
     <p:extLst>
       <p:ext uri="{BB962C8B-B14F-4D97-AF65-F5344CB8AC3E}">
@@ -20314,7 +22088,7 @@
                                           </p:stCondLst>
                                         </p:cTn>
                                         <p:tgtEl>
-                                          <p:spTgt spid="7"/>
+                                          <p:spTgt spid="6"/>
                                         </p:tgtEl>
                                         <p:attrNameLst>
                                           <p:attrName>style.visibility</p:attrName>
@@ -20328,7 +22102,51 @@
                                       <p:cBhvr>
                                         <p:cTn id="7" dur="500"/>
                                         <p:tgtEl>
-                                          <p:spTgt spid="7"/>
+                                          <p:spTgt spid="6"/>
+                                        </p:tgtEl>
+                                      </p:cBhvr>
+                                    </p:animEffect>
+                                  </p:childTnLst>
+                                </p:cTn>
+                              </p:par>
+                            </p:childTnLst>
+                          </p:cTn>
+                        </p:par>
+                        <p:par>
+                          <p:cTn id="8" fill="hold">
+                            <p:stCondLst>
+                              <p:cond delay="500"/>
+                            </p:stCondLst>
+                            <p:childTnLst>
+                              <p:par>
+                                <p:cTn id="9" presetID="10" presetClass="entr" presetSubtype="0" fill="hold" nodeType="afterEffect">
+                                  <p:stCondLst>
+                                    <p:cond delay="0"/>
+                                  </p:stCondLst>
+                                  <p:childTnLst>
+                                    <p:set>
+                                      <p:cBhvr>
+                                        <p:cTn id="10" dur="1" fill="hold">
+                                          <p:stCondLst>
+                                            <p:cond delay="0"/>
+                                          </p:stCondLst>
+                                        </p:cTn>
+                                        <p:tgtEl>
+                                          <p:spTgt spid="2"/>
+                                        </p:tgtEl>
+                                        <p:attrNameLst>
+                                          <p:attrName>style.visibility</p:attrName>
+                                        </p:attrNameLst>
+                                      </p:cBhvr>
+                                      <p:to>
+                                        <p:strVal val="visible"/>
+                                      </p:to>
+                                    </p:set>
+                                    <p:animEffect transition="in" filter="fade">
+                                      <p:cBhvr>
+                                        <p:cTn id="11" dur="500"/>
+                                        <p:tgtEl>
+                                          <p:spTgt spid="2"/>
                                         </p:tgtEl>
                                       </p:cBhvr>
                                     </p:animEffect>
@@ -20363,13 +22181,13 @@
       </p:par>
     </p:tnLst>
     <p:bldLst>
-      <p:bldP spid="7" grpId="0"/>
+      <p:bldP spid="6" grpId="0"/>
     </p:bldLst>
   </p:timing>
 </p:sld>
 </file>
 
-<file path=ppt/slides/slide26.xml><?xml version="1.0" encoding="utf-8"?>
+<file path=ppt/slides/slide27.xml><?xml version="1.0" encoding="utf-8"?>
 <p:sld xmlns:a="http://schemas.openxmlformats.org/drawingml/2006/main" xmlns:r="http://schemas.openxmlformats.org/officeDocument/2006/relationships" xmlns:p="http://schemas.openxmlformats.org/presentationml/2006/main">
   <p:cSld>
     <p:spTree>
@@ -20386,9 +22204,39 @@
           <a:chExt cx="0" cy="0"/>
         </a:xfrm>
       </p:grpSpPr>
+      <p:pic>
+        <p:nvPicPr>
+          <p:cNvPr id="5" name="Imagem 4"/>
+          <p:cNvPicPr>
+            <a:picLocks noChangeAspect="1"/>
+          </p:cNvPicPr>
+          <p:nvPr/>
+        </p:nvPicPr>
+        <p:blipFill>
+          <a:blip r:embed="rId2" cstate="print">
+            <a:extLst>
+              <a:ext uri="{28A0092B-C50C-407E-A947-70E740481C1C}">
+                <a14:useLocalDpi xmlns:a14="http://schemas.microsoft.com/office/drawing/2010/main" val="0"/>
+              </a:ext>
+            </a:extLst>
+          </a:blip>
+          <a:stretch>
+            <a:fillRect/>
+          </a:stretch>
+        </p:blipFill>
+        <p:spPr>
+          <a:xfrm>
+            <a:off x="11313459" y="286497"/>
+            <a:ext cx="576000" cy="576000"/>
+          </a:xfrm>
+          <a:prstGeom prst="rect">
+            <a:avLst/>
+          </a:prstGeom>
+        </p:spPr>
+      </p:pic>
       <p:sp>
         <p:nvSpPr>
-          <p:cNvPr id="7" name="Título 1">
+          <p:cNvPr id="4" name="Título 1">
             <a:extLst>
               <a:ext uri="{FF2B5EF4-FFF2-40B4-BE49-F238E27FC236}">
                 <a16:creationId xmlns:a16="http://schemas.microsoft.com/office/drawing/2014/main" id="{99F76FBE-1BC2-4EE6-B90A-22263BF7BDCD}"/>
@@ -20402,7 +22250,7 @@
         </p:nvSpPr>
         <p:spPr>
           <a:xfrm>
-            <a:off x="838199" y="1433807"/>
+            <a:off x="838200" y="365125"/>
             <a:ext cx="10515600" cy="1325563"/>
           </a:xfrm>
           <a:prstGeom prst="rect">
@@ -20433,7 +22281,6 @@
             </a:lvl1pPr>
           </a:lstStyle>
           <a:p>
-            <a:pPr algn="ctr"/>
             <a:r>
               <a:rPr lang="pt-BR" dirty="0" smtClean="0">
                 <a:solidFill>
@@ -20444,7 +22291,7 @@
                 </a:solidFill>
                 <a:latin typeface="Bariol Bold" panose="02000506040000020003" pitchFamily="2" charset="0"/>
               </a:rPr>
-              <a:t>Manual de instalação</a:t>
+              <a:t>Manual de instrução</a:t>
             </a:r>
             <a:endParaRPr lang="pt-BR" dirty="0">
               <a:solidFill>
@@ -20460,14 +22307,164 @@
       </p:sp>
       <p:pic>
         <p:nvPicPr>
-          <p:cNvPr id="5" name="Imagem 4"/>
+          <p:cNvPr id="2" name="Imagem 1"/>
           <p:cNvPicPr>
             <a:picLocks noChangeAspect="1"/>
           </p:cNvPicPr>
           <p:nvPr/>
         </p:nvPicPr>
         <p:blipFill>
-          <a:blip r:embed="rId2" cstate="print">
+          <a:blip r:embed="rId3"/>
+          <a:stretch>
+            <a:fillRect/>
+          </a:stretch>
+        </p:blipFill>
+        <p:spPr>
+          <a:xfrm>
+            <a:off x="838200" y="1525588"/>
+            <a:ext cx="5743575" cy="5086350"/>
+          </a:xfrm>
+          <a:prstGeom prst="rect">
+            <a:avLst/>
+          </a:prstGeom>
+        </p:spPr>
+      </p:pic>
+      <p:pic>
+        <p:nvPicPr>
+          <p:cNvPr id="7" name="Imagem 6"/>
+          <p:cNvPicPr>
+            <a:picLocks noChangeAspect="1"/>
+          </p:cNvPicPr>
+          <p:nvPr/>
+        </p:nvPicPr>
+        <p:blipFill>
+          <a:blip r:embed="rId4"/>
+          <a:stretch>
+            <a:fillRect/>
+          </a:stretch>
+        </p:blipFill>
+        <p:spPr>
+          <a:xfrm>
+            <a:off x="1270000" y="1942008"/>
+            <a:ext cx="497084" cy="417718"/>
+          </a:xfrm>
+          <a:prstGeom prst="rect">
+            <a:avLst/>
+          </a:prstGeom>
+        </p:spPr>
+      </p:pic>
+      <p:pic>
+        <p:nvPicPr>
+          <p:cNvPr id="10" name="Imagem 9"/>
+          <p:cNvPicPr>
+            <a:picLocks noChangeAspect="1"/>
+          </p:cNvPicPr>
+          <p:nvPr/>
+        </p:nvPicPr>
+        <p:blipFill>
+          <a:blip r:embed="rId4"/>
+          <a:stretch>
+            <a:fillRect/>
+          </a:stretch>
+        </p:blipFill>
+        <p:spPr>
+          <a:xfrm>
+            <a:off x="3606800" y="3651045"/>
+            <a:ext cx="497084" cy="417718"/>
+          </a:xfrm>
+          <a:prstGeom prst="rect">
+            <a:avLst/>
+          </a:prstGeom>
+        </p:spPr>
+      </p:pic>
+      <p:pic>
+        <p:nvPicPr>
+          <p:cNvPr id="11" name="Imagem 10"/>
+          <p:cNvPicPr>
+            <a:picLocks noChangeAspect="1"/>
+          </p:cNvPicPr>
+          <p:nvPr/>
+        </p:nvPicPr>
+        <p:blipFill>
+          <a:blip r:embed="rId4"/>
+          <a:stretch>
+            <a:fillRect/>
+          </a:stretch>
+        </p:blipFill>
+        <p:spPr>
+          <a:xfrm>
+            <a:off x="5598916" y="4743245"/>
+            <a:ext cx="497084" cy="417718"/>
+          </a:xfrm>
+          <a:prstGeom prst="rect">
+            <a:avLst/>
+          </a:prstGeom>
+        </p:spPr>
+      </p:pic>
+      <p:pic>
+        <p:nvPicPr>
+          <p:cNvPr id="12" name="Imagem 11"/>
+          <p:cNvPicPr>
+            <a:picLocks noChangeAspect="1"/>
+          </p:cNvPicPr>
+          <p:nvPr/>
+        </p:nvPicPr>
+        <p:blipFill>
+          <a:blip r:embed="rId4"/>
+          <a:stretch>
+            <a:fillRect/>
+          </a:stretch>
+        </p:blipFill>
+        <p:spPr>
+          <a:xfrm>
+            <a:off x="7270271" y="1573540"/>
+            <a:ext cx="778521" cy="654220"/>
+          </a:xfrm>
+          <a:prstGeom prst="rect">
+            <a:avLst/>
+          </a:prstGeom>
+        </p:spPr>
+      </p:pic>
+      <p:pic>
+        <p:nvPicPr>
+          <p:cNvPr id="23" name="Imagem 22"/>
+          <p:cNvPicPr>
+            <a:picLocks noChangeAspect="1"/>
+          </p:cNvPicPr>
+          <p:nvPr/>
+        </p:nvPicPr>
+        <p:blipFill>
+          <a:blip r:embed="rId5" cstate="print">
+            <a:extLst>
+              <a:ext uri="{28A0092B-C50C-407E-A947-70E740481C1C}">
+                <a14:useLocalDpi xmlns:a14="http://schemas.microsoft.com/office/drawing/2010/main" val="0"/>
+              </a:ext>
+            </a:extLst>
+          </a:blip>
+          <a:stretch>
+            <a:fillRect/>
+          </a:stretch>
+        </p:blipFill>
+        <p:spPr>
+          <a:xfrm rot="5400000">
+            <a:off x="984230" y="4131530"/>
+            <a:ext cx="1068624" cy="525372"/>
+          </a:xfrm>
+          <a:prstGeom prst="rect">
+            <a:avLst/>
+          </a:prstGeom>
+        </p:spPr>
+      </p:pic>
+      <p:pic>
+        <p:nvPicPr>
+          <p:cNvPr id="27" name="Imagem 26"/>
+          <p:cNvPicPr>
+            <a:picLocks noChangeAspect="1"/>
+          </p:cNvPicPr>
+          <p:nvPr/>
+        </p:nvPicPr>
+        <p:blipFill>
+          <a:blip r:embed="rId6" cstate="print">
             <a:extLst>
               <a:ext uri="{28A0092B-C50C-407E-A947-70E740481C1C}">
                 <a14:useLocalDpi xmlns:a14="http://schemas.microsoft.com/office/drawing/2010/main" val="0"/>
@@ -20480,8 +22477,808 @@
         </p:blipFill>
         <p:spPr>
           <a:xfrm>
-            <a:off x="11313459" y="286497"/>
-            <a:ext cx="576000" cy="576000"/>
+            <a:off x="2139783" y="4026147"/>
+            <a:ext cx="778521" cy="778521"/>
+          </a:xfrm>
+          <a:prstGeom prst="rect">
+            <a:avLst/>
+          </a:prstGeom>
+        </p:spPr>
+      </p:pic>
+      <p:pic>
+        <p:nvPicPr>
+          <p:cNvPr id="28" name="Imagem 27"/>
+          <p:cNvPicPr>
+            <a:picLocks noChangeAspect="1"/>
+          </p:cNvPicPr>
+          <p:nvPr/>
+        </p:nvPicPr>
+        <p:blipFill>
+          <a:blip r:embed="rId7" cstate="print">
+            <a:extLst>
+              <a:ext uri="{28A0092B-C50C-407E-A947-70E740481C1C}">
+                <a14:useLocalDpi xmlns:a14="http://schemas.microsoft.com/office/drawing/2010/main" val="0"/>
+              </a:ext>
+            </a:extLst>
+          </a:blip>
+          <a:stretch>
+            <a:fillRect/>
+          </a:stretch>
+        </p:blipFill>
+        <p:spPr>
+          <a:xfrm rot="16200000">
+            <a:off x="1787455" y="4286091"/>
+            <a:ext cx="349638" cy="349638"/>
+          </a:xfrm>
+          <a:prstGeom prst="rect">
+            <a:avLst/>
+          </a:prstGeom>
+        </p:spPr>
+      </p:pic>
+      <p:pic>
+        <p:nvPicPr>
+          <p:cNvPr id="33" name="Imagem 32"/>
+          <p:cNvPicPr>
+            <a:picLocks noChangeAspect="1"/>
+          </p:cNvPicPr>
+          <p:nvPr/>
+        </p:nvPicPr>
+        <p:blipFill>
+          <a:blip r:embed="rId8" cstate="print">
+            <a:extLst>
+              <a:ext uri="{28A0092B-C50C-407E-A947-70E740481C1C}">
+                <a14:useLocalDpi xmlns:a14="http://schemas.microsoft.com/office/drawing/2010/main" val="0"/>
+              </a:ext>
+            </a:extLst>
+          </a:blip>
+          <a:stretch>
+            <a:fillRect/>
+          </a:stretch>
+        </p:blipFill>
+        <p:spPr>
+          <a:xfrm>
+            <a:off x="2319575" y="4226683"/>
+            <a:ext cx="416247" cy="254604"/>
+          </a:xfrm>
+          <a:prstGeom prst="rect">
+            <a:avLst/>
+          </a:prstGeom>
+        </p:spPr>
+      </p:pic>
+      <p:pic>
+        <p:nvPicPr>
+          <p:cNvPr id="37" name="Imagem 36"/>
+          <p:cNvPicPr>
+            <a:picLocks noChangeAspect="1"/>
+          </p:cNvPicPr>
+          <p:nvPr/>
+        </p:nvPicPr>
+        <p:blipFill>
+          <a:blip r:embed="rId6" cstate="print">
+            <a:extLst>
+              <a:ext uri="{28A0092B-C50C-407E-A947-70E740481C1C}">
+                <a14:useLocalDpi xmlns:a14="http://schemas.microsoft.com/office/drawing/2010/main" val="0"/>
+              </a:ext>
+            </a:extLst>
+          </a:blip>
+          <a:stretch>
+            <a:fillRect/>
+          </a:stretch>
+        </p:blipFill>
+        <p:spPr>
+          <a:xfrm>
+            <a:off x="7270271" y="2795066"/>
+            <a:ext cx="778521" cy="778521"/>
+          </a:xfrm>
+          <a:prstGeom prst="rect">
+            <a:avLst/>
+          </a:prstGeom>
+        </p:spPr>
+      </p:pic>
+      <p:pic>
+        <p:nvPicPr>
+          <p:cNvPr id="38" name="Imagem 37"/>
+          <p:cNvPicPr>
+            <a:picLocks noChangeAspect="1"/>
+          </p:cNvPicPr>
+          <p:nvPr/>
+        </p:nvPicPr>
+        <p:blipFill>
+          <a:blip r:embed="rId8" cstate="print">
+            <a:extLst>
+              <a:ext uri="{28A0092B-C50C-407E-A947-70E740481C1C}">
+                <a14:useLocalDpi xmlns:a14="http://schemas.microsoft.com/office/drawing/2010/main" val="0"/>
+              </a:ext>
+            </a:extLst>
+          </a:blip>
+          <a:stretch>
+            <a:fillRect/>
+          </a:stretch>
+        </p:blipFill>
+        <p:spPr>
+          <a:xfrm>
+            <a:off x="7450064" y="3022430"/>
+            <a:ext cx="416247" cy="254604"/>
+          </a:xfrm>
+          <a:prstGeom prst="rect">
+            <a:avLst/>
+          </a:prstGeom>
+        </p:spPr>
+      </p:pic>
+      <p:pic>
+        <p:nvPicPr>
+          <p:cNvPr id="39" name="Imagem 38"/>
+          <p:cNvPicPr>
+            <a:picLocks noChangeAspect="1"/>
+          </p:cNvPicPr>
+          <p:nvPr/>
+        </p:nvPicPr>
+        <p:blipFill>
+          <a:blip r:embed="rId9" cstate="print">
+            <a:extLst>
+              <a:ext uri="{28A0092B-C50C-407E-A947-70E740481C1C}">
+                <a14:useLocalDpi xmlns:a14="http://schemas.microsoft.com/office/drawing/2010/main" val="0"/>
+              </a:ext>
+            </a:extLst>
+          </a:blip>
+          <a:stretch>
+            <a:fillRect/>
+          </a:stretch>
+        </p:blipFill>
+        <p:spPr>
+          <a:xfrm rot="5400000">
+            <a:off x="7034244" y="4286027"/>
+            <a:ext cx="1068624" cy="596039"/>
+          </a:xfrm>
+          <a:prstGeom prst="rect">
+            <a:avLst/>
+          </a:prstGeom>
+        </p:spPr>
+      </p:pic>
+      <p:sp>
+        <p:nvSpPr>
+          <p:cNvPr id="40" name="CaixaDeTexto 39"/>
+          <p:cNvSpPr txBox="1"/>
+          <p:nvPr/>
+        </p:nvSpPr>
+        <p:spPr>
+          <a:xfrm>
+            <a:off x="8199154" y="1717486"/>
+            <a:ext cx="3446745" cy="369332"/>
+          </a:xfrm>
+          <a:prstGeom prst="rect">
+            <a:avLst/>
+          </a:prstGeom>
+          <a:noFill/>
+        </p:spPr>
+        <p:txBody>
+          <a:bodyPr wrap="square" rtlCol="0">
+            <a:spAutoFit/>
+          </a:bodyPr>
+          <a:lstStyle/>
+          <a:p>
+            <a:r>
+              <a:rPr lang="pt-BR" dirty="0" smtClean="0">
+                <a:latin typeface="Bariol Bold" panose="02000506040000020003"/>
+                <a:cs typeface="Arial" panose="020B0604020202020204" pitchFamily="34" charset="0"/>
+              </a:rPr>
+              <a:t>Disponibilizar Internet </a:t>
+            </a:r>
+            <a:r>
+              <a:rPr lang="pt-BR" dirty="0">
+                <a:latin typeface="Bariol Bold" panose="02000506040000020003"/>
+                <a:cs typeface="Arial" panose="020B0604020202020204" pitchFamily="34" charset="0"/>
+              </a:rPr>
+              <a:t>LAN / </a:t>
+            </a:r>
+            <a:r>
+              <a:rPr lang="pt-BR" dirty="0" err="1">
+                <a:latin typeface="Bariol Bold" panose="02000506040000020003"/>
+                <a:cs typeface="Arial" panose="020B0604020202020204" pitchFamily="34" charset="0"/>
+              </a:rPr>
+              <a:t>Wi</a:t>
+            </a:r>
+            <a:r>
+              <a:rPr lang="pt-BR" dirty="0">
+                <a:latin typeface="Bariol Bold" panose="02000506040000020003"/>
+                <a:cs typeface="Arial" panose="020B0604020202020204" pitchFamily="34" charset="0"/>
+              </a:rPr>
+              <a:t> </a:t>
+            </a:r>
+            <a:r>
+              <a:rPr lang="pt-BR" dirty="0" err="1">
+                <a:latin typeface="Bariol Bold" panose="02000506040000020003"/>
+                <a:cs typeface="Arial" panose="020B0604020202020204" pitchFamily="34" charset="0"/>
+              </a:rPr>
+              <a:t>fi</a:t>
+            </a:r>
+            <a:endParaRPr lang="pt-BR" dirty="0">
+              <a:latin typeface="Bariol Bold" panose="02000506040000020003"/>
+              <a:cs typeface="Arial" panose="020B0604020202020204" pitchFamily="34" charset="0"/>
+            </a:endParaRPr>
+          </a:p>
+        </p:txBody>
+      </p:sp>
+      <p:sp>
+        <p:nvSpPr>
+          <p:cNvPr id="41" name="CaixaDeTexto 40"/>
+          <p:cNvSpPr txBox="1"/>
+          <p:nvPr/>
+        </p:nvSpPr>
+        <p:spPr>
+          <a:xfrm>
+            <a:off x="8199154" y="2734745"/>
+            <a:ext cx="3357670" cy="923330"/>
+          </a:xfrm>
+          <a:prstGeom prst="rect">
+            <a:avLst/>
+          </a:prstGeom>
+          <a:noFill/>
+        </p:spPr>
+        <p:txBody>
+          <a:bodyPr wrap="square" rtlCol="0">
+            <a:spAutoFit/>
+          </a:bodyPr>
+          <a:lstStyle/>
+          <a:p>
+            <a:r>
+              <a:rPr lang="pt-BR" dirty="0">
+                <a:latin typeface="Bariol Bold" panose="02000506040000020003"/>
+                <a:cs typeface="Arial" panose="020B0604020202020204" pitchFamily="34" charset="0"/>
+              </a:rPr>
+              <a:t>Instalação e configuração </a:t>
+            </a:r>
+            <a:r>
+              <a:rPr lang="pt-BR" dirty="0" smtClean="0">
+                <a:latin typeface="Bariol Bold" panose="02000506040000020003"/>
+                <a:cs typeface="Arial" panose="020B0604020202020204" pitchFamily="34" charset="0"/>
+              </a:rPr>
+              <a:t>do servidor </a:t>
+            </a:r>
+            <a:r>
+              <a:rPr lang="pt-BR" dirty="0" smtClean="0">
+                <a:latin typeface="Bariol Bold" panose="02000506040000020003"/>
+                <a:cs typeface="Arial" panose="020B0604020202020204" pitchFamily="34" charset="0"/>
+              </a:rPr>
+              <a:t>local que irá fazer conexão com o banco de dados na nuvem.</a:t>
+            </a:r>
+            <a:endParaRPr lang="pt-BR" dirty="0">
+              <a:latin typeface="Bariol Bold" panose="02000506040000020003"/>
+              <a:cs typeface="Arial" panose="020B0604020202020204" pitchFamily="34" charset="0"/>
+            </a:endParaRPr>
+          </a:p>
+        </p:txBody>
+      </p:sp>
+      <p:pic>
+        <p:nvPicPr>
+          <p:cNvPr id="42" name="Imagem 41"/>
+          <p:cNvPicPr>
+            <a:picLocks noChangeAspect="1"/>
+          </p:cNvPicPr>
+          <p:nvPr/>
+        </p:nvPicPr>
+        <p:blipFill>
+          <a:blip r:embed="rId6" cstate="print">
+            <a:extLst>
+              <a:ext uri="{28A0092B-C50C-407E-A947-70E740481C1C}">
+                <a14:useLocalDpi xmlns:a14="http://schemas.microsoft.com/office/drawing/2010/main" val="0"/>
+              </a:ext>
+            </a:extLst>
+          </a:blip>
+          <a:stretch>
+            <a:fillRect/>
+          </a:stretch>
+        </p:blipFill>
+        <p:spPr>
+          <a:xfrm>
+            <a:off x="1262831" y="2398504"/>
+            <a:ext cx="818462" cy="818462"/>
+          </a:xfrm>
+          <a:prstGeom prst="rect">
+            <a:avLst/>
+          </a:prstGeom>
+        </p:spPr>
+      </p:pic>
+      <p:pic>
+        <p:nvPicPr>
+          <p:cNvPr id="43" name="Imagem 42"/>
+          <p:cNvPicPr>
+            <a:picLocks noChangeAspect="1"/>
+          </p:cNvPicPr>
+          <p:nvPr/>
+        </p:nvPicPr>
+        <p:blipFill>
+          <a:blip r:embed="rId10" cstate="print">
+            <a:extLst>
+              <a:ext uri="{28A0092B-C50C-407E-A947-70E740481C1C}">
+                <a14:useLocalDpi xmlns:a14="http://schemas.microsoft.com/office/drawing/2010/main" val="0"/>
+              </a:ext>
+            </a:extLst>
+          </a:blip>
+          <a:stretch>
+            <a:fillRect/>
+          </a:stretch>
+        </p:blipFill>
+        <p:spPr>
+          <a:xfrm>
+            <a:off x="1536627" y="2587666"/>
+            <a:ext cx="270869" cy="270869"/>
+          </a:xfrm>
+          <a:prstGeom prst="rect">
+            <a:avLst/>
+          </a:prstGeom>
+        </p:spPr>
+      </p:pic>
+      <p:pic>
+        <p:nvPicPr>
+          <p:cNvPr id="45" name="Imagem 44"/>
+          <p:cNvPicPr>
+            <a:picLocks noChangeAspect="1"/>
+          </p:cNvPicPr>
+          <p:nvPr/>
+        </p:nvPicPr>
+        <p:blipFill>
+          <a:blip r:embed="rId6" cstate="print">
+            <a:extLst>
+              <a:ext uri="{28A0092B-C50C-407E-A947-70E740481C1C}">
+                <a14:useLocalDpi xmlns:a14="http://schemas.microsoft.com/office/drawing/2010/main" val="0"/>
+              </a:ext>
+            </a:extLst>
+          </a:blip>
+          <a:stretch>
+            <a:fillRect/>
+          </a:stretch>
+        </p:blipFill>
+        <p:spPr>
+          <a:xfrm>
+            <a:off x="7270270" y="5606281"/>
+            <a:ext cx="818462" cy="818462"/>
+          </a:xfrm>
+          <a:prstGeom prst="rect">
+            <a:avLst/>
+          </a:prstGeom>
+        </p:spPr>
+      </p:pic>
+      <p:pic>
+        <p:nvPicPr>
+          <p:cNvPr id="46" name="Imagem 45"/>
+          <p:cNvPicPr>
+            <a:picLocks noChangeAspect="1"/>
+          </p:cNvPicPr>
+          <p:nvPr/>
+        </p:nvPicPr>
+        <p:blipFill>
+          <a:blip r:embed="rId10" cstate="print">
+            <a:extLst>
+              <a:ext uri="{28A0092B-C50C-407E-A947-70E740481C1C}">
+                <a14:useLocalDpi xmlns:a14="http://schemas.microsoft.com/office/drawing/2010/main" val="0"/>
+              </a:ext>
+            </a:extLst>
+          </a:blip>
+          <a:stretch>
+            <a:fillRect/>
+          </a:stretch>
+        </p:blipFill>
+        <p:spPr>
+          <a:xfrm>
+            <a:off x="7544067" y="5803204"/>
+            <a:ext cx="270869" cy="270869"/>
+          </a:xfrm>
+          <a:prstGeom prst="rect">
+            <a:avLst/>
+          </a:prstGeom>
+        </p:spPr>
+      </p:pic>
+      <p:sp>
+        <p:nvSpPr>
+          <p:cNvPr id="47" name="CaixaDeTexto 46"/>
+          <p:cNvSpPr txBox="1"/>
+          <p:nvPr/>
+        </p:nvSpPr>
+        <p:spPr>
+          <a:xfrm>
+            <a:off x="8199153" y="5579247"/>
+            <a:ext cx="3573745" cy="923330"/>
+          </a:xfrm>
+          <a:prstGeom prst="rect">
+            <a:avLst/>
+          </a:prstGeom>
+          <a:noFill/>
+        </p:spPr>
+        <p:txBody>
+          <a:bodyPr wrap="square" rtlCol="0">
+            <a:spAutoFit/>
+          </a:bodyPr>
+          <a:lstStyle/>
+          <a:p>
+            <a:r>
+              <a:rPr lang="pt-BR" dirty="0" smtClean="0">
+                <a:latin typeface="Bariol Bold" panose="02000506040000020003"/>
+                <a:cs typeface="Arial" panose="020B0604020202020204" pitchFamily="34" charset="0"/>
+              </a:rPr>
+              <a:t>Dispositivo onde o usuário deve acessar e consultar a </a:t>
+            </a:r>
+            <a:r>
+              <a:rPr lang="pt-BR" dirty="0" err="1" smtClean="0">
+                <a:latin typeface="Bariol Bold" panose="02000506040000020003"/>
+                <a:cs typeface="Arial" panose="020B0604020202020204" pitchFamily="34" charset="0"/>
+              </a:rPr>
+              <a:t>dashboard</a:t>
+            </a:r>
+            <a:r>
+              <a:rPr lang="pt-BR" dirty="0" smtClean="0">
+                <a:latin typeface="Bariol Bold" panose="02000506040000020003"/>
+                <a:cs typeface="Arial" panose="020B0604020202020204" pitchFamily="34" charset="0"/>
+              </a:rPr>
+              <a:t> e os dados dispostos.</a:t>
+            </a:r>
+            <a:endParaRPr lang="pt-BR" dirty="0">
+              <a:latin typeface="Bariol Bold" panose="02000506040000020003"/>
+              <a:cs typeface="Arial" panose="020B0604020202020204" pitchFamily="34" charset="0"/>
+            </a:endParaRPr>
+          </a:p>
+        </p:txBody>
+      </p:sp>
+      <p:sp>
+        <p:nvSpPr>
+          <p:cNvPr id="48" name="CaixaDeTexto 47"/>
+          <p:cNvSpPr txBox="1"/>
+          <p:nvPr/>
+        </p:nvSpPr>
+        <p:spPr>
+          <a:xfrm>
+            <a:off x="8199153" y="4156996"/>
+            <a:ext cx="3357670" cy="923330"/>
+          </a:xfrm>
+          <a:prstGeom prst="rect">
+            <a:avLst/>
+          </a:prstGeom>
+          <a:noFill/>
+        </p:spPr>
+        <p:txBody>
+          <a:bodyPr wrap="square" rtlCol="0">
+            <a:spAutoFit/>
+          </a:bodyPr>
+          <a:lstStyle/>
+          <a:p>
+            <a:r>
+              <a:rPr lang="pt-BR" dirty="0" smtClean="0">
+                <a:latin typeface="Bariol Bold" panose="02000506040000020003"/>
+                <a:cs typeface="Arial" panose="020B0604020202020204" pitchFamily="34" charset="0"/>
+              </a:rPr>
+              <a:t>Instalação e configuração do </a:t>
+            </a:r>
+            <a:r>
+              <a:rPr lang="pt-BR" dirty="0" err="1" smtClean="0">
+                <a:latin typeface="Bariol Bold" panose="02000506040000020003"/>
+                <a:cs typeface="Arial" panose="020B0604020202020204" pitchFamily="34" charset="0"/>
+              </a:rPr>
+              <a:t>Arduino</a:t>
+            </a:r>
+            <a:r>
+              <a:rPr lang="pt-BR" dirty="0" smtClean="0">
+                <a:latin typeface="Bariol Bold" panose="02000506040000020003"/>
+                <a:cs typeface="Arial" panose="020B0604020202020204" pitchFamily="34" charset="0"/>
+              </a:rPr>
+              <a:t> e sensor DHT11 para a captação de dados  do ambiente.</a:t>
+            </a:r>
+            <a:endParaRPr lang="pt-BR" dirty="0">
+              <a:latin typeface="Bariol Bold" panose="02000506040000020003"/>
+              <a:cs typeface="Arial" panose="020B0604020202020204" pitchFamily="34" charset="0"/>
+            </a:endParaRPr>
+          </a:p>
+        </p:txBody>
+      </p:sp>
+      <p:sp>
+        <p:nvSpPr>
+          <p:cNvPr id="49" name="CaixaDeTexto 48"/>
+          <p:cNvSpPr txBox="1"/>
+          <p:nvPr/>
+        </p:nvSpPr>
+        <p:spPr>
+          <a:xfrm>
+            <a:off x="1929496" y="4856644"/>
+            <a:ext cx="1511373" cy="338554"/>
+          </a:xfrm>
+          <a:prstGeom prst="rect">
+            <a:avLst/>
+          </a:prstGeom>
+          <a:noFill/>
+        </p:spPr>
+        <p:txBody>
+          <a:bodyPr wrap="square" rtlCol="0">
+            <a:spAutoFit/>
+          </a:bodyPr>
+          <a:lstStyle/>
+          <a:p>
+            <a:pPr algn="ctr"/>
+            <a:r>
+              <a:rPr lang="pt-BR" sz="1600" dirty="0" smtClean="0">
+                <a:solidFill>
+                  <a:schemeClr val="tx1">
+                    <a:lumMod val="50000"/>
+                    <a:lumOff val="50000"/>
+                  </a:schemeClr>
+                </a:solidFill>
+                <a:latin typeface="Bariol Bold" panose="02000506040000020003"/>
+                <a:cs typeface="Arial" panose="020B0604020202020204" pitchFamily="34" charset="0"/>
+              </a:rPr>
+              <a:t>Salão Principal</a:t>
+            </a:r>
+            <a:endParaRPr lang="pt-BR" sz="1600" dirty="0">
+              <a:solidFill>
+                <a:schemeClr val="tx1">
+                  <a:lumMod val="50000"/>
+                  <a:lumOff val="50000"/>
+                </a:schemeClr>
+              </a:solidFill>
+              <a:latin typeface="Bariol Bold" panose="02000506040000020003"/>
+              <a:cs typeface="Arial" panose="020B0604020202020204" pitchFamily="34" charset="0"/>
+            </a:endParaRPr>
+          </a:p>
+        </p:txBody>
+      </p:sp>
+      <p:sp>
+        <p:nvSpPr>
+          <p:cNvPr id="50" name="CaixaDeTexto 49"/>
+          <p:cNvSpPr txBox="1"/>
+          <p:nvPr/>
+        </p:nvSpPr>
+        <p:spPr>
+          <a:xfrm>
+            <a:off x="1206587" y="3181635"/>
+            <a:ext cx="1511373" cy="338554"/>
+          </a:xfrm>
+          <a:prstGeom prst="rect">
+            <a:avLst/>
+          </a:prstGeom>
+          <a:noFill/>
+        </p:spPr>
+        <p:txBody>
+          <a:bodyPr wrap="square" rtlCol="0">
+            <a:spAutoFit/>
+          </a:bodyPr>
+          <a:lstStyle/>
+          <a:p>
+            <a:pPr algn="ctr"/>
+            <a:r>
+              <a:rPr lang="pt-BR" sz="1600" dirty="0" smtClean="0">
+                <a:solidFill>
+                  <a:schemeClr val="tx1">
+                    <a:lumMod val="50000"/>
+                    <a:lumOff val="50000"/>
+                  </a:schemeClr>
+                </a:solidFill>
+                <a:latin typeface="Bariol Bold" panose="02000506040000020003"/>
+                <a:cs typeface="Arial" panose="020B0604020202020204" pitchFamily="34" charset="0"/>
+              </a:rPr>
+              <a:t>Sala de controle</a:t>
+            </a:r>
+            <a:endParaRPr lang="pt-BR" sz="1600" dirty="0">
+              <a:solidFill>
+                <a:schemeClr val="tx1">
+                  <a:lumMod val="50000"/>
+                  <a:lumOff val="50000"/>
+                </a:schemeClr>
+              </a:solidFill>
+              <a:latin typeface="Bariol Bold" panose="02000506040000020003"/>
+              <a:cs typeface="Arial" panose="020B0604020202020204" pitchFamily="34" charset="0"/>
+            </a:endParaRPr>
+          </a:p>
+        </p:txBody>
+      </p:sp>
+      <p:sp>
+        <p:nvSpPr>
+          <p:cNvPr id="51" name="CaixaDeTexto 50"/>
+          <p:cNvSpPr txBox="1"/>
+          <p:nvPr/>
+        </p:nvSpPr>
+        <p:spPr>
+          <a:xfrm>
+            <a:off x="4703911" y="2001448"/>
+            <a:ext cx="1511373" cy="584775"/>
+          </a:xfrm>
+          <a:prstGeom prst="rect">
+            <a:avLst/>
+          </a:prstGeom>
+          <a:noFill/>
+        </p:spPr>
+        <p:txBody>
+          <a:bodyPr wrap="square" rtlCol="0">
+            <a:spAutoFit/>
+          </a:bodyPr>
+          <a:lstStyle/>
+          <a:p>
+            <a:pPr algn="ctr"/>
+            <a:r>
+              <a:rPr lang="pt-BR" sz="1600" dirty="0" smtClean="0">
+                <a:solidFill>
+                  <a:schemeClr val="tx1">
+                    <a:lumMod val="50000"/>
+                    <a:lumOff val="50000"/>
+                  </a:schemeClr>
+                </a:solidFill>
+                <a:latin typeface="Bariol Bold" panose="02000506040000020003"/>
+                <a:cs typeface="Arial" panose="020B0604020202020204" pitchFamily="34" charset="0"/>
+              </a:rPr>
+              <a:t>Sala de livros antigos</a:t>
+            </a:r>
+            <a:endParaRPr lang="pt-BR" sz="1600" dirty="0">
+              <a:solidFill>
+                <a:schemeClr val="tx1">
+                  <a:lumMod val="50000"/>
+                  <a:lumOff val="50000"/>
+                </a:schemeClr>
+              </a:solidFill>
+              <a:latin typeface="Bariol Bold" panose="02000506040000020003"/>
+              <a:cs typeface="Arial" panose="020B0604020202020204" pitchFamily="34" charset="0"/>
+            </a:endParaRPr>
+          </a:p>
+        </p:txBody>
+      </p:sp>
+      <p:sp>
+        <p:nvSpPr>
+          <p:cNvPr id="52" name="CaixaDeTexto 51"/>
+          <p:cNvSpPr txBox="1"/>
+          <p:nvPr/>
+        </p:nvSpPr>
+        <p:spPr>
+          <a:xfrm>
+            <a:off x="4366148" y="4312010"/>
+            <a:ext cx="1511373" cy="338554"/>
+          </a:xfrm>
+          <a:prstGeom prst="rect">
+            <a:avLst/>
+          </a:prstGeom>
+          <a:noFill/>
+        </p:spPr>
+        <p:txBody>
+          <a:bodyPr wrap="square" rtlCol="0">
+            <a:spAutoFit/>
+          </a:bodyPr>
+          <a:lstStyle/>
+          <a:p>
+            <a:pPr algn="ctr"/>
+            <a:r>
+              <a:rPr lang="pt-BR" sz="1600" dirty="0" smtClean="0">
+                <a:solidFill>
+                  <a:schemeClr val="tx1">
+                    <a:lumMod val="50000"/>
+                    <a:lumOff val="50000"/>
+                  </a:schemeClr>
+                </a:solidFill>
+                <a:latin typeface="Bariol Bold" panose="02000506040000020003"/>
+                <a:cs typeface="Arial" panose="020B0604020202020204" pitchFamily="34" charset="0"/>
+              </a:rPr>
+              <a:t>Sala de leitura</a:t>
+            </a:r>
+            <a:endParaRPr lang="pt-BR" sz="1600" dirty="0">
+              <a:solidFill>
+                <a:schemeClr val="tx1">
+                  <a:lumMod val="50000"/>
+                  <a:lumOff val="50000"/>
+                </a:schemeClr>
+              </a:solidFill>
+              <a:latin typeface="Bariol Bold" panose="02000506040000020003"/>
+              <a:cs typeface="Arial" panose="020B0604020202020204" pitchFamily="34" charset="0"/>
+            </a:endParaRPr>
+          </a:p>
+        </p:txBody>
+      </p:sp>
+      <p:pic>
+        <p:nvPicPr>
+          <p:cNvPr id="53" name="Imagem 52"/>
+          <p:cNvPicPr>
+            <a:picLocks noChangeAspect="1"/>
+          </p:cNvPicPr>
+          <p:nvPr/>
+        </p:nvPicPr>
+        <p:blipFill>
+          <a:blip r:embed="rId11" cstate="print">
+            <a:extLst>
+              <a:ext uri="{28A0092B-C50C-407E-A947-70E740481C1C}">
+                <a14:useLocalDpi xmlns:a14="http://schemas.microsoft.com/office/drawing/2010/main" val="0"/>
+              </a:ext>
+            </a:extLst>
+          </a:blip>
+          <a:stretch>
+            <a:fillRect/>
+          </a:stretch>
+        </p:blipFill>
+        <p:spPr>
+          <a:xfrm rot="5400000">
+            <a:off x="4692310" y="2783065"/>
+            <a:ext cx="707845" cy="348001"/>
+          </a:xfrm>
+          <a:prstGeom prst="rect">
+            <a:avLst/>
+          </a:prstGeom>
+        </p:spPr>
+      </p:pic>
+      <p:pic>
+        <p:nvPicPr>
+          <p:cNvPr id="54" name="Imagem 53"/>
+          <p:cNvPicPr>
+            <a:picLocks noChangeAspect="1"/>
+          </p:cNvPicPr>
+          <p:nvPr/>
+        </p:nvPicPr>
+        <p:blipFill>
+          <a:blip r:embed="rId6" cstate="print">
+            <a:extLst>
+              <a:ext uri="{28A0092B-C50C-407E-A947-70E740481C1C}">
+                <a14:useLocalDpi xmlns:a14="http://schemas.microsoft.com/office/drawing/2010/main" val="0"/>
+              </a:ext>
+            </a:extLst>
+          </a:blip>
+          <a:stretch>
+            <a:fillRect/>
+          </a:stretch>
+        </p:blipFill>
+        <p:spPr>
+          <a:xfrm>
+            <a:off x="5556251" y="2660444"/>
+            <a:ext cx="583985" cy="583985"/>
+          </a:xfrm>
+          <a:prstGeom prst="rect">
+            <a:avLst/>
+          </a:prstGeom>
+        </p:spPr>
+      </p:pic>
+      <p:pic>
+        <p:nvPicPr>
+          <p:cNvPr id="55" name="Imagem 54"/>
+          <p:cNvPicPr>
+            <a:picLocks noChangeAspect="1"/>
+          </p:cNvPicPr>
+          <p:nvPr/>
+        </p:nvPicPr>
+        <p:blipFill>
+          <a:blip r:embed="rId7" cstate="print">
+            <a:extLst>
+              <a:ext uri="{28A0092B-C50C-407E-A947-70E740481C1C}">
+                <a14:useLocalDpi xmlns:a14="http://schemas.microsoft.com/office/drawing/2010/main" val="0"/>
+              </a:ext>
+            </a:extLst>
+          </a:blip>
+          <a:stretch>
+            <a:fillRect/>
+          </a:stretch>
+        </p:blipFill>
+        <p:spPr>
+          <a:xfrm rot="16200000">
+            <a:off x="5248695" y="2819674"/>
+            <a:ext cx="302661" cy="302661"/>
+          </a:xfrm>
+          <a:prstGeom prst="rect">
+            <a:avLst/>
+          </a:prstGeom>
+        </p:spPr>
+      </p:pic>
+      <p:pic>
+        <p:nvPicPr>
+          <p:cNvPr id="56" name="Imagem 55"/>
+          <p:cNvPicPr>
+            <a:picLocks noChangeAspect="1"/>
+          </p:cNvPicPr>
+          <p:nvPr/>
+        </p:nvPicPr>
+        <p:blipFill>
+          <a:blip r:embed="rId12" cstate="print">
+            <a:extLst>
+              <a:ext uri="{28A0092B-C50C-407E-A947-70E740481C1C}">
+                <a14:useLocalDpi xmlns:a14="http://schemas.microsoft.com/office/drawing/2010/main" val="0"/>
+              </a:ext>
+            </a:extLst>
+          </a:blip>
+          <a:stretch>
+            <a:fillRect/>
+          </a:stretch>
+        </p:blipFill>
+        <p:spPr>
+          <a:xfrm>
+            <a:off x="5692497" y="2795066"/>
+            <a:ext cx="370047" cy="226345"/>
           </a:xfrm>
           <a:prstGeom prst="rect">
             <a:avLst/>
@@ -20513,6 +23310,455 @@
   <p:timing>
     <p:tnLst>
       <p:par>
+        <p:cTn id="1" dur="indefinite" restart="never" nodeType="tmRoot"/>
+      </p:par>
+    </p:tnLst>
+  </p:timing>
+</p:sld>
+</file>
+
+<file path=ppt/slides/slide28.xml><?xml version="1.0" encoding="utf-8"?>
+<p:sld xmlns:a="http://schemas.openxmlformats.org/drawingml/2006/main" xmlns:r="http://schemas.openxmlformats.org/officeDocument/2006/relationships" xmlns:p="http://schemas.openxmlformats.org/presentationml/2006/main">
+  <p:cSld>
+    <p:spTree>
+      <p:nvGrpSpPr>
+        <p:cNvPr id="1" name=""/>
+        <p:cNvGrpSpPr/>
+        <p:nvPr/>
+      </p:nvGrpSpPr>
+      <p:grpSpPr>
+        <a:xfrm>
+          <a:off x="0" y="0"/>
+          <a:ext cx="0" cy="0"/>
+          <a:chOff x="0" y="0"/>
+          <a:chExt cx="0" cy="0"/>
+        </a:xfrm>
+      </p:grpSpPr>
+      <p:pic>
+        <p:nvPicPr>
+          <p:cNvPr id="5" name="Imagem 4"/>
+          <p:cNvPicPr>
+            <a:picLocks noChangeAspect="1"/>
+          </p:cNvPicPr>
+          <p:nvPr/>
+        </p:nvPicPr>
+        <p:blipFill>
+          <a:blip r:embed="rId2" cstate="print">
+            <a:extLst>
+              <a:ext uri="{28A0092B-C50C-407E-A947-70E740481C1C}">
+                <a14:useLocalDpi xmlns:a14="http://schemas.microsoft.com/office/drawing/2010/main" val="0"/>
+              </a:ext>
+            </a:extLst>
+          </a:blip>
+          <a:stretch>
+            <a:fillRect/>
+          </a:stretch>
+        </p:blipFill>
+        <p:spPr>
+          <a:xfrm>
+            <a:off x="11313459" y="286497"/>
+            <a:ext cx="576000" cy="576000"/>
+          </a:xfrm>
+          <a:prstGeom prst="rect">
+            <a:avLst/>
+          </a:prstGeom>
+        </p:spPr>
+      </p:pic>
+      <p:sp>
+        <p:nvSpPr>
+          <p:cNvPr id="4" name="Título 1">
+            <a:extLst>
+              <a:ext uri="{FF2B5EF4-FFF2-40B4-BE49-F238E27FC236}">
+                <a16:creationId xmlns:a16="http://schemas.microsoft.com/office/drawing/2014/main" id="{99F76FBE-1BC2-4EE6-B90A-22263BF7BDCD}"/>
+              </a:ext>
+            </a:extLst>
+          </p:cNvPr>
+          <p:cNvSpPr txBox="1">
+            <a:spLocks/>
+          </p:cNvSpPr>
+          <p:nvPr/>
+        </p:nvSpPr>
+        <p:spPr>
+          <a:xfrm>
+            <a:off x="838200" y="365125"/>
+            <a:ext cx="10515600" cy="1325563"/>
+          </a:xfrm>
+          <a:prstGeom prst="rect">
+            <a:avLst/>
+          </a:prstGeom>
+        </p:spPr>
+        <p:txBody>
+          <a:bodyPr vert="horz" lIns="91440" tIns="45720" rIns="91440" bIns="45720" rtlCol="0" anchor="ctr">
+            <a:normAutofit/>
+          </a:bodyPr>
+          <a:lstStyle>
+            <a:lvl1pPr algn="l" defTabSz="914400" rtl="0" eaLnBrk="1" latinLnBrk="0" hangingPunct="1">
+              <a:lnSpc>
+                <a:spcPct val="90000"/>
+              </a:lnSpc>
+              <a:spcBef>
+                <a:spcPct val="0"/>
+              </a:spcBef>
+              <a:buNone/>
+              <a:defRPr sz="4400" kern="1200">
+                <a:solidFill>
+                  <a:schemeClr val="tx1"/>
+                </a:solidFill>
+                <a:latin typeface="+mj-lt"/>
+                <a:ea typeface="+mj-ea"/>
+                <a:cs typeface="+mj-cs"/>
+              </a:defRPr>
+            </a:lvl1pPr>
+          </a:lstStyle>
+          <a:p>
+            <a:r>
+              <a:rPr lang="pt-BR" dirty="0" smtClean="0">
+                <a:solidFill>
+                  <a:schemeClr val="tx1">
+                    <a:lumMod val="75000"/>
+                    <a:lumOff val="25000"/>
+                  </a:schemeClr>
+                </a:solidFill>
+                <a:latin typeface="Bariol Bold" panose="02000506040000020003" pitchFamily="2" charset="0"/>
+              </a:rPr>
+              <a:t>Manual de instrução</a:t>
+            </a:r>
+            <a:endParaRPr lang="pt-BR" dirty="0">
+              <a:solidFill>
+                <a:schemeClr val="tx1">
+                  <a:lumMod val="75000"/>
+                  <a:lumOff val="25000"/>
+                </a:schemeClr>
+              </a:solidFill>
+              <a:latin typeface="Bariol Bold" panose="02000506040000020003" pitchFamily="2" charset="0"/>
+            </a:endParaRPr>
+          </a:p>
+        </p:txBody>
+      </p:sp>
+      <p:pic>
+        <p:nvPicPr>
+          <p:cNvPr id="2" name="Imagem 1"/>
+          <p:cNvPicPr>
+            <a:picLocks noChangeAspect="1"/>
+          </p:cNvPicPr>
+          <p:nvPr/>
+        </p:nvPicPr>
+        <p:blipFill>
+          <a:blip r:embed="rId3">
+            <a:extLst>
+              <a:ext uri="{28A0092B-C50C-407E-A947-70E740481C1C}">
+                <a14:useLocalDpi xmlns:a14="http://schemas.microsoft.com/office/drawing/2010/main" val="0"/>
+              </a:ext>
+            </a:extLst>
+          </a:blip>
+          <a:stretch>
+            <a:fillRect/>
+          </a:stretch>
+        </p:blipFill>
+        <p:spPr>
+          <a:xfrm>
+            <a:off x="838200" y="1620213"/>
+            <a:ext cx="10475259" cy="5148887"/>
+          </a:xfrm>
+          <a:prstGeom prst="rect">
+            <a:avLst/>
+          </a:prstGeom>
+        </p:spPr>
+      </p:pic>
+      <p:sp>
+        <p:nvSpPr>
+          <p:cNvPr id="3" name="Retângulo 2"/>
+          <p:cNvSpPr/>
+          <p:nvPr/>
+        </p:nvSpPr>
+        <p:spPr>
+          <a:xfrm>
+            <a:off x="838200" y="1620213"/>
+            <a:ext cx="10475259" cy="5136187"/>
+          </a:xfrm>
+          <a:prstGeom prst="rect">
+            <a:avLst/>
+          </a:prstGeom>
+          <a:noFill/>
+        </p:spPr>
+        <p:style>
+          <a:lnRef idx="2">
+            <a:schemeClr val="accent1">
+              <a:shade val="50000"/>
+            </a:schemeClr>
+          </a:lnRef>
+          <a:fillRef idx="1">
+            <a:schemeClr val="accent1"/>
+          </a:fillRef>
+          <a:effectRef idx="0">
+            <a:schemeClr val="accent1"/>
+          </a:effectRef>
+          <a:fontRef idx="minor">
+            <a:schemeClr val="lt1"/>
+          </a:fontRef>
+        </p:style>
+        <p:txBody>
+          <a:bodyPr rtlCol="0" anchor="ctr"/>
+          <a:lstStyle/>
+          <a:p>
+            <a:pPr algn="ctr"/>
+            <a:endParaRPr lang="pt-BR"/>
+          </a:p>
+        </p:txBody>
+      </p:sp>
+      <p:cxnSp>
+        <p:nvCxnSpPr>
+          <p:cNvPr id="12" name="Conector de Seta Reta 11"/>
+          <p:cNvCxnSpPr/>
+          <p:nvPr/>
+        </p:nvCxnSpPr>
+        <p:spPr>
+          <a:xfrm>
+            <a:off x="8763000" y="3810000"/>
+            <a:ext cx="0" cy="533400"/>
+          </a:xfrm>
+          <a:prstGeom prst="straightConnector1">
+            <a:avLst/>
+          </a:prstGeom>
+          <a:ln w="38100">
+            <a:tailEnd type="triangle"/>
+          </a:ln>
+        </p:spPr>
+        <p:style>
+          <a:lnRef idx="1">
+            <a:schemeClr val="accent1"/>
+          </a:lnRef>
+          <a:fillRef idx="0">
+            <a:schemeClr val="accent1"/>
+          </a:fillRef>
+          <a:effectRef idx="0">
+            <a:schemeClr val="accent1"/>
+          </a:effectRef>
+          <a:fontRef idx="minor">
+            <a:schemeClr val="tx1"/>
+          </a:fontRef>
+        </p:style>
+      </p:cxnSp>
+      <p:sp>
+        <p:nvSpPr>
+          <p:cNvPr id="13" name="CaixaDeTexto 12"/>
+          <p:cNvSpPr txBox="1"/>
+          <p:nvPr/>
+        </p:nvSpPr>
+        <p:spPr>
+          <a:xfrm>
+            <a:off x="7084165" y="4343400"/>
+            <a:ext cx="3357670" cy="923330"/>
+          </a:xfrm>
+          <a:prstGeom prst="rect">
+            <a:avLst/>
+          </a:prstGeom>
+          <a:noFill/>
+        </p:spPr>
+        <p:txBody>
+          <a:bodyPr wrap="square" rtlCol="0">
+            <a:spAutoFit/>
+          </a:bodyPr>
+          <a:lstStyle/>
+          <a:p>
+            <a:pPr algn="ctr"/>
+            <a:r>
+              <a:rPr lang="pt-BR" dirty="0" smtClean="0">
+                <a:latin typeface="Bariol Bold" panose="02000506040000020003"/>
+                <a:cs typeface="Arial" panose="020B0604020202020204" pitchFamily="34" charset="0"/>
+              </a:rPr>
+              <a:t>Para cadastrar um novo ambiente no sistema, basta clicar no </a:t>
+            </a:r>
+            <a:r>
+              <a:rPr lang="pt-BR" dirty="0" err="1" smtClean="0">
+                <a:latin typeface="Bariol Bold" panose="02000506040000020003"/>
+                <a:cs typeface="Arial" panose="020B0604020202020204" pitchFamily="34" charset="0"/>
+              </a:rPr>
+              <a:t>card</a:t>
+            </a:r>
+            <a:r>
+              <a:rPr lang="pt-BR" dirty="0" smtClean="0">
+                <a:latin typeface="Bariol Bold" panose="02000506040000020003"/>
+                <a:cs typeface="Arial" panose="020B0604020202020204" pitchFamily="34" charset="0"/>
+              </a:rPr>
+              <a:t> e preencher os campos.</a:t>
+            </a:r>
+            <a:endParaRPr lang="pt-BR" dirty="0">
+              <a:latin typeface="Bariol Bold" panose="02000506040000020003"/>
+              <a:cs typeface="Arial" panose="020B0604020202020204" pitchFamily="34" charset="0"/>
+            </a:endParaRPr>
+          </a:p>
+        </p:txBody>
+      </p:sp>
+      <p:cxnSp>
+        <p:nvCxnSpPr>
+          <p:cNvPr id="14" name="Conector de Seta Reta 13"/>
+          <p:cNvCxnSpPr/>
+          <p:nvPr/>
+        </p:nvCxnSpPr>
+        <p:spPr>
+          <a:xfrm>
+            <a:off x="3121765" y="3810000"/>
+            <a:ext cx="0" cy="533400"/>
+          </a:xfrm>
+          <a:prstGeom prst="straightConnector1">
+            <a:avLst/>
+          </a:prstGeom>
+          <a:ln w="38100">
+            <a:tailEnd type="triangle"/>
+          </a:ln>
+        </p:spPr>
+        <p:style>
+          <a:lnRef idx="1">
+            <a:schemeClr val="accent1"/>
+          </a:lnRef>
+          <a:fillRef idx="0">
+            <a:schemeClr val="accent1"/>
+          </a:fillRef>
+          <a:effectRef idx="0">
+            <a:schemeClr val="accent1"/>
+          </a:effectRef>
+          <a:fontRef idx="minor">
+            <a:schemeClr val="tx1"/>
+          </a:fontRef>
+        </p:style>
+      </p:cxnSp>
+      <p:sp>
+        <p:nvSpPr>
+          <p:cNvPr id="15" name="CaixaDeTexto 14"/>
+          <p:cNvSpPr txBox="1"/>
+          <p:nvPr/>
+        </p:nvSpPr>
+        <p:spPr>
+          <a:xfrm>
+            <a:off x="1442930" y="4343400"/>
+            <a:ext cx="3357670" cy="923330"/>
+          </a:xfrm>
+          <a:prstGeom prst="rect">
+            <a:avLst/>
+          </a:prstGeom>
+          <a:noFill/>
+        </p:spPr>
+        <p:txBody>
+          <a:bodyPr wrap="square" rtlCol="0">
+            <a:spAutoFit/>
+          </a:bodyPr>
+          <a:lstStyle/>
+          <a:p>
+            <a:pPr algn="ctr"/>
+            <a:r>
+              <a:rPr lang="pt-BR" dirty="0" smtClean="0">
+                <a:latin typeface="Bariol Bold" panose="02000506040000020003"/>
+                <a:cs typeface="Arial" panose="020B0604020202020204" pitchFamily="34" charset="0"/>
+              </a:rPr>
+              <a:t>Clicando sobre qualquer </a:t>
+            </a:r>
+            <a:r>
+              <a:rPr lang="pt-BR" dirty="0" err="1" smtClean="0">
+                <a:latin typeface="Bariol Bold" panose="02000506040000020003"/>
+                <a:cs typeface="Arial" panose="020B0604020202020204" pitchFamily="34" charset="0"/>
+              </a:rPr>
+              <a:t>card</a:t>
+            </a:r>
+            <a:r>
+              <a:rPr lang="pt-BR" dirty="0" smtClean="0">
+                <a:latin typeface="Bariol Bold" panose="02000506040000020003"/>
+                <a:cs typeface="Arial" panose="020B0604020202020204" pitchFamily="34" charset="0"/>
+              </a:rPr>
+              <a:t> de ambiente cadastrado você terá acesso a informações detalhadas</a:t>
+            </a:r>
+            <a:endParaRPr lang="pt-BR" dirty="0">
+              <a:latin typeface="Bariol Bold" panose="02000506040000020003"/>
+              <a:cs typeface="Arial" panose="020B0604020202020204" pitchFamily="34" charset="0"/>
+            </a:endParaRPr>
+          </a:p>
+        </p:txBody>
+      </p:sp>
+      <p:pic>
+        <p:nvPicPr>
+          <p:cNvPr id="17" name="Imagem 16"/>
+          <p:cNvPicPr>
+            <a:picLocks noChangeAspect="1"/>
+          </p:cNvPicPr>
+          <p:nvPr/>
+        </p:nvPicPr>
+        <p:blipFill>
+          <a:blip r:embed="rId4">
+            <a:extLst>
+              <a:ext uri="{28A0092B-C50C-407E-A947-70E740481C1C}">
+                <a14:useLocalDpi xmlns:a14="http://schemas.microsoft.com/office/drawing/2010/main" val="0"/>
+              </a:ext>
+            </a:extLst>
+          </a:blip>
+          <a:stretch>
+            <a:fillRect/>
+          </a:stretch>
+        </p:blipFill>
+        <p:spPr>
+          <a:xfrm>
+            <a:off x="864901" y="1634727"/>
+            <a:ext cx="10448558" cy="5107159"/>
+          </a:xfrm>
+          <a:prstGeom prst="rect">
+            <a:avLst/>
+          </a:prstGeom>
+        </p:spPr>
+      </p:pic>
+      <p:pic>
+        <p:nvPicPr>
+          <p:cNvPr id="21" name="Imagem 20"/>
+          <p:cNvPicPr>
+            <a:picLocks noChangeAspect="1"/>
+          </p:cNvPicPr>
+          <p:nvPr/>
+        </p:nvPicPr>
+        <p:blipFill>
+          <a:blip r:embed="rId5">
+            <a:extLst>
+              <a:ext uri="{28A0092B-C50C-407E-A947-70E740481C1C}">
+                <a14:useLocalDpi xmlns:a14="http://schemas.microsoft.com/office/drawing/2010/main" val="0"/>
+              </a:ext>
+            </a:extLst>
+          </a:blip>
+          <a:stretch>
+            <a:fillRect/>
+          </a:stretch>
+        </p:blipFill>
+        <p:spPr>
+          <a:xfrm>
+            <a:off x="879415" y="1622027"/>
+            <a:ext cx="10421054" cy="5148000"/>
+          </a:xfrm>
+          <a:prstGeom prst="rect">
+            <a:avLst/>
+          </a:prstGeom>
+        </p:spPr>
+      </p:pic>
+    </p:spTree>
+    <p:extLst>
+      <p:ext uri="{BB962C8B-B14F-4D97-AF65-F5344CB8AC3E}">
+        <p14:creationId xmlns:p14="http://schemas.microsoft.com/office/powerpoint/2010/main" val="548296130"/>
+      </p:ext>
+    </p:extLst>
+  </p:cSld>
+  <p:clrMapOvr>
+    <a:masterClrMapping/>
+  </p:clrMapOvr>
+  <mc:AlternateContent xmlns:mc="http://schemas.openxmlformats.org/markup-compatibility/2006" xmlns:p14="http://schemas.microsoft.com/office/powerpoint/2010/main">
+    <mc:Choice Requires="p14">
+      <p:transition spd="med" p14:dur="700">
+        <p:fade/>
+      </p:transition>
+    </mc:Choice>
+    <mc:Fallback xmlns="">
+      <p:transition spd="med">
+        <p:fade/>
+      </p:transition>
+    </mc:Fallback>
+  </mc:AlternateContent>
+  <p:timing>
+    <p:tnLst>
+      <p:par>
         <p:cTn id="1" dur="indefinite" restart="never" nodeType="tmRoot">
           <p:childTnLst>
             <p:seq concurrent="1" nextAc="seek">
@@ -20522,9 +23768,6 @@
                     <p:cTn id="3" fill="hold">
                       <p:stCondLst>
                         <p:cond delay="indefinite"/>
-                        <p:cond evt="onBegin" delay="0">
-                          <p:tn val="2"/>
-                        </p:cond>
                       </p:stCondLst>
                       <p:childTnLst>
                         <p:par>
@@ -20534,7 +23777,7 @@
                             </p:stCondLst>
                             <p:childTnLst>
                               <p:par>
-                                <p:cTn id="5" presetID="10" presetClass="entr" presetSubtype="0" fill="hold" grpId="0" nodeType="afterEffect">
+                                <p:cTn id="5" presetID="53" presetClass="entr" presetSubtype="16" fill="hold" nodeType="clickEffect">
                                   <p:stCondLst>
                                     <p:cond delay="0"/>
                                   </p:stCondLst>
@@ -20547,7 +23790,7 @@
                                           </p:stCondLst>
                                         </p:cTn>
                                         <p:tgtEl>
-                                          <p:spTgt spid="7"/>
+                                          <p:spTgt spid="17"/>
                                         </p:tgtEl>
                                         <p:attrNameLst>
                                           <p:attrName>style.visibility</p:attrName>
@@ -20557,11 +23800,255 @@
                                         <p:strVal val="visible"/>
                                       </p:to>
                                     </p:set>
+                                    <p:anim calcmode="lin" valueType="num">
+                                      <p:cBhvr>
+                                        <p:cTn id="7" dur="500" fill="hold"/>
+                                        <p:tgtEl>
+                                          <p:spTgt spid="17"/>
+                                        </p:tgtEl>
+                                        <p:attrNameLst>
+                                          <p:attrName>ppt_w</p:attrName>
+                                        </p:attrNameLst>
+                                      </p:cBhvr>
+                                      <p:tavLst>
+                                        <p:tav tm="0">
+                                          <p:val>
+                                            <p:fltVal val="0"/>
+                                          </p:val>
+                                        </p:tav>
+                                        <p:tav tm="100000">
+                                          <p:val>
+                                            <p:strVal val="#ppt_w"/>
+                                          </p:val>
+                                        </p:tav>
+                                      </p:tavLst>
+                                    </p:anim>
+                                    <p:anim calcmode="lin" valueType="num">
+                                      <p:cBhvr>
+                                        <p:cTn id="8" dur="500" fill="hold"/>
+                                        <p:tgtEl>
+                                          <p:spTgt spid="17"/>
+                                        </p:tgtEl>
+                                        <p:attrNameLst>
+                                          <p:attrName>ppt_h</p:attrName>
+                                        </p:attrNameLst>
+                                      </p:cBhvr>
+                                      <p:tavLst>
+                                        <p:tav tm="0">
+                                          <p:val>
+                                            <p:fltVal val="0"/>
+                                          </p:val>
+                                        </p:tav>
+                                        <p:tav tm="100000">
+                                          <p:val>
+                                            <p:strVal val="#ppt_h"/>
+                                          </p:val>
+                                        </p:tav>
+                                      </p:tavLst>
+                                    </p:anim>
                                     <p:animEffect transition="in" filter="fade">
                                       <p:cBhvr>
-                                        <p:cTn id="7" dur="500"/>
+                                        <p:cTn id="9" dur="500"/>
                                         <p:tgtEl>
-                                          <p:spTgt spid="7"/>
+                                          <p:spTgt spid="17"/>
+                                        </p:tgtEl>
+                                      </p:cBhvr>
+                                    </p:animEffect>
+                                  </p:childTnLst>
+                                </p:cTn>
+                              </p:par>
+                            </p:childTnLst>
+                          </p:cTn>
+                        </p:par>
+                      </p:childTnLst>
+                    </p:cTn>
+                  </p:par>
+                  <p:par>
+                    <p:cTn id="10" fill="hold">
+                      <p:stCondLst>
+                        <p:cond delay="indefinite"/>
+                      </p:stCondLst>
+                      <p:childTnLst>
+                        <p:par>
+                          <p:cTn id="11" fill="hold">
+                            <p:stCondLst>
+                              <p:cond delay="0"/>
+                            </p:stCondLst>
+                            <p:childTnLst>
+                              <p:par>
+                                <p:cTn id="12" presetID="53" presetClass="exit" presetSubtype="32" fill="hold" nodeType="clickEffect">
+                                  <p:stCondLst>
+                                    <p:cond delay="0"/>
+                                  </p:stCondLst>
+                                  <p:childTnLst>
+                                    <p:anim calcmode="lin" valueType="num">
+                                      <p:cBhvr>
+                                        <p:cTn id="13" dur="500"/>
+                                        <p:tgtEl>
+                                          <p:spTgt spid="17"/>
+                                        </p:tgtEl>
+                                        <p:attrNameLst>
+                                          <p:attrName>ppt_w</p:attrName>
+                                        </p:attrNameLst>
+                                      </p:cBhvr>
+                                      <p:tavLst>
+                                        <p:tav tm="0">
+                                          <p:val>
+                                            <p:strVal val="ppt_w"/>
+                                          </p:val>
+                                        </p:tav>
+                                        <p:tav tm="100000">
+                                          <p:val>
+                                            <p:fltVal val="0"/>
+                                          </p:val>
+                                        </p:tav>
+                                      </p:tavLst>
+                                    </p:anim>
+                                    <p:anim calcmode="lin" valueType="num">
+                                      <p:cBhvr>
+                                        <p:cTn id="14" dur="500"/>
+                                        <p:tgtEl>
+                                          <p:spTgt spid="17"/>
+                                        </p:tgtEl>
+                                        <p:attrNameLst>
+                                          <p:attrName>ppt_h</p:attrName>
+                                        </p:attrNameLst>
+                                      </p:cBhvr>
+                                      <p:tavLst>
+                                        <p:tav tm="0">
+                                          <p:val>
+                                            <p:strVal val="ppt_h"/>
+                                          </p:val>
+                                        </p:tav>
+                                        <p:tav tm="100000">
+                                          <p:val>
+                                            <p:fltVal val="0"/>
+                                          </p:val>
+                                        </p:tav>
+                                      </p:tavLst>
+                                    </p:anim>
+                                    <p:animEffect transition="out" filter="fade">
+                                      <p:cBhvr>
+                                        <p:cTn id="15" dur="500"/>
+                                        <p:tgtEl>
+                                          <p:spTgt spid="17"/>
+                                        </p:tgtEl>
+                                      </p:cBhvr>
+                                    </p:animEffect>
+                                    <p:set>
+                                      <p:cBhvr>
+                                        <p:cTn id="16" dur="1" fill="hold">
+                                          <p:stCondLst>
+                                            <p:cond delay="499"/>
+                                          </p:stCondLst>
+                                        </p:cTn>
+                                        <p:tgtEl>
+                                          <p:spTgt spid="17"/>
+                                        </p:tgtEl>
+                                        <p:attrNameLst>
+                                          <p:attrName>style.visibility</p:attrName>
+                                        </p:attrNameLst>
+                                      </p:cBhvr>
+                                      <p:to>
+                                        <p:strVal val="hidden"/>
+                                      </p:to>
+                                    </p:set>
+                                  </p:childTnLst>
+                                </p:cTn>
+                              </p:par>
+                            </p:childTnLst>
+                          </p:cTn>
+                        </p:par>
+                      </p:childTnLst>
+                    </p:cTn>
+                  </p:par>
+                  <p:par>
+                    <p:cTn id="17" fill="hold">
+                      <p:stCondLst>
+                        <p:cond delay="indefinite"/>
+                      </p:stCondLst>
+                      <p:childTnLst>
+                        <p:par>
+                          <p:cTn id="18" fill="hold">
+                            <p:stCondLst>
+                              <p:cond delay="0"/>
+                            </p:stCondLst>
+                            <p:childTnLst>
+                              <p:par>
+                                <p:cTn id="19" presetID="53" presetClass="entr" presetSubtype="16" fill="hold" nodeType="clickEffect">
+                                  <p:stCondLst>
+                                    <p:cond delay="0"/>
+                                  </p:stCondLst>
+                                  <p:childTnLst>
+                                    <p:set>
+                                      <p:cBhvr>
+                                        <p:cTn id="20" dur="1" fill="hold">
+                                          <p:stCondLst>
+                                            <p:cond delay="0"/>
+                                          </p:stCondLst>
+                                        </p:cTn>
+                                        <p:tgtEl>
+                                          <p:spTgt spid="21"/>
+                                        </p:tgtEl>
+                                        <p:attrNameLst>
+                                          <p:attrName>style.visibility</p:attrName>
+                                        </p:attrNameLst>
+                                      </p:cBhvr>
+                                      <p:to>
+                                        <p:strVal val="visible"/>
+                                      </p:to>
+                                    </p:set>
+                                    <p:anim calcmode="lin" valueType="num">
+                                      <p:cBhvr>
+                                        <p:cTn id="21" dur="500" fill="hold"/>
+                                        <p:tgtEl>
+                                          <p:spTgt spid="21"/>
+                                        </p:tgtEl>
+                                        <p:attrNameLst>
+                                          <p:attrName>ppt_w</p:attrName>
+                                        </p:attrNameLst>
+                                      </p:cBhvr>
+                                      <p:tavLst>
+                                        <p:tav tm="0">
+                                          <p:val>
+                                            <p:fltVal val="0"/>
+                                          </p:val>
+                                        </p:tav>
+                                        <p:tav tm="100000">
+                                          <p:val>
+                                            <p:strVal val="#ppt_w"/>
+                                          </p:val>
+                                        </p:tav>
+                                      </p:tavLst>
+                                    </p:anim>
+                                    <p:anim calcmode="lin" valueType="num">
+                                      <p:cBhvr>
+                                        <p:cTn id="22" dur="500" fill="hold"/>
+                                        <p:tgtEl>
+                                          <p:spTgt spid="21"/>
+                                        </p:tgtEl>
+                                        <p:attrNameLst>
+                                          <p:attrName>ppt_h</p:attrName>
+                                        </p:attrNameLst>
+                                      </p:cBhvr>
+                                      <p:tavLst>
+                                        <p:tav tm="0">
+                                          <p:val>
+                                            <p:fltVal val="0"/>
+                                          </p:val>
+                                        </p:tav>
+                                        <p:tav tm="100000">
+                                          <p:val>
+                                            <p:strVal val="#ppt_h"/>
+                                          </p:val>
+                                        </p:tav>
+                                      </p:tavLst>
+                                    </p:anim>
+                                    <p:animEffect transition="in" filter="fade">
+                                      <p:cBhvr>
+                                        <p:cTn id="23" dur="500"/>
+                                        <p:tgtEl>
+                                          <p:spTgt spid="21"/>
                                         </p:tgtEl>
                                       </p:cBhvr>
                                     </p:animEffect>
@@ -20595,14 +24082,11 @@
         </p:cTn>
       </p:par>
     </p:tnLst>
-    <p:bldLst>
-      <p:bldP spid="7" grpId="0"/>
-    </p:bldLst>
   </p:timing>
 </p:sld>
 </file>
 
-<file path=ppt/slides/slide27.xml><?xml version="1.0" encoding="utf-8"?>
+<file path=ppt/slides/slide29.xml><?xml version="1.0" encoding="utf-8"?>
 <p:sld xmlns:a="http://schemas.openxmlformats.org/drawingml/2006/main" xmlns:r="http://schemas.openxmlformats.org/officeDocument/2006/relationships" xmlns:p="http://schemas.openxmlformats.org/presentationml/2006/main">
   <p:cSld>
     <p:spTree>
@@ -20619,9 +24103,39 @@
           <a:chExt cx="0" cy="0"/>
         </a:xfrm>
       </p:grpSpPr>
+      <p:pic>
+        <p:nvPicPr>
+          <p:cNvPr id="5" name="Imagem 4"/>
+          <p:cNvPicPr>
+            <a:picLocks noChangeAspect="1"/>
+          </p:cNvPicPr>
+          <p:nvPr/>
+        </p:nvPicPr>
+        <p:blipFill>
+          <a:blip r:embed="rId2" cstate="print">
+            <a:extLst>
+              <a:ext uri="{28A0092B-C50C-407E-A947-70E740481C1C}">
+                <a14:useLocalDpi xmlns:a14="http://schemas.microsoft.com/office/drawing/2010/main" val="0"/>
+              </a:ext>
+            </a:extLst>
+          </a:blip>
+          <a:stretch>
+            <a:fillRect/>
+          </a:stretch>
+        </p:blipFill>
+        <p:spPr>
+          <a:xfrm>
+            <a:off x="11313459" y="286497"/>
+            <a:ext cx="576000" cy="576000"/>
+          </a:xfrm>
+          <a:prstGeom prst="rect">
+            <a:avLst/>
+          </a:prstGeom>
+        </p:spPr>
+      </p:pic>
       <p:sp>
         <p:nvSpPr>
-          <p:cNvPr id="7" name="Título 1">
+          <p:cNvPr id="4" name="Título 1">
             <a:extLst>
               <a:ext uri="{FF2B5EF4-FFF2-40B4-BE49-F238E27FC236}">
                 <a16:creationId xmlns:a16="http://schemas.microsoft.com/office/drawing/2014/main" id="{99F76FBE-1BC2-4EE6-B90A-22263BF7BDCD}"/>
@@ -20635,7 +24149,625 @@
         </p:nvSpPr>
         <p:spPr>
           <a:xfrm>
-            <a:off x="838199" y="1433807"/>
+            <a:off x="838200" y="365125"/>
+            <a:ext cx="10515600" cy="1325563"/>
+          </a:xfrm>
+          <a:prstGeom prst="rect">
+            <a:avLst/>
+          </a:prstGeom>
+        </p:spPr>
+        <p:txBody>
+          <a:bodyPr vert="horz" lIns="91440" tIns="45720" rIns="91440" bIns="45720" rtlCol="0" anchor="ctr">
+            <a:normAutofit/>
+          </a:bodyPr>
+          <a:lstStyle>
+            <a:lvl1pPr algn="l" defTabSz="914400" rtl="0" eaLnBrk="1" latinLnBrk="0" hangingPunct="1">
+              <a:lnSpc>
+                <a:spcPct val="90000"/>
+              </a:lnSpc>
+              <a:spcBef>
+                <a:spcPct val="0"/>
+              </a:spcBef>
+              <a:buNone/>
+              <a:defRPr sz="4400" kern="1200">
+                <a:solidFill>
+                  <a:schemeClr val="tx1"/>
+                </a:solidFill>
+                <a:latin typeface="+mj-lt"/>
+                <a:ea typeface="+mj-ea"/>
+                <a:cs typeface="+mj-cs"/>
+              </a:defRPr>
+            </a:lvl1pPr>
+          </a:lstStyle>
+          <a:p>
+            <a:r>
+              <a:rPr lang="pt-BR" dirty="0" smtClean="0">
+                <a:solidFill>
+                  <a:schemeClr val="tx1">
+                    <a:lumMod val="75000"/>
+                    <a:lumOff val="25000"/>
+                  </a:schemeClr>
+                </a:solidFill>
+                <a:latin typeface="Bariol Bold" panose="02000506040000020003" pitchFamily="2" charset="0"/>
+              </a:rPr>
+              <a:t>Manual de instrução</a:t>
+            </a:r>
+            <a:endParaRPr lang="pt-BR" dirty="0">
+              <a:solidFill>
+                <a:schemeClr val="tx1">
+                  <a:lumMod val="75000"/>
+                  <a:lumOff val="25000"/>
+                </a:schemeClr>
+              </a:solidFill>
+              <a:latin typeface="Bariol Bold" panose="02000506040000020003" pitchFamily="2" charset="0"/>
+            </a:endParaRPr>
+          </a:p>
+        </p:txBody>
+      </p:sp>
+      <p:sp>
+        <p:nvSpPr>
+          <p:cNvPr id="7" name="Retângulo 6"/>
+          <p:cNvSpPr/>
+          <p:nvPr/>
+        </p:nvSpPr>
+        <p:spPr>
+          <a:xfrm>
+            <a:off x="838200" y="1620213"/>
+            <a:ext cx="10475259" cy="5136187"/>
+          </a:xfrm>
+          <a:prstGeom prst="rect">
+            <a:avLst/>
+          </a:prstGeom>
+          <a:noFill/>
+        </p:spPr>
+        <p:style>
+          <a:lnRef idx="2">
+            <a:schemeClr val="accent1">
+              <a:shade val="50000"/>
+            </a:schemeClr>
+          </a:lnRef>
+          <a:fillRef idx="1">
+            <a:schemeClr val="accent1"/>
+          </a:fillRef>
+          <a:effectRef idx="0">
+            <a:schemeClr val="accent1"/>
+          </a:effectRef>
+          <a:fontRef idx="minor">
+            <a:schemeClr val="lt1"/>
+          </a:fontRef>
+        </p:style>
+        <p:txBody>
+          <a:bodyPr rtlCol="0" anchor="ctr"/>
+          <a:lstStyle/>
+          <a:p>
+            <a:pPr algn="ctr"/>
+            <a:endParaRPr lang="pt-BR"/>
+          </a:p>
+        </p:txBody>
+      </p:sp>
+      <p:pic>
+        <p:nvPicPr>
+          <p:cNvPr id="2" name="Imagem 1"/>
+          <p:cNvPicPr>
+            <a:picLocks noChangeAspect="1"/>
+          </p:cNvPicPr>
+          <p:nvPr/>
+        </p:nvPicPr>
+        <p:blipFill>
+          <a:blip r:embed="rId3">
+            <a:extLst>
+              <a:ext uri="{28A0092B-C50C-407E-A947-70E740481C1C}">
+                <a14:useLocalDpi xmlns:a14="http://schemas.microsoft.com/office/drawing/2010/main" val="0"/>
+              </a:ext>
+            </a:extLst>
+          </a:blip>
+          <a:stretch>
+            <a:fillRect/>
+          </a:stretch>
+        </p:blipFill>
+        <p:spPr>
+          <a:xfrm>
+            <a:off x="889646" y="1661660"/>
+            <a:ext cx="10423813" cy="5080226"/>
+          </a:xfrm>
+          <a:prstGeom prst="rect">
+            <a:avLst/>
+          </a:prstGeom>
+        </p:spPr>
+      </p:pic>
+      <p:cxnSp>
+        <p:nvCxnSpPr>
+          <p:cNvPr id="10" name="Conector Angulado 9"/>
+          <p:cNvCxnSpPr/>
+          <p:nvPr/>
+        </p:nvCxnSpPr>
+        <p:spPr>
+          <a:xfrm>
+            <a:off x="2322287" y="5718630"/>
+            <a:ext cx="1932306" cy="701905"/>
+          </a:xfrm>
+          <a:prstGeom prst="bentConnector3">
+            <a:avLst/>
+          </a:prstGeom>
+          <a:ln w="38100">
+            <a:tailEnd type="triangle"/>
+          </a:ln>
+        </p:spPr>
+        <p:style>
+          <a:lnRef idx="1">
+            <a:schemeClr val="accent1"/>
+          </a:lnRef>
+          <a:fillRef idx="0">
+            <a:schemeClr val="accent1"/>
+          </a:fillRef>
+          <a:effectRef idx="0">
+            <a:schemeClr val="accent1"/>
+          </a:effectRef>
+          <a:fontRef idx="minor">
+            <a:schemeClr val="tx1"/>
+          </a:fontRef>
+        </p:style>
+      </p:cxnSp>
+      <p:cxnSp>
+        <p:nvCxnSpPr>
+          <p:cNvPr id="12" name="Conector Angulado 11"/>
+          <p:cNvCxnSpPr/>
+          <p:nvPr/>
+        </p:nvCxnSpPr>
+        <p:spPr>
+          <a:xfrm rot="10800000" flipV="1">
+            <a:off x="8185598" y="5718628"/>
+            <a:ext cx="2061494" cy="693057"/>
+          </a:xfrm>
+          <a:prstGeom prst="bentConnector3">
+            <a:avLst/>
+          </a:prstGeom>
+          <a:ln w="38100">
+            <a:tailEnd type="triangle"/>
+          </a:ln>
+        </p:spPr>
+        <p:style>
+          <a:lnRef idx="1">
+            <a:schemeClr val="accent1"/>
+          </a:lnRef>
+          <a:fillRef idx="0">
+            <a:schemeClr val="accent1"/>
+          </a:fillRef>
+          <a:effectRef idx="0">
+            <a:schemeClr val="accent1"/>
+          </a:effectRef>
+          <a:fontRef idx="minor">
+            <a:schemeClr val="tx1"/>
+          </a:fontRef>
+        </p:style>
+      </p:cxnSp>
+      <p:sp>
+        <p:nvSpPr>
+          <p:cNvPr id="16" name="CaixaDeTexto 15"/>
+          <p:cNvSpPr txBox="1"/>
+          <p:nvPr/>
+        </p:nvSpPr>
+        <p:spPr>
+          <a:xfrm>
+            <a:off x="4590341" y="6056086"/>
+            <a:ext cx="3446745" cy="646331"/>
+          </a:xfrm>
+          <a:prstGeom prst="rect">
+            <a:avLst/>
+          </a:prstGeom>
+          <a:noFill/>
+        </p:spPr>
+        <p:txBody>
+          <a:bodyPr wrap="square" rtlCol="0">
+            <a:spAutoFit/>
+          </a:bodyPr>
+          <a:lstStyle/>
+          <a:p>
+            <a:pPr algn="ctr"/>
+            <a:r>
+              <a:rPr lang="pt-BR" dirty="0" smtClean="0">
+                <a:latin typeface="Bariol Bold" panose="02000506040000020003"/>
+                <a:cs typeface="Arial" panose="020B0604020202020204" pitchFamily="34" charset="0"/>
+              </a:rPr>
+              <a:t>Clicando nos botões você terá acesso ao respectivo relatório.</a:t>
+            </a:r>
+            <a:endParaRPr lang="pt-BR" dirty="0">
+              <a:latin typeface="Bariol Bold" panose="02000506040000020003"/>
+              <a:cs typeface="Arial" panose="020B0604020202020204" pitchFamily="34" charset="0"/>
+            </a:endParaRPr>
+          </a:p>
+        </p:txBody>
+      </p:sp>
+      <p:cxnSp>
+        <p:nvCxnSpPr>
+          <p:cNvPr id="18" name="Conector de Seta Reta 17"/>
+          <p:cNvCxnSpPr/>
+          <p:nvPr/>
+        </p:nvCxnSpPr>
+        <p:spPr>
+          <a:xfrm>
+            <a:off x="6313714" y="5718629"/>
+            <a:ext cx="0" cy="337457"/>
+          </a:xfrm>
+          <a:prstGeom prst="straightConnector1">
+            <a:avLst/>
+          </a:prstGeom>
+          <a:ln w="38100">
+            <a:tailEnd type="triangle"/>
+          </a:ln>
+        </p:spPr>
+        <p:style>
+          <a:lnRef idx="1">
+            <a:schemeClr val="accent1"/>
+          </a:lnRef>
+          <a:fillRef idx="0">
+            <a:schemeClr val="accent1"/>
+          </a:fillRef>
+          <a:effectRef idx="0">
+            <a:schemeClr val="accent1"/>
+          </a:effectRef>
+          <a:fontRef idx="minor">
+            <a:schemeClr val="tx1"/>
+          </a:fontRef>
+        </p:style>
+      </p:cxnSp>
+      <p:pic>
+        <p:nvPicPr>
+          <p:cNvPr id="21" name="Imagem 20"/>
+          <p:cNvPicPr>
+            <a:picLocks noChangeAspect="1"/>
+          </p:cNvPicPr>
+          <p:nvPr/>
+        </p:nvPicPr>
+        <p:blipFill>
+          <a:blip r:embed="rId4">
+            <a:extLst>
+              <a:ext uri="{28A0092B-C50C-407E-A947-70E740481C1C}">
+                <a14:useLocalDpi xmlns:a14="http://schemas.microsoft.com/office/drawing/2010/main" val="0"/>
+              </a:ext>
+            </a:extLst>
+          </a:blip>
+          <a:stretch>
+            <a:fillRect/>
+          </a:stretch>
+        </p:blipFill>
+        <p:spPr>
+          <a:xfrm>
+            <a:off x="857823" y="1647146"/>
+            <a:ext cx="10495977" cy="5109254"/>
+          </a:xfrm>
+          <a:prstGeom prst="rect">
+            <a:avLst/>
+          </a:prstGeom>
+        </p:spPr>
+      </p:pic>
+    </p:spTree>
+    <p:extLst>
+      <p:ext uri="{BB962C8B-B14F-4D97-AF65-F5344CB8AC3E}">
+        <p14:creationId xmlns:p14="http://schemas.microsoft.com/office/powerpoint/2010/main" val="3753373806"/>
+      </p:ext>
+    </p:extLst>
+  </p:cSld>
+  <p:clrMapOvr>
+    <a:masterClrMapping/>
+  </p:clrMapOvr>
+  <mc:AlternateContent xmlns:mc="http://schemas.openxmlformats.org/markup-compatibility/2006" xmlns:p14="http://schemas.microsoft.com/office/powerpoint/2010/main">
+    <mc:Choice Requires="p14">
+      <p:transition spd="med" p14:dur="700">
+        <p:fade/>
+      </p:transition>
+    </mc:Choice>
+    <mc:Fallback xmlns="">
+      <p:transition spd="med">
+        <p:fade/>
+      </p:transition>
+    </mc:Fallback>
+  </mc:AlternateContent>
+  <p:timing>
+    <p:tnLst>
+      <p:par>
+        <p:cTn id="1" dur="indefinite" restart="never" nodeType="tmRoot">
+          <p:childTnLst>
+            <p:seq concurrent="1" nextAc="seek">
+              <p:cTn id="2" dur="indefinite" nodeType="mainSeq">
+                <p:childTnLst>
+                  <p:par>
+                    <p:cTn id="3" fill="hold">
+                      <p:stCondLst>
+                        <p:cond delay="indefinite"/>
+                      </p:stCondLst>
+                      <p:childTnLst>
+                        <p:par>
+                          <p:cTn id="4" fill="hold">
+                            <p:stCondLst>
+                              <p:cond delay="0"/>
+                            </p:stCondLst>
+                            <p:childTnLst>
+                              <p:par>
+                                <p:cTn id="5" presetID="53" presetClass="entr" presetSubtype="16" fill="hold" nodeType="clickEffect">
+                                  <p:stCondLst>
+                                    <p:cond delay="0"/>
+                                  </p:stCondLst>
+                                  <p:childTnLst>
+                                    <p:set>
+                                      <p:cBhvr>
+                                        <p:cTn id="6" dur="1" fill="hold">
+                                          <p:stCondLst>
+                                            <p:cond delay="0"/>
+                                          </p:stCondLst>
+                                        </p:cTn>
+                                        <p:tgtEl>
+                                          <p:spTgt spid="21"/>
+                                        </p:tgtEl>
+                                        <p:attrNameLst>
+                                          <p:attrName>style.visibility</p:attrName>
+                                        </p:attrNameLst>
+                                      </p:cBhvr>
+                                      <p:to>
+                                        <p:strVal val="visible"/>
+                                      </p:to>
+                                    </p:set>
+                                    <p:anim calcmode="lin" valueType="num">
+                                      <p:cBhvr>
+                                        <p:cTn id="7" dur="500" fill="hold"/>
+                                        <p:tgtEl>
+                                          <p:spTgt spid="21"/>
+                                        </p:tgtEl>
+                                        <p:attrNameLst>
+                                          <p:attrName>ppt_w</p:attrName>
+                                        </p:attrNameLst>
+                                      </p:cBhvr>
+                                      <p:tavLst>
+                                        <p:tav tm="0">
+                                          <p:val>
+                                            <p:fltVal val="0"/>
+                                          </p:val>
+                                        </p:tav>
+                                        <p:tav tm="100000">
+                                          <p:val>
+                                            <p:strVal val="#ppt_w"/>
+                                          </p:val>
+                                        </p:tav>
+                                      </p:tavLst>
+                                    </p:anim>
+                                    <p:anim calcmode="lin" valueType="num">
+                                      <p:cBhvr>
+                                        <p:cTn id="8" dur="500" fill="hold"/>
+                                        <p:tgtEl>
+                                          <p:spTgt spid="21"/>
+                                        </p:tgtEl>
+                                        <p:attrNameLst>
+                                          <p:attrName>ppt_h</p:attrName>
+                                        </p:attrNameLst>
+                                      </p:cBhvr>
+                                      <p:tavLst>
+                                        <p:tav tm="0">
+                                          <p:val>
+                                            <p:fltVal val="0"/>
+                                          </p:val>
+                                        </p:tav>
+                                        <p:tav tm="100000">
+                                          <p:val>
+                                            <p:strVal val="#ppt_h"/>
+                                          </p:val>
+                                        </p:tav>
+                                      </p:tavLst>
+                                    </p:anim>
+                                    <p:animEffect transition="in" filter="fade">
+                                      <p:cBhvr>
+                                        <p:cTn id="9" dur="500"/>
+                                        <p:tgtEl>
+                                          <p:spTgt spid="21"/>
+                                        </p:tgtEl>
+                                      </p:cBhvr>
+                                    </p:animEffect>
+                                  </p:childTnLst>
+                                </p:cTn>
+                              </p:par>
+                            </p:childTnLst>
+                          </p:cTn>
+                        </p:par>
+                      </p:childTnLst>
+                    </p:cTn>
+                  </p:par>
+                </p:childTnLst>
+              </p:cTn>
+              <p:prevCondLst>
+                <p:cond evt="onPrev" delay="0">
+                  <p:tgtEl>
+                    <p:sldTgt/>
+                  </p:tgtEl>
+                </p:cond>
+              </p:prevCondLst>
+              <p:nextCondLst>
+                <p:cond evt="onNext" delay="0">
+                  <p:tgtEl>
+                    <p:sldTgt/>
+                  </p:tgtEl>
+                </p:cond>
+              </p:nextCondLst>
+            </p:seq>
+          </p:childTnLst>
+        </p:cTn>
+      </p:par>
+    </p:tnLst>
+  </p:timing>
+</p:sld>
+</file>
+
+<file path=ppt/slides/slide3.xml><?xml version="1.0" encoding="utf-8"?>
+<p:sld xmlns:a="http://schemas.openxmlformats.org/drawingml/2006/main" xmlns:r="http://schemas.openxmlformats.org/officeDocument/2006/relationships" xmlns:p="http://schemas.openxmlformats.org/presentationml/2006/main">
+  <p:cSld>
+    <p:spTree>
+      <p:nvGrpSpPr>
+        <p:cNvPr id="1" name=""/>
+        <p:cNvGrpSpPr/>
+        <p:nvPr/>
+      </p:nvGrpSpPr>
+      <p:grpSpPr>
+        <a:xfrm>
+          <a:off x="0" y="0"/>
+          <a:ext cx="0" cy="0"/>
+          <a:chOff x="0" y="0"/>
+          <a:chExt cx="0" cy="0"/>
+        </a:xfrm>
+      </p:grpSpPr>
+      <p:pic>
+        <p:nvPicPr>
+          <p:cNvPr id="2" name="Imagem 1"/>
+          <p:cNvPicPr>
+            <a:picLocks noChangeAspect="1"/>
+          </p:cNvPicPr>
+          <p:nvPr/>
+        </p:nvPicPr>
+        <p:blipFill>
+          <a:blip r:embed="rId2">
+            <a:extLst>
+              <a:ext uri="{28A0092B-C50C-407E-A947-70E740481C1C}">
+                <a14:useLocalDpi xmlns:a14="http://schemas.microsoft.com/office/drawing/2010/main" val="0"/>
+              </a:ext>
+            </a:extLst>
+          </a:blip>
+          <a:stretch>
+            <a:fillRect/>
+          </a:stretch>
+        </p:blipFill>
+        <p:spPr>
+          <a:xfrm>
+            <a:off x="2032362" y="2433840"/>
+            <a:ext cx="8102600" cy="1838202"/>
+          </a:xfrm>
+          <a:prstGeom prst="rect">
+            <a:avLst/>
+          </a:prstGeom>
+        </p:spPr>
+      </p:pic>
+      <p:pic>
+        <p:nvPicPr>
+          <p:cNvPr id="5" name="Imagem 4"/>
+          <p:cNvPicPr>
+            <a:picLocks noChangeAspect="1"/>
+          </p:cNvPicPr>
+          <p:nvPr/>
+        </p:nvPicPr>
+        <p:blipFill>
+          <a:blip r:embed="rId3" cstate="print">
+            <a:extLst>
+              <a:ext uri="{28A0092B-C50C-407E-A947-70E740481C1C}">
+                <a14:useLocalDpi xmlns:a14="http://schemas.microsoft.com/office/drawing/2010/main" val="0"/>
+              </a:ext>
+            </a:extLst>
+          </a:blip>
+          <a:stretch>
+            <a:fillRect/>
+          </a:stretch>
+        </p:blipFill>
+        <p:spPr>
+          <a:xfrm>
+            <a:off x="11313459" y="286497"/>
+            <a:ext cx="576000" cy="576000"/>
+          </a:xfrm>
+          <a:prstGeom prst="rect">
+            <a:avLst/>
+          </a:prstGeom>
+        </p:spPr>
+      </p:pic>
+    </p:spTree>
+    <p:extLst>
+      <p:ext uri="{BB962C8B-B14F-4D97-AF65-F5344CB8AC3E}">
+        <p14:creationId xmlns:p14="http://schemas.microsoft.com/office/powerpoint/2010/main" val="2109155259"/>
+      </p:ext>
+    </p:extLst>
+  </p:cSld>
+  <p:clrMapOvr>
+    <a:masterClrMapping/>
+  </p:clrMapOvr>
+  <mc:AlternateContent xmlns:mc="http://schemas.openxmlformats.org/markup-compatibility/2006" xmlns:p14="http://schemas.microsoft.com/office/powerpoint/2010/main">
+    <mc:Choice Requires="p14">
+      <p:transition spd="med" p14:dur="700">
+        <p:fade/>
+      </p:transition>
+    </mc:Choice>
+    <mc:Fallback xmlns="">
+      <p:transition spd="med">
+        <p:fade/>
+      </p:transition>
+    </mc:Fallback>
+  </mc:AlternateContent>
+  <p:timing>
+    <p:tnLst>
+      <p:par>
+        <p:cTn id="1" dur="indefinite" restart="never" nodeType="tmRoot"/>
+      </p:par>
+    </p:tnLst>
+  </p:timing>
+</p:sld>
+</file>
+
+<file path=ppt/slides/slide30.xml><?xml version="1.0" encoding="utf-8"?>
+<p:sld xmlns:a="http://schemas.openxmlformats.org/drawingml/2006/main" xmlns:r="http://schemas.openxmlformats.org/officeDocument/2006/relationships" xmlns:p="http://schemas.openxmlformats.org/presentationml/2006/main">
+  <p:cSld>
+    <p:spTree>
+      <p:nvGrpSpPr>
+        <p:cNvPr id="1" name=""/>
+        <p:cNvGrpSpPr/>
+        <p:nvPr/>
+      </p:nvGrpSpPr>
+      <p:grpSpPr>
+        <a:xfrm>
+          <a:off x="0" y="0"/>
+          <a:ext cx="0" cy="0"/>
+          <a:chOff x="0" y="0"/>
+          <a:chExt cx="0" cy="0"/>
+        </a:xfrm>
+      </p:grpSpPr>
+      <p:pic>
+        <p:nvPicPr>
+          <p:cNvPr id="5" name="Imagem 4"/>
+          <p:cNvPicPr>
+            <a:picLocks noChangeAspect="1"/>
+          </p:cNvPicPr>
+          <p:nvPr/>
+        </p:nvPicPr>
+        <p:blipFill>
+          <a:blip r:embed="rId2" cstate="print">
+            <a:extLst>
+              <a:ext uri="{28A0092B-C50C-407E-A947-70E740481C1C}">
+                <a14:useLocalDpi xmlns:a14="http://schemas.microsoft.com/office/drawing/2010/main" val="0"/>
+              </a:ext>
+            </a:extLst>
+          </a:blip>
+          <a:stretch>
+            <a:fillRect/>
+          </a:stretch>
+        </p:blipFill>
+        <p:spPr>
+          <a:xfrm>
+            <a:off x="11313459" y="286497"/>
+            <a:ext cx="576000" cy="576000"/>
+          </a:xfrm>
+          <a:prstGeom prst="rect">
+            <a:avLst/>
+          </a:prstGeom>
+        </p:spPr>
+      </p:pic>
+      <p:sp>
+        <p:nvSpPr>
+          <p:cNvPr id="4" name="Título 1">
+            <a:extLst>
+              <a:ext uri="{FF2B5EF4-FFF2-40B4-BE49-F238E27FC236}">
+                <a16:creationId xmlns:a16="http://schemas.microsoft.com/office/drawing/2014/main" id="{99F76FBE-1BC2-4EE6-B90A-22263BF7BDCD}"/>
+              </a:ext>
+            </a:extLst>
+          </p:cNvPr>
+          <p:cNvSpPr txBox="1">
+            <a:spLocks/>
+          </p:cNvSpPr>
+          <p:nvPr/>
+        </p:nvSpPr>
+        <p:spPr>
+          <a:xfrm>
+            <a:off x="797859" y="2672897"/>
             <a:ext cx="10515600" cy="1325563"/>
           </a:xfrm>
           <a:prstGeom prst="rect">
@@ -20668,7 +24800,7 @@
           <a:p>
             <a:pPr algn="ctr"/>
             <a:r>
-              <a:rPr lang="pt-BR" dirty="0" smtClean="0">
+              <a:rPr lang="pt-BR" dirty="0">
                 <a:solidFill>
                   <a:schemeClr val="tx1">
                     <a:lumMod val="75000"/>
@@ -20679,28 +24811,19 @@
               </a:rPr>
               <a:t>Fluxograma</a:t>
             </a:r>
-            <a:endParaRPr lang="pt-BR" dirty="0">
-              <a:solidFill>
-                <a:schemeClr val="tx1">
-                  <a:lumMod val="75000"/>
-                  <a:lumOff val="25000"/>
-                </a:schemeClr>
-              </a:solidFill>
-              <a:latin typeface="Bariol Bold" panose="02000506040000020003" pitchFamily="2" charset="0"/>
-            </a:endParaRPr>
           </a:p>
         </p:txBody>
       </p:sp>
       <p:pic>
         <p:nvPicPr>
-          <p:cNvPr id="5" name="Imagem 4"/>
+          <p:cNvPr id="7" name="Imagem 6"/>
           <p:cNvPicPr>
             <a:picLocks noChangeAspect="1"/>
           </p:cNvPicPr>
           <p:nvPr/>
         </p:nvPicPr>
         <p:blipFill>
-          <a:blip r:embed="rId2" cstate="print">
+          <a:blip r:embed="rId3">
             <a:extLst>
               <a:ext uri="{28A0092B-C50C-407E-A947-70E740481C1C}">
                 <a14:useLocalDpi xmlns:a14="http://schemas.microsoft.com/office/drawing/2010/main" val="0"/>
@@ -20713,8 +24836,8 @@
         </p:blipFill>
         <p:spPr>
           <a:xfrm>
-            <a:off x="11313459" y="286497"/>
-            <a:ext cx="576000" cy="576000"/>
+            <a:off x="1678205" y="0"/>
+            <a:ext cx="8835590" cy="6858000"/>
           </a:xfrm>
           <a:prstGeom prst="rect">
             <a:avLst/>
@@ -20780,7 +24903,7 @@
                                           </p:stCondLst>
                                         </p:cTn>
                                         <p:tgtEl>
-                                          <p:spTgt spid="7"/>
+                                          <p:spTgt spid="4"/>
                                         </p:tgtEl>
                                         <p:attrNameLst>
                                           <p:attrName>style.visibility</p:attrName>
@@ -20793,6 +24916,149 @@
                                     <p:animEffect transition="in" filter="fade">
                                       <p:cBhvr>
                                         <p:cTn id="7" dur="500"/>
+                                        <p:tgtEl>
+                                          <p:spTgt spid="4"/>
+                                        </p:tgtEl>
+                                      </p:cBhvr>
+                                    </p:animEffect>
+                                  </p:childTnLst>
+                                </p:cTn>
+                              </p:par>
+                            </p:childTnLst>
+                          </p:cTn>
+                        </p:par>
+                      </p:childTnLst>
+                    </p:cTn>
+                  </p:par>
+                  <p:par>
+                    <p:cTn id="8" fill="hold">
+                      <p:stCondLst>
+                        <p:cond delay="indefinite"/>
+                      </p:stCondLst>
+                      <p:childTnLst>
+                        <p:par>
+                          <p:cTn id="9" fill="hold">
+                            <p:stCondLst>
+                              <p:cond delay="0"/>
+                            </p:stCondLst>
+                            <p:childTnLst>
+                              <p:par>
+                                <p:cTn id="10" presetID="10" presetClass="exit" presetSubtype="0" fill="hold" grpId="1" nodeType="clickEffect">
+                                  <p:stCondLst>
+                                    <p:cond delay="0"/>
+                                  </p:stCondLst>
+                                  <p:childTnLst>
+                                    <p:animEffect transition="out" filter="fade">
+                                      <p:cBhvr>
+                                        <p:cTn id="11" dur="500"/>
+                                        <p:tgtEl>
+                                          <p:spTgt spid="4"/>
+                                        </p:tgtEl>
+                                      </p:cBhvr>
+                                    </p:animEffect>
+                                    <p:set>
+                                      <p:cBhvr>
+                                        <p:cTn id="12" dur="1" fill="hold">
+                                          <p:stCondLst>
+                                            <p:cond delay="499"/>
+                                          </p:stCondLst>
+                                        </p:cTn>
+                                        <p:tgtEl>
+                                          <p:spTgt spid="4"/>
+                                        </p:tgtEl>
+                                        <p:attrNameLst>
+                                          <p:attrName>style.visibility</p:attrName>
+                                        </p:attrNameLst>
+                                      </p:cBhvr>
+                                      <p:to>
+                                        <p:strVal val="hidden"/>
+                                      </p:to>
+                                    </p:set>
+                                  </p:childTnLst>
+                                </p:cTn>
+                              </p:par>
+                            </p:childTnLst>
+                          </p:cTn>
+                        </p:par>
+                        <p:par>
+                          <p:cTn id="13" fill="hold">
+                            <p:stCondLst>
+                              <p:cond delay="500"/>
+                            </p:stCondLst>
+                            <p:childTnLst>
+                              <p:par>
+                                <p:cTn id="14" presetID="53" presetClass="entr" presetSubtype="16" fill="hold" nodeType="afterEffect">
+                                  <p:stCondLst>
+                                    <p:cond delay="0"/>
+                                  </p:stCondLst>
+                                  <p:childTnLst>
+                                    <p:set>
+                                      <p:cBhvr>
+                                        <p:cTn id="15" dur="1" fill="hold">
+                                          <p:stCondLst>
+                                            <p:cond delay="0"/>
+                                          </p:stCondLst>
+                                        </p:cTn>
+                                        <p:tgtEl>
+                                          <p:spTgt spid="7"/>
+                                        </p:tgtEl>
+                                        <p:attrNameLst>
+                                          <p:attrName>style.visibility</p:attrName>
+                                        </p:attrNameLst>
+                                      </p:cBhvr>
+                                      <p:to>
+                                        <p:strVal val="visible"/>
+                                      </p:to>
+                                    </p:set>
+                                    <p:anim calcmode="lin" valueType="num">
+                                      <p:cBhvr>
+                                        <p:cTn id="16" dur="500" fill="hold"/>
+                                        <p:tgtEl>
+                                          <p:spTgt spid="7"/>
+                                        </p:tgtEl>
+                                        <p:attrNameLst>
+                                          <p:attrName>ppt_w</p:attrName>
+                                        </p:attrNameLst>
+                                      </p:cBhvr>
+                                      <p:tavLst>
+                                        <p:tav tm="0">
+                                          <p:val>
+                                            <p:fltVal val="0"/>
+                                          </p:val>
+                                        </p:tav>
+                                        <p:tav tm="100000">
+                                          <p:val>
+                                            <p:strVal val="#ppt_w"/>
+                                          </p:val>
+                                        </p:tav>
+                                      </p:tavLst>
+                                    </p:anim>
+                                    <p:anim calcmode="lin" valueType="num">
+                                      <p:cBhvr>
+                                        <p:cTn id="17" dur="500" fill="hold"/>
+                                        <p:tgtEl>
+                                          <p:spTgt spid="7"/>
+                                        </p:tgtEl>
+                                        <p:attrNameLst>
+                                          <p:attrName>ppt_h</p:attrName>
+                                        </p:attrNameLst>
+                                      </p:cBhvr>
+                                      <p:tavLst>
+                                        <p:tav tm="0">
+                                          <p:val>
+                                            <p:fltVal val="0"/>
+                                          </p:val>
+                                        </p:tav>
+                                        <p:tav tm="100000">
+                                          <p:val>
+                                            <p:strVal val="#ppt_h"/>
+                                          </p:val>
+                                        </p:tav>
+                                      </p:tavLst>
+                                    </p:anim>
+                                    <p:animEffect transition="in" filter="fade">
+                                      <p:cBhvr>
+                                        <p:cTn id="18" dur="500"/>
                                         <p:tgtEl>
                                           <p:spTgt spid="7"/>
                                         </p:tgtEl>
@@ -20829,13 +25095,378 @@
       </p:par>
     </p:tnLst>
     <p:bldLst>
-      <p:bldP spid="7" grpId="0"/>
+      <p:bldP spid="4" grpId="0"/>
+      <p:bldP spid="4" grpId="1"/>
     </p:bldLst>
   </p:timing>
 </p:sld>
 </file>
 
-<file path=ppt/slides/slide28.xml><?xml version="1.0" encoding="utf-8"?>
+<file path=ppt/slides/slide31.xml><?xml version="1.0" encoding="utf-8"?>
+<p:sld xmlns:a="http://schemas.openxmlformats.org/drawingml/2006/main" xmlns:r="http://schemas.openxmlformats.org/officeDocument/2006/relationships" xmlns:p="http://schemas.openxmlformats.org/presentationml/2006/main">
+  <p:cSld>
+    <p:spTree>
+      <p:nvGrpSpPr>
+        <p:cNvPr id="1" name=""/>
+        <p:cNvGrpSpPr/>
+        <p:nvPr/>
+      </p:nvGrpSpPr>
+      <p:grpSpPr>
+        <a:xfrm>
+          <a:off x="0" y="0"/>
+          <a:ext cx="0" cy="0"/>
+          <a:chOff x="0" y="0"/>
+          <a:chExt cx="0" cy="0"/>
+        </a:xfrm>
+      </p:grpSpPr>
+      <p:pic>
+        <p:nvPicPr>
+          <p:cNvPr id="5" name="Imagem 4"/>
+          <p:cNvPicPr>
+            <a:picLocks noChangeAspect="1"/>
+          </p:cNvPicPr>
+          <p:nvPr/>
+        </p:nvPicPr>
+        <p:blipFill>
+          <a:blip r:embed="rId2" cstate="print">
+            <a:extLst>
+              <a:ext uri="{28A0092B-C50C-407E-A947-70E740481C1C}">
+                <a14:useLocalDpi xmlns:a14="http://schemas.microsoft.com/office/drawing/2010/main" val="0"/>
+              </a:ext>
+            </a:extLst>
+          </a:blip>
+          <a:stretch>
+            <a:fillRect/>
+          </a:stretch>
+        </p:blipFill>
+        <p:spPr>
+          <a:xfrm>
+            <a:off x="11313459" y="286497"/>
+            <a:ext cx="576000" cy="576000"/>
+          </a:xfrm>
+          <a:prstGeom prst="rect">
+            <a:avLst/>
+          </a:prstGeom>
+        </p:spPr>
+      </p:pic>
+      <p:sp>
+        <p:nvSpPr>
+          <p:cNvPr id="4" name="Título 1">
+            <a:extLst>
+              <a:ext uri="{FF2B5EF4-FFF2-40B4-BE49-F238E27FC236}">
+                <a16:creationId xmlns:a16="http://schemas.microsoft.com/office/drawing/2014/main" id="{99F76FBE-1BC2-4EE6-B90A-22263BF7BDCD}"/>
+              </a:ext>
+            </a:extLst>
+          </p:cNvPr>
+          <p:cNvSpPr txBox="1">
+            <a:spLocks/>
+          </p:cNvSpPr>
+          <p:nvPr/>
+        </p:nvSpPr>
+        <p:spPr>
+          <a:xfrm>
+            <a:off x="838200" y="365125"/>
+            <a:ext cx="10515600" cy="1325563"/>
+          </a:xfrm>
+          <a:prstGeom prst="rect">
+            <a:avLst/>
+          </a:prstGeom>
+        </p:spPr>
+        <p:txBody>
+          <a:bodyPr vert="horz" lIns="91440" tIns="45720" rIns="91440" bIns="45720" rtlCol="0" anchor="ctr">
+            <a:normAutofit/>
+          </a:bodyPr>
+          <a:lstStyle>
+            <a:lvl1pPr algn="l" defTabSz="914400" rtl="0" eaLnBrk="1" latinLnBrk="0" hangingPunct="1">
+              <a:lnSpc>
+                <a:spcPct val="90000"/>
+              </a:lnSpc>
+              <a:spcBef>
+                <a:spcPct val="0"/>
+              </a:spcBef>
+              <a:buNone/>
+              <a:defRPr sz="4400" kern="1200">
+                <a:solidFill>
+                  <a:schemeClr val="tx1"/>
+                </a:solidFill>
+                <a:latin typeface="+mj-lt"/>
+                <a:ea typeface="+mj-ea"/>
+                <a:cs typeface="+mj-cs"/>
+              </a:defRPr>
+            </a:lvl1pPr>
+          </a:lstStyle>
+          <a:p>
+            <a:r>
+              <a:rPr lang="pt-BR" dirty="0">
+                <a:solidFill>
+                  <a:schemeClr val="tx1">
+                    <a:lumMod val="75000"/>
+                    <a:lumOff val="25000"/>
+                  </a:schemeClr>
+                </a:solidFill>
+                <a:latin typeface="Bariol Bold" panose="02000506040000020003" pitchFamily="2" charset="0"/>
+              </a:rPr>
+              <a:t>Ferramenta de suporte</a:t>
+            </a:r>
+          </a:p>
+          <a:p>
+            <a:endParaRPr lang="pt-BR" dirty="0">
+              <a:solidFill>
+                <a:schemeClr val="tx1">
+                  <a:lumMod val="75000"/>
+                  <a:lumOff val="25000"/>
+                </a:schemeClr>
+              </a:solidFill>
+              <a:latin typeface="Bariol Bold" panose="02000506040000020003" pitchFamily="2" charset="0"/>
+            </a:endParaRPr>
+          </a:p>
+        </p:txBody>
+      </p:sp>
+      <p:pic>
+        <p:nvPicPr>
+          <p:cNvPr id="2" name="Imagem 1"/>
+          <p:cNvPicPr>
+            <a:picLocks noChangeAspect="1"/>
+          </p:cNvPicPr>
+          <p:nvPr/>
+        </p:nvPicPr>
+        <p:blipFill>
+          <a:blip r:embed="rId3">
+            <a:extLst>
+              <a:ext uri="{28A0092B-C50C-407E-A947-70E740481C1C}">
+                <a14:useLocalDpi xmlns:a14="http://schemas.microsoft.com/office/drawing/2010/main" val="0"/>
+              </a:ext>
+            </a:extLst>
+          </a:blip>
+          <a:stretch>
+            <a:fillRect/>
+          </a:stretch>
+        </p:blipFill>
+        <p:spPr>
+          <a:xfrm>
+            <a:off x="0" y="1365476"/>
+            <a:ext cx="12192000" cy="5172075"/>
+          </a:xfrm>
+          <a:prstGeom prst="rect">
+            <a:avLst/>
+          </a:prstGeom>
+        </p:spPr>
+      </p:pic>
+    </p:spTree>
+    <p:extLst>
+      <p:ext uri="{BB962C8B-B14F-4D97-AF65-F5344CB8AC3E}">
+        <p14:creationId xmlns:p14="http://schemas.microsoft.com/office/powerpoint/2010/main" val="4130706346"/>
+      </p:ext>
+    </p:extLst>
+  </p:cSld>
+  <p:clrMapOvr>
+    <a:masterClrMapping/>
+  </p:clrMapOvr>
+  <mc:AlternateContent xmlns:mc="http://schemas.openxmlformats.org/markup-compatibility/2006" xmlns:p14="http://schemas.microsoft.com/office/powerpoint/2010/main">
+    <mc:Choice Requires="p14">
+      <p:transition spd="med" p14:dur="700">
+        <p:fade/>
+      </p:transition>
+    </mc:Choice>
+    <mc:Fallback xmlns="">
+      <p:transition spd="med">
+        <p:fade/>
+      </p:transition>
+    </mc:Fallback>
+  </mc:AlternateContent>
+  <p:timing>
+    <p:tnLst>
+      <p:par>
+        <p:cTn id="1" dur="indefinite" restart="never" nodeType="tmRoot"/>
+      </p:par>
+    </p:tnLst>
+  </p:timing>
+</p:sld>
+</file>
+
+<file path=ppt/slides/slide32.xml><?xml version="1.0" encoding="utf-8"?>
+<p:sld xmlns:a="http://schemas.openxmlformats.org/drawingml/2006/main" xmlns:r="http://schemas.openxmlformats.org/officeDocument/2006/relationships" xmlns:p="http://schemas.openxmlformats.org/presentationml/2006/main">
+  <p:cSld>
+    <p:spTree>
+      <p:nvGrpSpPr>
+        <p:cNvPr id="1" name=""/>
+        <p:cNvGrpSpPr/>
+        <p:nvPr/>
+      </p:nvGrpSpPr>
+      <p:grpSpPr>
+        <a:xfrm>
+          <a:off x="0" y="0"/>
+          <a:ext cx="0" cy="0"/>
+          <a:chOff x="0" y="0"/>
+          <a:chExt cx="0" cy="0"/>
+        </a:xfrm>
+      </p:grpSpPr>
+      <p:pic>
+        <p:nvPicPr>
+          <p:cNvPr id="5" name="Imagem 4"/>
+          <p:cNvPicPr>
+            <a:picLocks noChangeAspect="1"/>
+          </p:cNvPicPr>
+          <p:nvPr/>
+        </p:nvPicPr>
+        <p:blipFill>
+          <a:blip r:embed="rId2" cstate="print">
+            <a:extLst>
+              <a:ext uri="{28A0092B-C50C-407E-A947-70E740481C1C}">
+                <a14:useLocalDpi xmlns:a14="http://schemas.microsoft.com/office/drawing/2010/main" val="0"/>
+              </a:ext>
+            </a:extLst>
+          </a:blip>
+          <a:stretch>
+            <a:fillRect/>
+          </a:stretch>
+        </p:blipFill>
+        <p:spPr>
+          <a:xfrm>
+            <a:off x="11313459" y="286497"/>
+            <a:ext cx="576000" cy="576000"/>
+          </a:xfrm>
+          <a:prstGeom prst="rect">
+            <a:avLst/>
+          </a:prstGeom>
+        </p:spPr>
+      </p:pic>
+      <p:sp>
+        <p:nvSpPr>
+          <p:cNvPr id="4" name="Título 1">
+            <a:extLst>
+              <a:ext uri="{FF2B5EF4-FFF2-40B4-BE49-F238E27FC236}">
+                <a16:creationId xmlns:a16="http://schemas.microsoft.com/office/drawing/2014/main" id="{99F76FBE-1BC2-4EE6-B90A-22263BF7BDCD}"/>
+              </a:ext>
+            </a:extLst>
+          </p:cNvPr>
+          <p:cNvSpPr txBox="1">
+            <a:spLocks/>
+          </p:cNvSpPr>
+          <p:nvPr/>
+        </p:nvSpPr>
+        <p:spPr>
+          <a:xfrm>
+            <a:off x="838200" y="365125"/>
+            <a:ext cx="10515600" cy="1325563"/>
+          </a:xfrm>
+          <a:prstGeom prst="rect">
+            <a:avLst/>
+          </a:prstGeom>
+        </p:spPr>
+        <p:txBody>
+          <a:bodyPr vert="horz" lIns="91440" tIns="45720" rIns="91440" bIns="45720" rtlCol="0" anchor="ctr">
+            <a:normAutofit/>
+          </a:bodyPr>
+          <a:lstStyle>
+            <a:lvl1pPr algn="l" defTabSz="914400" rtl="0" eaLnBrk="1" latinLnBrk="0" hangingPunct="1">
+              <a:lnSpc>
+                <a:spcPct val="90000"/>
+              </a:lnSpc>
+              <a:spcBef>
+                <a:spcPct val="0"/>
+              </a:spcBef>
+              <a:buNone/>
+              <a:defRPr sz="4400" kern="1200">
+                <a:solidFill>
+                  <a:schemeClr val="tx1"/>
+                </a:solidFill>
+                <a:latin typeface="+mj-lt"/>
+                <a:ea typeface="+mj-ea"/>
+                <a:cs typeface="+mj-cs"/>
+              </a:defRPr>
+            </a:lvl1pPr>
+          </a:lstStyle>
+          <a:p>
+            <a:r>
+              <a:rPr lang="pt-BR" dirty="0">
+                <a:solidFill>
+                  <a:schemeClr val="tx1">
+                    <a:lumMod val="75000"/>
+                    <a:lumOff val="25000"/>
+                  </a:schemeClr>
+                </a:solidFill>
+                <a:latin typeface="Bariol Bold" panose="02000506040000020003" pitchFamily="2" charset="0"/>
+              </a:rPr>
+              <a:t>Ferramenta de suporte</a:t>
+            </a:r>
+          </a:p>
+          <a:p>
+            <a:endParaRPr lang="pt-BR" dirty="0">
+              <a:solidFill>
+                <a:schemeClr val="tx1">
+                  <a:lumMod val="75000"/>
+                  <a:lumOff val="25000"/>
+                </a:schemeClr>
+              </a:solidFill>
+              <a:latin typeface="Bariol Bold" panose="02000506040000020003" pitchFamily="2" charset="0"/>
+            </a:endParaRPr>
+          </a:p>
+        </p:txBody>
+      </p:sp>
+      <p:pic>
+        <p:nvPicPr>
+          <p:cNvPr id="6" name="Imagem 5"/>
+          <p:cNvPicPr>
+            <a:picLocks noChangeAspect="1"/>
+          </p:cNvPicPr>
+          <p:nvPr/>
+        </p:nvPicPr>
+        <p:blipFill>
+          <a:blip r:embed="rId3">
+            <a:extLst>
+              <a:ext uri="{28A0092B-C50C-407E-A947-70E740481C1C}">
+                <a14:useLocalDpi xmlns:a14="http://schemas.microsoft.com/office/drawing/2010/main" val="0"/>
+              </a:ext>
+            </a:extLst>
+          </a:blip>
+          <a:stretch>
+            <a:fillRect/>
+          </a:stretch>
+        </p:blipFill>
+        <p:spPr>
+          <a:xfrm>
+            <a:off x="3215993" y="1207613"/>
+            <a:ext cx="5760014" cy="5516515"/>
+          </a:xfrm>
+          <a:prstGeom prst="rect">
+            <a:avLst/>
+          </a:prstGeom>
+        </p:spPr>
+      </p:pic>
+    </p:spTree>
+    <p:extLst>
+      <p:ext uri="{BB962C8B-B14F-4D97-AF65-F5344CB8AC3E}">
+        <p14:creationId xmlns:p14="http://schemas.microsoft.com/office/powerpoint/2010/main" val="483681905"/>
+      </p:ext>
+    </p:extLst>
+  </p:cSld>
+  <p:clrMapOvr>
+    <a:masterClrMapping/>
+  </p:clrMapOvr>
+  <mc:AlternateContent xmlns:mc="http://schemas.openxmlformats.org/markup-compatibility/2006" xmlns:p14="http://schemas.microsoft.com/office/powerpoint/2010/main">
+    <mc:Choice Requires="p14">
+      <p:transition spd="med" p14:dur="700">
+        <p:fade/>
+      </p:transition>
+    </mc:Choice>
+    <mc:Fallback xmlns="">
+      <p:transition spd="med">
+        <p:fade/>
+      </p:transition>
+    </mc:Fallback>
+  </mc:AlternateContent>
+  <p:timing>
+    <p:tnLst>
+      <p:par>
+        <p:cTn id="1" dur="indefinite" restart="never" nodeType="tmRoot"/>
+      </p:par>
+    </p:tnLst>
+  </p:timing>
+</p:sld>
+</file>
+
+<file path=ppt/slides/slide33.xml><?xml version="1.0" encoding="utf-8"?>
 <p:sld xmlns:a="http://schemas.openxmlformats.org/drawingml/2006/main" xmlns:r="http://schemas.openxmlformats.org/officeDocument/2006/relationships" xmlns:p="http://schemas.openxmlformats.org/presentationml/2006/main">
   <p:cSld>
     <p:spTree>
@@ -20868,240 +25499,7 @@
         </p:nvSpPr>
         <p:spPr>
           <a:xfrm>
-            <a:off x="838199" y="1433807"/>
-            <a:ext cx="10515600" cy="1325563"/>
-          </a:xfrm>
-          <a:prstGeom prst="rect">
-            <a:avLst/>
-          </a:prstGeom>
-        </p:spPr>
-        <p:txBody>
-          <a:bodyPr vert="horz" lIns="91440" tIns="45720" rIns="91440" bIns="45720" rtlCol="0" anchor="ctr">
-            <a:normAutofit/>
-          </a:bodyPr>
-          <a:lstStyle>
-            <a:lvl1pPr algn="l" defTabSz="914400" rtl="0" eaLnBrk="1" latinLnBrk="0" hangingPunct="1">
-              <a:lnSpc>
-                <a:spcPct val="90000"/>
-              </a:lnSpc>
-              <a:spcBef>
-                <a:spcPct val="0"/>
-              </a:spcBef>
-              <a:buNone/>
-              <a:defRPr sz="4400" kern="1200">
-                <a:solidFill>
-                  <a:schemeClr val="tx1"/>
-                </a:solidFill>
-                <a:latin typeface="+mj-lt"/>
-                <a:ea typeface="+mj-ea"/>
-                <a:cs typeface="+mj-cs"/>
-              </a:defRPr>
-            </a:lvl1pPr>
-          </a:lstStyle>
-          <a:p>
-            <a:pPr algn="ctr"/>
-            <a:r>
-              <a:rPr lang="pt-BR" dirty="0" smtClean="0">
-                <a:solidFill>
-                  <a:schemeClr val="tx1">
-                    <a:lumMod val="75000"/>
-                    <a:lumOff val="25000"/>
-                  </a:schemeClr>
-                </a:solidFill>
-                <a:latin typeface="Bariol Bold" panose="02000506040000020003" pitchFamily="2" charset="0"/>
-              </a:rPr>
-              <a:t>Ferramenta de suporte</a:t>
-            </a:r>
-            <a:endParaRPr lang="pt-BR" dirty="0">
-              <a:solidFill>
-                <a:schemeClr val="tx1">
-                  <a:lumMod val="75000"/>
-                  <a:lumOff val="25000"/>
-                </a:schemeClr>
-              </a:solidFill>
-              <a:latin typeface="Bariol Bold" panose="02000506040000020003" pitchFamily="2" charset="0"/>
-            </a:endParaRPr>
-          </a:p>
-        </p:txBody>
-      </p:sp>
-      <p:pic>
-        <p:nvPicPr>
-          <p:cNvPr id="5" name="Imagem 4"/>
-          <p:cNvPicPr>
-            <a:picLocks noChangeAspect="1"/>
-          </p:cNvPicPr>
-          <p:nvPr/>
-        </p:nvPicPr>
-        <p:blipFill>
-          <a:blip r:embed="rId2" cstate="print">
-            <a:extLst>
-              <a:ext uri="{28A0092B-C50C-407E-A947-70E740481C1C}">
-                <a14:useLocalDpi xmlns:a14="http://schemas.microsoft.com/office/drawing/2010/main" val="0"/>
-              </a:ext>
-            </a:extLst>
-          </a:blip>
-          <a:stretch>
-            <a:fillRect/>
-          </a:stretch>
-        </p:blipFill>
-        <p:spPr>
-          <a:xfrm>
-            <a:off x="11313459" y="286497"/>
-            <a:ext cx="576000" cy="576000"/>
-          </a:xfrm>
-          <a:prstGeom prst="rect">
-            <a:avLst/>
-          </a:prstGeom>
-        </p:spPr>
-      </p:pic>
-    </p:spTree>
-    <p:extLst>
-      <p:ext uri="{BB962C8B-B14F-4D97-AF65-F5344CB8AC3E}">
-        <p14:creationId xmlns:p14="http://schemas.microsoft.com/office/powerpoint/2010/main" val="4130706346"/>
-      </p:ext>
-    </p:extLst>
-  </p:cSld>
-  <p:clrMapOvr>
-    <a:masterClrMapping/>
-  </p:clrMapOvr>
-  <mc:AlternateContent xmlns:mc="http://schemas.openxmlformats.org/markup-compatibility/2006" xmlns:p14="http://schemas.microsoft.com/office/powerpoint/2010/main">
-    <mc:Choice Requires="p14">
-      <p:transition spd="med" p14:dur="700">
-        <p:fade/>
-      </p:transition>
-    </mc:Choice>
-    <mc:Fallback xmlns="">
-      <p:transition spd="med">
-        <p:fade/>
-      </p:transition>
-    </mc:Fallback>
-  </mc:AlternateContent>
-  <p:timing>
-    <p:tnLst>
-      <p:par>
-        <p:cTn id="1" dur="indefinite" restart="never" nodeType="tmRoot">
-          <p:childTnLst>
-            <p:seq concurrent="1" nextAc="seek">
-              <p:cTn id="2" dur="indefinite" nodeType="mainSeq">
-                <p:childTnLst>
-                  <p:par>
-                    <p:cTn id="3" fill="hold">
-                      <p:stCondLst>
-                        <p:cond delay="indefinite"/>
-                        <p:cond evt="onBegin" delay="0">
-                          <p:tn val="2"/>
-                        </p:cond>
-                      </p:stCondLst>
-                      <p:childTnLst>
-                        <p:par>
-                          <p:cTn id="4" fill="hold">
-                            <p:stCondLst>
-                              <p:cond delay="0"/>
-                            </p:stCondLst>
-                            <p:childTnLst>
-                              <p:par>
-                                <p:cTn id="5" presetID="10" presetClass="entr" presetSubtype="0" fill="hold" grpId="0" nodeType="afterEffect">
-                                  <p:stCondLst>
-                                    <p:cond delay="0"/>
-                                  </p:stCondLst>
-                                  <p:childTnLst>
-                                    <p:set>
-                                      <p:cBhvr>
-                                        <p:cTn id="6" dur="1" fill="hold">
-                                          <p:stCondLst>
-                                            <p:cond delay="0"/>
-                                          </p:stCondLst>
-                                        </p:cTn>
-                                        <p:tgtEl>
-                                          <p:spTgt spid="7"/>
-                                        </p:tgtEl>
-                                        <p:attrNameLst>
-                                          <p:attrName>style.visibility</p:attrName>
-                                        </p:attrNameLst>
-                                      </p:cBhvr>
-                                      <p:to>
-                                        <p:strVal val="visible"/>
-                                      </p:to>
-                                    </p:set>
-                                    <p:animEffect transition="in" filter="fade">
-                                      <p:cBhvr>
-                                        <p:cTn id="7" dur="500"/>
-                                        <p:tgtEl>
-                                          <p:spTgt spid="7"/>
-                                        </p:tgtEl>
-                                      </p:cBhvr>
-                                    </p:animEffect>
-                                  </p:childTnLst>
-                                </p:cTn>
-                              </p:par>
-                            </p:childTnLst>
-                          </p:cTn>
-                        </p:par>
-                      </p:childTnLst>
-                    </p:cTn>
-                  </p:par>
-                </p:childTnLst>
-              </p:cTn>
-              <p:prevCondLst>
-                <p:cond evt="onPrev" delay="0">
-                  <p:tgtEl>
-                    <p:sldTgt/>
-                  </p:tgtEl>
-                </p:cond>
-              </p:prevCondLst>
-              <p:nextCondLst>
-                <p:cond evt="onNext" delay="0">
-                  <p:tgtEl>
-                    <p:sldTgt/>
-                  </p:tgtEl>
-                </p:cond>
-              </p:nextCondLst>
-            </p:seq>
-          </p:childTnLst>
-        </p:cTn>
-      </p:par>
-    </p:tnLst>
-    <p:bldLst>
-      <p:bldP spid="7" grpId="0"/>
-    </p:bldLst>
-  </p:timing>
-</p:sld>
-</file>
-
-<file path=ppt/slides/slide29.xml><?xml version="1.0" encoding="utf-8"?>
-<p:sld xmlns:a="http://schemas.openxmlformats.org/drawingml/2006/main" xmlns:r="http://schemas.openxmlformats.org/officeDocument/2006/relationships" xmlns:p="http://schemas.openxmlformats.org/presentationml/2006/main">
-  <p:cSld>
-    <p:spTree>
-      <p:nvGrpSpPr>
-        <p:cNvPr id="1" name=""/>
-        <p:cNvGrpSpPr/>
-        <p:nvPr/>
-      </p:nvGrpSpPr>
-      <p:grpSpPr>
-        <a:xfrm>
-          <a:off x="0" y="0"/>
-          <a:ext cx="0" cy="0"/>
-          <a:chOff x="0" y="0"/>
-          <a:chExt cx="0" cy="0"/>
-        </a:xfrm>
-      </p:grpSpPr>
-      <p:sp>
-        <p:nvSpPr>
-          <p:cNvPr id="7" name="Título 1">
-            <a:extLst>
-              <a:ext uri="{FF2B5EF4-FFF2-40B4-BE49-F238E27FC236}">
-                <a16:creationId xmlns:a16="http://schemas.microsoft.com/office/drawing/2014/main" id="{99F76FBE-1BC2-4EE6-B90A-22263BF7BDCD}"/>
-              </a:ext>
-            </a:extLst>
-          </p:cNvPr>
-          <p:cNvSpPr txBox="1">
-            <a:spLocks/>
-          </p:cNvSpPr>
-          <p:nvPr/>
-        </p:nvSpPr>
-        <p:spPr>
-          <a:xfrm>
-            <a:off x="838199" y="1433807"/>
+            <a:off x="797859" y="862497"/>
             <a:ext cx="10515600" cy="1325563"/>
           </a:xfrm>
           <a:prstGeom prst="rect">
@@ -21189,7 +25587,7 @@
       </p:pic>
       <p:pic>
         <p:nvPicPr>
-          <p:cNvPr id="6" name="Imagem 5"/>
+          <p:cNvPr id="8" name="Imagem 7"/>
           <p:cNvPicPr>
             <a:picLocks noChangeAspect="1"/>
           </p:cNvPicPr>
@@ -21209,8 +25607,8 @@
         </p:blipFill>
         <p:spPr>
           <a:xfrm>
-            <a:off x="3623156" y="2759370"/>
-            <a:ext cx="4945685" cy="4041277"/>
+            <a:off x="3072843" y="1989475"/>
+            <a:ext cx="5965632" cy="4404067"/>
           </a:xfrm>
           <a:prstGeom prst="rect">
             <a:avLst/>
@@ -21297,6 +25695,41 @@
                                   </p:childTnLst>
                                 </p:cTn>
                               </p:par>
+                              <p:par>
+                                <p:cTn id="8" presetID="10" presetClass="entr" presetSubtype="0" fill="hold" nodeType="withEffect">
+                                  <p:stCondLst>
+                                    <p:cond delay="0"/>
+                                  </p:stCondLst>
+                                  <p:childTnLst>
+                                    <p:set>
+                                      <p:cBhvr>
+                                        <p:cTn id="9" dur="1" fill="hold">
+                                          <p:stCondLst>
+                                            <p:cond delay="0"/>
+                                          </p:stCondLst>
+                                        </p:cTn>
+                                        <p:tgtEl>
+                                          <p:spTgt spid="8"/>
+                                        </p:tgtEl>
+                                        <p:attrNameLst>
+                                          <p:attrName>style.visibility</p:attrName>
+                                        </p:attrNameLst>
+                                      </p:cBhvr>
+                                      <p:to>
+                                        <p:strVal val="visible"/>
+                                      </p:to>
+                                    </p:set>
+                                    <p:animEffect transition="in" filter="fade">
+                                      <p:cBhvr>
+                                        <p:cTn id="10" dur="500"/>
+                                        <p:tgtEl>
+                                          <p:spTgt spid="8"/>
+                                        </p:tgtEl>
+                                      </p:cBhvr>
+                                    </p:animEffect>
+                                  </p:childTnLst>
+                                </p:cTn>
+                              </p:par>
                             </p:childTnLst>
                           </p:cTn>
                         </p:par>
@@ -21331,7 +25764,305 @@
 </p:sld>
 </file>
 
-<file path=ppt/slides/slide3.xml><?xml version="1.0" encoding="utf-8"?>
+<file path=ppt/slides/slide34.xml><?xml version="1.0" encoding="utf-8"?>
+<p:sld xmlns:a="http://schemas.openxmlformats.org/drawingml/2006/main" xmlns:r="http://schemas.openxmlformats.org/officeDocument/2006/relationships" xmlns:p="http://schemas.openxmlformats.org/presentationml/2006/main">
+  <p:cSld>
+    <p:spTree>
+      <p:nvGrpSpPr>
+        <p:cNvPr id="1" name=""/>
+        <p:cNvGrpSpPr/>
+        <p:nvPr/>
+      </p:nvGrpSpPr>
+      <p:grpSpPr>
+        <a:xfrm>
+          <a:off x="0" y="0"/>
+          <a:ext cx="0" cy="0"/>
+          <a:chOff x="0" y="0"/>
+          <a:chExt cx="0" cy="0"/>
+        </a:xfrm>
+      </p:grpSpPr>
+      <p:sp>
+        <p:nvSpPr>
+          <p:cNvPr id="7" name="Título 1">
+            <a:extLst>
+              <a:ext uri="{FF2B5EF4-FFF2-40B4-BE49-F238E27FC236}">
+                <a16:creationId xmlns:a16="http://schemas.microsoft.com/office/drawing/2014/main" id="{99F76FBE-1BC2-4EE6-B90A-22263BF7BDCD}"/>
+              </a:ext>
+            </a:extLst>
+          </p:cNvPr>
+          <p:cNvSpPr txBox="1">
+            <a:spLocks/>
+          </p:cNvSpPr>
+          <p:nvPr/>
+        </p:nvSpPr>
+        <p:spPr>
+          <a:xfrm>
+            <a:off x="797859" y="862497"/>
+            <a:ext cx="10515600" cy="1325563"/>
+          </a:xfrm>
+          <a:prstGeom prst="rect">
+            <a:avLst/>
+          </a:prstGeom>
+        </p:spPr>
+        <p:txBody>
+          <a:bodyPr vert="horz" lIns="91440" tIns="45720" rIns="91440" bIns="45720" rtlCol="0" anchor="ctr">
+            <a:normAutofit/>
+          </a:bodyPr>
+          <a:lstStyle>
+            <a:lvl1pPr algn="l" defTabSz="914400" rtl="0" eaLnBrk="1" latinLnBrk="0" hangingPunct="1">
+              <a:lnSpc>
+                <a:spcPct val="90000"/>
+              </a:lnSpc>
+              <a:spcBef>
+                <a:spcPct val="0"/>
+              </a:spcBef>
+              <a:buNone/>
+              <a:defRPr sz="4400" kern="1200">
+                <a:solidFill>
+                  <a:schemeClr val="tx1"/>
+                </a:solidFill>
+                <a:latin typeface="+mj-lt"/>
+                <a:ea typeface="+mj-ea"/>
+                <a:cs typeface="+mj-cs"/>
+              </a:defRPr>
+            </a:lvl1pPr>
+          </a:lstStyle>
+          <a:p>
+            <a:pPr algn="ctr"/>
+            <a:r>
+              <a:rPr lang="pt-BR" dirty="0" smtClean="0">
+                <a:solidFill>
+                  <a:schemeClr val="tx1">
+                    <a:lumMod val="75000"/>
+                    <a:lumOff val="25000"/>
+                  </a:schemeClr>
+                </a:solidFill>
+                <a:latin typeface="Bariol Bold" panose="02000506040000020003" pitchFamily="2" charset="0"/>
+              </a:rPr>
+              <a:t>Obrigado pela atenção!</a:t>
+            </a:r>
+            <a:endParaRPr lang="pt-BR" dirty="0">
+              <a:solidFill>
+                <a:schemeClr val="tx1">
+                  <a:lumMod val="75000"/>
+                  <a:lumOff val="25000"/>
+                </a:schemeClr>
+              </a:solidFill>
+              <a:latin typeface="Bariol Bold" panose="02000506040000020003" pitchFamily="2" charset="0"/>
+            </a:endParaRPr>
+          </a:p>
+        </p:txBody>
+      </p:sp>
+      <p:pic>
+        <p:nvPicPr>
+          <p:cNvPr id="5" name="Imagem 4"/>
+          <p:cNvPicPr>
+            <a:picLocks noChangeAspect="1"/>
+          </p:cNvPicPr>
+          <p:nvPr/>
+        </p:nvPicPr>
+        <p:blipFill>
+          <a:blip r:embed="rId2" cstate="print">
+            <a:extLst>
+              <a:ext uri="{28A0092B-C50C-407E-A947-70E740481C1C}">
+                <a14:useLocalDpi xmlns:a14="http://schemas.microsoft.com/office/drawing/2010/main" val="0"/>
+              </a:ext>
+            </a:extLst>
+          </a:blip>
+          <a:stretch>
+            <a:fillRect/>
+          </a:stretch>
+        </p:blipFill>
+        <p:spPr>
+          <a:xfrm>
+            <a:off x="11313459" y="286497"/>
+            <a:ext cx="576000" cy="576000"/>
+          </a:xfrm>
+          <a:prstGeom prst="rect">
+            <a:avLst/>
+          </a:prstGeom>
+        </p:spPr>
+      </p:pic>
+      <p:pic>
+        <p:nvPicPr>
+          <p:cNvPr id="6" name="Imagem 5"/>
+          <p:cNvPicPr>
+            <a:picLocks noChangeAspect="1"/>
+          </p:cNvPicPr>
+          <p:nvPr/>
+        </p:nvPicPr>
+        <p:blipFill>
+          <a:blip r:embed="rId3">
+            <a:extLst>
+              <a:ext uri="{28A0092B-C50C-407E-A947-70E740481C1C}">
+                <a14:useLocalDpi xmlns:a14="http://schemas.microsoft.com/office/drawing/2010/main" val="0"/>
+              </a:ext>
+            </a:extLst>
+          </a:blip>
+          <a:stretch>
+            <a:fillRect/>
+          </a:stretch>
+        </p:blipFill>
+        <p:spPr>
+          <a:xfrm>
+            <a:off x="3582816" y="2188060"/>
+            <a:ext cx="4945685" cy="4041277"/>
+          </a:xfrm>
+          <a:prstGeom prst="rect">
+            <a:avLst/>
+          </a:prstGeom>
+        </p:spPr>
+      </p:pic>
+    </p:spTree>
+    <p:extLst>
+      <p:ext uri="{BB962C8B-B14F-4D97-AF65-F5344CB8AC3E}">
+        <p14:creationId xmlns:p14="http://schemas.microsoft.com/office/powerpoint/2010/main" val="4215221278"/>
+      </p:ext>
+    </p:extLst>
+  </p:cSld>
+  <p:clrMapOvr>
+    <a:masterClrMapping/>
+  </p:clrMapOvr>
+  <mc:AlternateContent xmlns:mc="http://schemas.openxmlformats.org/markup-compatibility/2006" xmlns:p14="http://schemas.microsoft.com/office/powerpoint/2010/main">
+    <mc:Choice Requires="p14">
+      <p:transition spd="med" p14:dur="700">
+        <p:fade/>
+      </p:transition>
+    </mc:Choice>
+    <mc:Fallback xmlns="">
+      <p:transition spd="med">
+        <p:fade/>
+      </p:transition>
+    </mc:Fallback>
+  </mc:AlternateContent>
+  <p:timing>
+    <p:tnLst>
+      <p:par>
+        <p:cTn id="1" dur="indefinite" restart="never" nodeType="tmRoot">
+          <p:childTnLst>
+            <p:seq concurrent="1" nextAc="seek">
+              <p:cTn id="2" dur="indefinite" nodeType="mainSeq">
+                <p:childTnLst>
+                  <p:par>
+                    <p:cTn id="3" fill="hold">
+                      <p:stCondLst>
+                        <p:cond delay="indefinite"/>
+                        <p:cond evt="onBegin" delay="0">
+                          <p:tn val="2"/>
+                        </p:cond>
+                      </p:stCondLst>
+                      <p:childTnLst>
+                        <p:par>
+                          <p:cTn id="4" fill="hold">
+                            <p:stCondLst>
+                              <p:cond delay="0"/>
+                            </p:stCondLst>
+                            <p:childTnLst>
+                              <p:par>
+                                <p:cTn id="5" presetID="10" presetClass="entr" presetSubtype="0" fill="hold" grpId="0" nodeType="afterEffect">
+                                  <p:stCondLst>
+                                    <p:cond delay="0"/>
+                                  </p:stCondLst>
+                                  <p:childTnLst>
+                                    <p:set>
+                                      <p:cBhvr>
+                                        <p:cTn id="6" dur="1" fill="hold">
+                                          <p:stCondLst>
+                                            <p:cond delay="0"/>
+                                          </p:stCondLst>
+                                        </p:cTn>
+                                        <p:tgtEl>
+                                          <p:spTgt spid="7"/>
+                                        </p:tgtEl>
+                                        <p:attrNameLst>
+                                          <p:attrName>style.visibility</p:attrName>
+                                        </p:attrNameLst>
+                                      </p:cBhvr>
+                                      <p:to>
+                                        <p:strVal val="visible"/>
+                                      </p:to>
+                                    </p:set>
+                                    <p:animEffect transition="in" filter="fade">
+                                      <p:cBhvr>
+                                        <p:cTn id="7" dur="500"/>
+                                        <p:tgtEl>
+                                          <p:spTgt spid="7"/>
+                                        </p:tgtEl>
+                                      </p:cBhvr>
+                                    </p:animEffect>
+                                  </p:childTnLst>
+                                </p:cTn>
+                              </p:par>
+                              <p:par>
+                                <p:cTn id="8" presetID="10" presetClass="entr" presetSubtype="0" fill="hold" nodeType="withEffect">
+                                  <p:stCondLst>
+                                    <p:cond delay="0"/>
+                                  </p:stCondLst>
+                                  <p:childTnLst>
+                                    <p:set>
+                                      <p:cBhvr>
+                                        <p:cTn id="9" dur="1" fill="hold">
+                                          <p:stCondLst>
+                                            <p:cond delay="0"/>
+                                          </p:stCondLst>
+                                        </p:cTn>
+                                        <p:tgtEl>
+                                          <p:spTgt spid="6"/>
+                                        </p:tgtEl>
+                                        <p:attrNameLst>
+                                          <p:attrName>style.visibility</p:attrName>
+                                        </p:attrNameLst>
+                                      </p:cBhvr>
+                                      <p:to>
+                                        <p:strVal val="visible"/>
+                                      </p:to>
+                                    </p:set>
+                                    <p:animEffect transition="in" filter="fade">
+                                      <p:cBhvr>
+                                        <p:cTn id="10" dur="500"/>
+                                        <p:tgtEl>
+                                          <p:spTgt spid="6"/>
+                                        </p:tgtEl>
+                                      </p:cBhvr>
+                                    </p:animEffect>
+                                  </p:childTnLst>
+                                </p:cTn>
+                              </p:par>
+                            </p:childTnLst>
+                          </p:cTn>
+                        </p:par>
+                      </p:childTnLst>
+                    </p:cTn>
+                  </p:par>
+                </p:childTnLst>
+              </p:cTn>
+              <p:prevCondLst>
+                <p:cond evt="onPrev" delay="0">
+                  <p:tgtEl>
+                    <p:sldTgt/>
+                  </p:tgtEl>
+                </p:cond>
+              </p:prevCondLst>
+              <p:nextCondLst>
+                <p:cond evt="onNext" delay="0">
+                  <p:tgtEl>
+                    <p:sldTgt/>
+                  </p:tgtEl>
+                </p:cond>
+              </p:nextCondLst>
+            </p:seq>
+          </p:childTnLst>
+        </p:cTn>
+      </p:par>
+    </p:tnLst>
+    <p:bldLst>
+      <p:bldP spid="7" grpId="0"/>
+    </p:bldLst>
+  </p:timing>
+</p:sld>
+</file>
+
+<file path=ppt/slides/slide4.xml><?xml version="1.0" encoding="utf-8"?>
 <p:sld xmlns:a="http://schemas.openxmlformats.org/drawingml/2006/main" xmlns:r="http://schemas.openxmlformats.org/officeDocument/2006/relationships" xmlns:p="http://schemas.openxmlformats.org/presentationml/2006/main">
   <p:cSld>
     <p:spTree>
@@ -21672,270 +26403,7 @@
 </p:sld>
 </file>
 
-<file path=ppt/slides/slide30.xml><?xml version="1.0" encoding="utf-8"?>
-<p:sld xmlns:a="http://schemas.openxmlformats.org/drawingml/2006/main" xmlns:r="http://schemas.openxmlformats.org/officeDocument/2006/relationships" xmlns:p="http://schemas.openxmlformats.org/presentationml/2006/main">
-  <p:cSld>
-    <p:spTree>
-      <p:nvGrpSpPr>
-        <p:cNvPr id="1" name=""/>
-        <p:cNvGrpSpPr/>
-        <p:nvPr/>
-      </p:nvGrpSpPr>
-      <p:grpSpPr>
-        <a:xfrm>
-          <a:off x="0" y="0"/>
-          <a:ext cx="0" cy="0"/>
-          <a:chOff x="0" y="0"/>
-          <a:chExt cx="0" cy="0"/>
-        </a:xfrm>
-      </p:grpSpPr>
-      <p:sp>
-        <p:nvSpPr>
-          <p:cNvPr id="7" name="Título 1">
-            <a:extLst>
-              <a:ext uri="{FF2B5EF4-FFF2-40B4-BE49-F238E27FC236}">
-                <a16:creationId xmlns:a16="http://schemas.microsoft.com/office/drawing/2014/main" id="{99F76FBE-1BC2-4EE6-B90A-22263BF7BDCD}"/>
-              </a:ext>
-            </a:extLst>
-          </p:cNvPr>
-          <p:cNvSpPr txBox="1">
-            <a:spLocks/>
-          </p:cNvSpPr>
-          <p:nvPr/>
-        </p:nvSpPr>
-        <p:spPr>
-          <a:xfrm>
-            <a:off x="838199" y="1433807"/>
-            <a:ext cx="10515600" cy="1325563"/>
-          </a:xfrm>
-          <a:prstGeom prst="rect">
-            <a:avLst/>
-          </a:prstGeom>
-        </p:spPr>
-        <p:txBody>
-          <a:bodyPr vert="horz" lIns="91440" tIns="45720" rIns="91440" bIns="45720" rtlCol="0" anchor="ctr">
-            <a:normAutofit/>
-          </a:bodyPr>
-          <a:lstStyle>
-            <a:lvl1pPr algn="l" defTabSz="914400" rtl="0" eaLnBrk="1" latinLnBrk="0" hangingPunct="1">
-              <a:lnSpc>
-                <a:spcPct val="90000"/>
-              </a:lnSpc>
-              <a:spcBef>
-                <a:spcPct val="0"/>
-              </a:spcBef>
-              <a:buNone/>
-              <a:defRPr sz="4400" kern="1200">
-                <a:solidFill>
-                  <a:schemeClr val="tx1"/>
-                </a:solidFill>
-                <a:latin typeface="+mj-lt"/>
-                <a:ea typeface="+mj-ea"/>
-                <a:cs typeface="+mj-cs"/>
-              </a:defRPr>
-            </a:lvl1pPr>
-          </a:lstStyle>
-          <a:p>
-            <a:pPr algn="ctr"/>
-            <a:r>
-              <a:rPr lang="pt-BR" dirty="0" smtClean="0">
-                <a:solidFill>
-                  <a:schemeClr val="tx1">
-                    <a:lumMod val="75000"/>
-                    <a:lumOff val="25000"/>
-                  </a:schemeClr>
-                </a:solidFill>
-                <a:latin typeface="Bariol Bold" panose="02000506040000020003" pitchFamily="2" charset="0"/>
-              </a:rPr>
-              <a:t>Obrigado pela atenção!</a:t>
-            </a:r>
-            <a:endParaRPr lang="pt-BR" dirty="0">
-              <a:solidFill>
-                <a:schemeClr val="tx1">
-                  <a:lumMod val="75000"/>
-                  <a:lumOff val="25000"/>
-                </a:schemeClr>
-              </a:solidFill>
-              <a:latin typeface="Bariol Bold" panose="02000506040000020003" pitchFamily="2" charset="0"/>
-            </a:endParaRPr>
-          </a:p>
-        </p:txBody>
-      </p:sp>
-      <p:pic>
-        <p:nvPicPr>
-          <p:cNvPr id="5" name="Imagem 4"/>
-          <p:cNvPicPr>
-            <a:picLocks noChangeAspect="1"/>
-          </p:cNvPicPr>
-          <p:nvPr/>
-        </p:nvPicPr>
-        <p:blipFill>
-          <a:blip r:embed="rId2" cstate="print">
-            <a:extLst>
-              <a:ext uri="{28A0092B-C50C-407E-A947-70E740481C1C}">
-                <a14:useLocalDpi xmlns:a14="http://schemas.microsoft.com/office/drawing/2010/main" val="0"/>
-              </a:ext>
-            </a:extLst>
-          </a:blip>
-          <a:stretch>
-            <a:fillRect/>
-          </a:stretch>
-        </p:blipFill>
-        <p:spPr>
-          <a:xfrm>
-            <a:off x="11313459" y="286497"/>
-            <a:ext cx="576000" cy="576000"/>
-          </a:xfrm>
-          <a:prstGeom prst="rect">
-            <a:avLst/>
-          </a:prstGeom>
-        </p:spPr>
-      </p:pic>
-      <p:pic>
-        <p:nvPicPr>
-          <p:cNvPr id="6" name="Imagem 5"/>
-          <p:cNvPicPr>
-            <a:picLocks noChangeAspect="1"/>
-          </p:cNvPicPr>
-          <p:nvPr/>
-        </p:nvPicPr>
-        <p:blipFill>
-          <a:blip r:embed="rId3">
-            <a:extLst>
-              <a:ext uri="{28A0092B-C50C-407E-A947-70E740481C1C}">
-                <a14:useLocalDpi xmlns:a14="http://schemas.microsoft.com/office/drawing/2010/main" val="0"/>
-              </a:ext>
-            </a:extLst>
-          </a:blip>
-          <a:stretch>
-            <a:fillRect/>
-          </a:stretch>
-        </p:blipFill>
-        <p:spPr>
-          <a:xfrm>
-            <a:off x="3623156" y="2759370"/>
-            <a:ext cx="4945685" cy="4041277"/>
-          </a:xfrm>
-          <a:prstGeom prst="rect">
-            <a:avLst/>
-          </a:prstGeom>
-        </p:spPr>
-      </p:pic>
-    </p:spTree>
-    <p:extLst>
-      <p:ext uri="{BB962C8B-B14F-4D97-AF65-F5344CB8AC3E}">
-        <p14:creationId xmlns:p14="http://schemas.microsoft.com/office/powerpoint/2010/main" val="4215221278"/>
-      </p:ext>
-    </p:extLst>
-  </p:cSld>
-  <p:clrMapOvr>
-    <a:masterClrMapping/>
-  </p:clrMapOvr>
-  <mc:AlternateContent xmlns:mc="http://schemas.openxmlformats.org/markup-compatibility/2006" xmlns:p14="http://schemas.microsoft.com/office/powerpoint/2010/main">
-    <mc:Choice Requires="p14">
-      <p:transition spd="med" p14:dur="700">
-        <p:fade/>
-      </p:transition>
-    </mc:Choice>
-    <mc:Fallback xmlns="">
-      <p:transition spd="med">
-        <p:fade/>
-      </p:transition>
-    </mc:Fallback>
-  </mc:AlternateContent>
-  <p:timing>
-    <p:tnLst>
-      <p:par>
-        <p:cTn id="1" dur="indefinite" restart="never" nodeType="tmRoot">
-          <p:childTnLst>
-            <p:seq concurrent="1" nextAc="seek">
-              <p:cTn id="2" dur="indefinite" nodeType="mainSeq">
-                <p:childTnLst>
-                  <p:par>
-                    <p:cTn id="3" fill="hold">
-                      <p:stCondLst>
-                        <p:cond delay="indefinite"/>
-                        <p:cond evt="onBegin" delay="0">
-                          <p:tn val="2"/>
-                        </p:cond>
-                      </p:stCondLst>
-                      <p:childTnLst>
-                        <p:par>
-                          <p:cTn id="4" fill="hold">
-                            <p:stCondLst>
-                              <p:cond delay="0"/>
-                            </p:stCondLst>
-                            <p:childTnLst>
-                              <p:par>
-                                <p:cTn id="5" presetID="10" presetClass="entr" presetSubtype="0" fill="hold" grpId="0" nodeType="afterEffect">
-                                  <p:stCondLst>
-                                    <p:cond delay="0"/>
-                                  </p:stCondLst>
-                                  <p:childTnLst>
-                                    <p:set>
-                                      <p:cBhvr>
-                                        <p:cTn id="6" dur="1" fill="hold">
-                                          <p:stCondLst>
-                                            <p:cond delay="0"/>
-                                          </p:stCondLst>
-                                        </p:cTn>
-                                        <p:tgtEl>
-                                          <p:spTgt spid="7"/>
-                                        </p:tgtEl>
-                                        <p:attrNameLst>
-                                          <p:attrName>style.visibility</p:attrName>
-                                        </p:attrNameLst>
-                                      </p:cBhvr>
-                                      <p:to>
-                                        <p:strVal val="visible"/>
-                                      </p:to>
-                                    </p:set>
-                                    <p:animEffect transition="in" filter="fade">
-                                      <p:cBhvr>
-                                        <p:cTn id="7" dur="500"/>
-                                        <p:tgtEl>
-                                          <p:spTgt spid="7"/>
-                                        </p:tgtEl>
-                                      </p:cBhvr>
-                                    </p:animEffect>
-                                  </p:childTnLst>
-                                </p:cTn>
-                              </p:par>
-                            </p:childTnLst>
-                          </p:cTn>
-                        </p:par>
-                      </p:childTnLst>
-                    </p:cTn>
-                  </p:par>
-                </p:childTnLst>
-              </p:cTn>
-              <p:prevCondLst>
-                <p:cond evt="onPrev" delay="0">
-                  <p:tgtEl>
-                    <p:sldTgt/>
-                  </p:tgtEl>
-                </p:cond>
-              </p:prevCondLst>
-              <p:nextCondLst>
-                <p:cond evt="onNext" delay="0">
-                  <p:tgtEl>
-                    <p:sldTgt/>
-                  </p:tgtEl>
-                </p:cond>
-              </p:nextCondLst>
-            </p:seq>
-          </p:childTnLst>
-        </p:cTn>
-      </p:par>
-    </p:tnLst>
-    <p:bldLst>
-      <p:bldP spid="7" grpId="0"/>
-    </p:bldLst>
-  </p:timing>
-</p:sld>
-</file>
-
-<file path=ppt/slides/slide4.xml><?xml version="1.0" encoding="utf-8"?>
+<file path=ppt/slides/slide5.xml><?xml version="1.0" encoding="utf-8"?>
 <p:sld xmlns:a="http://schemas.openxmlformats.org/drawingml/2006/main" xmlns:r="http://schemas.openxmlformats.org/officeDocument/2006/relationships" xmlns:p="http://schemas.openxmlformats.org/presentationml/2006/main">
   <p:cSld>
     <p:spTree>
@@ -22467,7 +26935,7 @@
 </p:sld>
 </file>
 
-<file path=ppt/slides/slide5.xml><?xml version="1.0" encoding="utf-8"?>
+<file path=ppt/slides/slide6.xml><?xml version="1.0" encoding="utf-8"?>
 <p:sld xmlns:a="http://schemas.openxmlformats.org/drawingml/2006/main" xmlns:r="http://schemas.openxmlformats.org/officeDocument/2006/relationships" xmlns:p="http://schemas.openxmlformats.org/presentationml/2006/main">
   <p:cSld>
     <p:spTree>
@@ -22765,7 +27233,7 @@
 </p:sld>
 </file>
 
-<file path=ppt/slides/slide6.xml><?xml version="1.0" encoding="utf-8"?>
+<file path=ppt/slides/slide7.xml><?xml version="1.0" encoding="utf-8"?>
 <p:sld xmlns:a="http://schemas.openxmlformats.org/drawingml/2006/main" xmlns:r="http://schemas.openxmlformats.org/officeDocument/2006/relationships" xmlns:p="http://schemas.openxmlformats.org/presentationml/2006/main">
   <p:cSld>
     <p:spTree>
@@ -23386,7 +27854,7 @@
 </p:sld>
 </file>
 
-<file path=ppt/slides/slide7.xml><?xml version="1.0" encoding="utf-8"?>
+<file path=ppt/slides/slide8.xml><?xml version="1.0" encoding="utf-8"?>
 <p:sld xmlns:a="http://schemas.openxmlformats.org/drawingml/2006/main" xmlns:r="http://schemas.openxmlformats.org/officeDocument/2006/relationships" xmlns:p="http://schemas.openxmlformats.org/presentationml/2006/main">
   <p:cSld>
     <p:spTree>
@@ -23764,7 +28232,7 @@
 </p:sld>
 </file>
 
-<file path=ppt/slides/slide8.xml><?xml version="1.0" encoding="utf-8"?>
+<file path=ppt/slides/slide9.xml><?xml version="1.0" encoding="utf-8"?>
 <p:sld xmlns:a="http://schemas.openxmlformats.org/drawingml/2006/main" xmlns:r="http://schemas.openxmlformats.org/officeDocument/2006/relationships" xmlns:p="http://schemas.openxmlformats.org/presentationml/2006/main">
   <p:cSld>
     <p:spTree>
@@ -23940,7 +28408,7 @@
           <a:blip r:embed="rId5">
             <a:extLst>
               <a:ext uri="{96DAC541-7B7A-43D3-8B79-37D633B846F1}">
-                <asvg:svgBlip xmlns="" xmlns:asvg="http://schemas.microsoft.com/office/drawing/2016/SVG/main" r:embed="rId6"/>
+                <asvg:svgBlip xmlns:asvg="http://schemas.microsoft.com/office/drawing/2016/SVG/main" xmlns="" r:embed="rId6"/>
               </a:ext>
             </a:extLst>
           </a:blip>
@@ -23976,7 +28444,7 @@
           <a:blip r:embed="rId5">
             <a:extLst>
               <a:ext uri="{96DAC541-7B7A-43D3-8B79-37D633B846F1}">
-                <asvg:svgBlip xmlns="" xmlns:asvg="http://schemas.microsoft.com/office/drawing/2016/SVG/main" r:embed="rId6"/>
+                <asvg:svgBlip xmlns:asvg="http://schemas.microsoft.com/office/drawing/2016/SVG/main" xmlns="" r:embed="rId6"/>
               </a:ext>
             </a:extLst>
           </a:blip>
@@ -25512,132 +29980,6 @@
 </p:sld>
 </file>
 
-<file path=ppt/slides/slide9.xml><?xml version="1.0" encoding="utf-8"?>
-<p:sld xmlns:a="http://schemas.openxmlformats.org/drawingml/2006/main" xmlns:r="http://schemas.openxmlformats.org/officeDocument/2006/relationships" xmlns:p="http://schemas.openxmlformats.org/presentationml/2006/main">
-  <p:cSld>
-    <p:spTree>
-      <p:nvGrpSpPr>
-        <p:cNvPr id="1" name=""/>
-        <p:cNvGrpSpPr/>
-        <p:nvPr/>
-      </p:nvGrpSpPr>
-      <p:grpSpPr>
-        <a:xfrm>
-          <a:off x="0" y="0"/>
-          <a:ext cx="0" cy="0"/>
-          <a:chOff x="0" y="0"/>
-          <a:chExt cx="0" cy="0"/>
-        </a:xfrm>
-      </p:grpSpPr>
-      <p:sp>
-        <p:nvSpPr>
-          <p:cNvPr id="2" name="Título 1">
-            <a:extLst>
-              <a:ext uri="{FF2B5EF4-FFF2-40B4-BE49-F238E27FC236}">
-                <a16:creationId xmlns:a16="http://schemas.microsoft.com/office/drawing/2014/main" id="{99F76FBE-1BC2-4EE6-B90A-22263BF7BDCD}"/>
-              </a:ext>
-            </a:extLst>
-          </p:cNvPr>
-          <p:cNvSpPr>
-            <a:spLocks noGrp="1"/>
-          </p:cNvSpPr>
-          <p:nvPr>
-            <p:ph type="title"/>
-          </p:nvPr>
-        </p:nvSpPr>
-        <p:spPr>
-          <a:xfrm>
-            <a:off x="797859" y="2886256"/>
-            <a:ext cx="10515600" cy="1325563"/>
-          </a:xfrm>
-        </p:spPr>
-        <p:txBody>
-          <a:bodyPr/>
-          <a:lstStyle/>
-          <a:p>
-            <a:pPr algn="ctr"/>
-            <a:r>
-              <a:rPr lang="pt-BR" dirty="0" smtClean="0">
-                <a:solidFill>
-                  <a:schemeClr val="tx1">
-                    <a:lumMod val="75000"/>
-                    <a:lumOff val="25000"/>
-                  </a:schemeClr>
-                </a:solidFill>
-                <a:latin typeface="Bariol Bold" panose="02000506040000020003" pitchFamily="2" charset="0"/>
-              </a:rPr>
-              <a:t>Planejamento</a:t>
-            </a:r>
-            <a:endParaRPr lang="pt-BR" dirty="0">
-              <a:solidFill>
-                <a:schemeClr val="tx1">
-                  <a:lumMod val="75000"/>
-                  <a:lumOff val="25000"/>
-                </a:schemeClr>
-              </a:solidFill>
-              <a:latin typeface="Bariol Bold" panose="02000506040000020003" pitchFamily="2" charset="0"/>
-            </a:endParaRPr>
-          </a:p>
-        </p:txBody>
-      </p:sp>
-      <p:pic>
-        <p:nvPicPr>
-          <p:cNvPr id="15" name="Imagem 14"/>
-          <p:cNvPicPr>
-            <a:picLocks noChangeAspect="1"/>
-          </p:cNvPicPr>
-          <p:nvPr/>
-        </p:nvPicPr>
-        <p:blipFill>
-          <a:blip r:embed="rId2" cstate="print">
-            <a:extLst>
-              <a:ext uri="{28A0092B-C50C-407E-A947-70E740481C1C}">
-                <a14:useLocalDpi xmlns:a14="http://schemas.microsoft.com/office/drawing/2010/main" val="0"/>
-              </a:ext>
-            </a:extLst>
-          </a:blip>
-          <a:stretch>
-            <a:fillRect/>
-          </a:stretch>
-        </p:blipFill>
-        <p:spPr>
-          <a:xfrm>
-            <a:off x="11313459" y="286497"/>
-            <a:ext cx="576000" cy="576000"/>
-          </a:xfrm>
-          <a:prstGeom prst="rect">
-            <a:avLst/>
-          </a:prstGeom>
-        </p:spPr>
-      </p:pic>
-    </p:spTree>
-    <p:extLst>
-      <p:ext uri="{BB962C8B-B14F-4D97-AF65-F5344CB8AC3E}">
-        <p14:creationId xmlns:p14="http://schemas.microsoft.com/office/powerpoint/2010/main" val="2525678743"/>
-      </p:ext>
-    </p:extLst>
-  </p:cSld>
-  <p:clrMapOvr>
-    <a:masterClrMapping/>
-  </p:clrMapOvr>
-  <mc:AlternateContent xmlns:mc="http://schemas.openxmlformats.org/markup-compatibility/2006" xmlns:p14="http://schemas.microsoft.com/office/powerpoint/2010/main">
-    <mc:Choice Requires="p14">
-      <p:transition spd="slow" p14:dur="2000" advClick="0"/>
-    </mc:Choice>
-    <mc:Fallback xmlns="">
-      <p:transition spd="slow" advClick="0"/>
-    </mc:Fallback>
-  </mc:AlternateContent>
-  <p:timing>
-    <p:tnLst>
-      <p:par>
-        <p:cTn id="1" dur="indefinite" restart="never" nodeType="tmRoot"/>
-      </p:par>
-    </p:tnLst>
-  </p:timing>
-</p:sld>
-</file>
-
 <file path=ppt/theme/theme1.xml><?xml version="1.0" encoding="utf-8"?>
 <a:theme xmlns:a="http://schemas.openxmlformats.org/drawingml/2006/main" name="Tema do Office">
   <a:themeElements>
